--- a/Simulation und Modellierung in der Medizininformatik_2.0.pptx
+++ b/Simulation und Modellierung in der Medizininformatik_2.0.pptx
@@ -5,35 +5,33 @@
     <p:sldMasterId id="2147483660" r:id="rId1"/>
   </p:sldMasterIdLst>
   <p:notesMasterIdLst>
-    <p:notesMasterId r:id="rId28"/>
+    <p:notesMasterId r:id="rId26"/>
   </p:notesMasterIdLst>
   <p:sldIdLst>
     <p:sldId id="256" r:id="rId2"/>
     <p:sldId id="258" r:id="rId3"/>
     <p:sldId id="275" r:id="rId4"/>
     <p:sldId id="259" r:id="rId5"/>
-    <p:sldId id="260" r:id="rId6"/>
-    <p:sldId id="261" r:id="rId7"/>
-    <p:sldId id="262" r:id="rId8"/>
-    <p:sldId id="263" r:id="rId9"/>
-    <p:sldId id="264" r:id="rId10"/>
-    <p:sldId id="265" r:id="rId11"/>
-    <p:sldId id="274" r:id="rId12"/>
-    <p:sldId id="267" r:id="rId13"/>
-    <p:sldId id="268" r:id="rId14"/>
-    <p:sldId id="270" r:id="rId15"/>
-    <p:sldId id="269" r:id="rId16"/>
-    <p:sldId id="271" r:id="rId17"/>
-    <p:sldId id="272" r:id="rId18"/>
-    <p:sldId id="273" r:id="rId19"/>
-    <p:sldId id="276" r:id="rId20"/>
-    <p:sldId id="278" r:id="rId21"/>
-    <p:sldId id="279" r:id="rId22"/>
-    <p:sldId id="280" r:id="rId23"/>
-    <p:sldId id="281" r:id="rId24"/>
-    <p:sldId id="282" r:id="rId25"/>
-    <p:sldId id="283" r:id="rId26"/>
-    <p:sldId id="277" r:id="rId27"/>
+    <p:sldId id="261" r:id="rId6"/>
+    <p:sldId id="262" r:id="rId7"/>
+    <p:sldId id="263" r:id="rId8"/>
+    <p:sldId id="264" r:id="rId9"/>
+    <p:sldId id="265" r:id="rId10"/>
+    <p:sldId id="274" r:id="rId11"/>
+    <p:sldId id="267" r:id="rId12"/>
+    <p:sldId id="270" r:id="rId13"/>
+    <p:sldId id="269" r:id="rId14"/>
+    <p:sldId id="271" r:id="rId15"/>
+    <p:sldId id="272" r:id="rId16"/>
+    <p:sldId id="273" r:id="rId17"/>
+    <p:sldId id="276" r:id="rId18"/>
+    <p:sldId id="278" r:id="rId19"/>
+    <p:sldId id="279" r:id="rId20"/>
+    <p:sldId id="280" r:id="rId21"/>
+    <p:sldId id="281" r:id="rId22"/>
+    <p:sldId id="282" r:id="rId23"/>
+    <p:sldId id="283" r:id="rId24"/>
+    <p:sldId id="277" r:id="rId25"/>
   </p:sldIdLst>
   <p:sldSz cx="12192000" cy="6858000"/>
   <p:notesSz cx="6858000" cy="9144000"/>
@@ -222,7 +220,7 @@
           <a:p>
             <a:fld id="{FD6F2EB6-504E-49DB-BD3E-A556E35ECB0F}" type="datetimeFigureOut">
               <a:rPr lang="de-DE" smtClean="0"/>
-              <a:t>12.06.2025</a:t>
+              <a:t>13.06.2025</a:t>
             </a:fld>
             <a:endParaRPr lang="de-DE"/>
           </a:p>
@@ -597,7 +595,7 @@
           <a:p>
             <a:fld id="{50722484-A2AF-4112-A2E4-F23BA6FC5A99}" type="slidenum">
               <a:rPr lang="de-DE" smtClean="0"/>
-              <a:t>14</a:t>
+              <a:t>12</a:t>
             </a:fld>
             <a:endParaRPr lang="de-DE"/>
           </a:p>
@@ -681,7 +679,7 @@
           <a:p>
             <a:fld id="{50722484-A2AF-4112-A2E4-F23BA6FC5A99}" type="slidenum">
               <a:rPr lang="de-DE" smtClean="0"/>
-              <a:t>20</a:t>
+              <a:t>18</a:t>
             </a:fld>
             <a:endParaRPr lang="de-DE"/>
           </a:p>
@@ -789,7 +787,7 @@
           <a:p>
             <a:fld id="{50722484-A2AF-4112-A2E4-F23BA6FC5A99}" type="slidenum">
               <a:rPr lang="de-DE" smtClean="0"/>
-              <a:t>21</a:t>
+              <a:t>19</a:t>
             </a:fld>
             <a:endParaRPr lang="de-DE"/>
           </a:p>
@@ -897,7 +895,7 @@
           <a:p>
             <a:fld id="{50722484-A2AF-4112-A2E4-F23BA6FC5A99}" type="slidenum">
               <a:rPr lang="de-DE" smtClean="0"/>
-              <a:t>22</a:t>
+              <a:t>20</a:t>
             </a:fld>
             <a:endParaRPr lang="de-DE"/>
           </a:p>
@@ -1005,7 +1003,7 @@
           <a:p>
             <a:fld id="{50722484-A2AF-4112-A2E4-F23BA6FC5A99}" type="slidenum">
               <a:rPr lang="de-DE" smtClean="0"/>
-              <a:t>23</a:t>
+              <a:t>21</a:t>
             </a:fld>
             <a:endParaRPr lang="de-DE"/>
           </a:p>
@@ -1113,7 +1111,7 @@
           <a:p>
             <a:fld id="{50722484-A2AF-4112-A2E4-F23BA6FC5A99}" type="slidenum">
               <a:rPr lang="de-DE" smtClean="0"/>
-              <a:t>24</a:t>
+              <a:t>22</a:t>
             </a:fld>
             <a:endParaRPr lang="de-DE"/>
           </a:p>
@@ -1221,7 +1219,7 @@
           <a:p>
             <a:fld id="{50722484-A2AF-4112-A2E4-F23BA6FC5A99}" type="slidenum">
               <a:rPr lang="de-DE" smtClean="0"/>
-              <a:t>25</a:t>
+              <a:t>23</a:t>
             </a:fld>
             <a:endParaRPr lang="de-DE"/>
           </a:p>
@@ -1962,7 +1960,7 @@
           <a:p>
             <a:fld id="{83AB6A7A-760E-487F-B824-C8AF509EACC5}" type="datetimeFigureOut">
               <a:rPr lang="de-DE" smtClean="0"/>
-              <a:t>12.06.2025</a:t>
+              <a:t>13.06.2025</a:t>
             </a:fld>
             <a:endParaRPr lang="de-DE"/>
           </a:p>
@@ -2213,7 +2211,7 @@
           <a:p>
             <a:fld id="{83AB6A7A-760E-487F-B824-C8AF509EACC5}" type="datetimeFigureOut">
               <a:rPr lang="de-DE" smtClean="0"/>
-              <a:t>12.06.2025</a:t>
+              <a:t>13.06.2025</a:t>
             </a:fld>
             <a:endParaRPr lang="de-DE"/>
           </a:p>
@@ -2527,7 +2525,7 @@
           <a:p>
             <a:fld id="{83AB6A7A-760E-487F-B824-C8AF509EACC5}" type="datetimeFigureOut">
               <a:rPr lang="de-DE" smtClean="0"/>
-              <a:t>12.06.2025</a:t>
+              <a:t>13.06.2025</a:t>
             </a:fld>
             <a:endParaRPr lang="de-DE"/>
           </a:p>
@@ -2868,7 +2866,7 @@
           <a:p>
             <a:fld id="{83AB6A7A-760E-487F-B824-C8AF509EACC5}" type="datetimeFigureOut">
               <a:rPr lang="de-DE" smtClean="0"/>
-              <a:t>12.06.2025</a:t>
+              <a:t>13.06.2025</a:t>
             </a:fld>
             <a:endParaRPr lang="de-DE"/>
           </a:p>
@@ -3182,7 +3180,7 @@
           <a:p>
             <a:fld id="{83AB6A7A-760E-487F-B824-C8AF509EACC5}" type="datetimeFigureOut">
               <a:rPr lang="de-DE" smtClean="0"/>
-              <a:t>12.06.2025</a:t>
+              <a:t>13.06.2025</a:t>
             </a:fld>
             <a:endParaRPr lang="de-DE"/>
           </a:p>
@@ -3575,7 +3573,7 @@
           <a:p>
             <a:fld id="{83AB6A7A-760E-487F-B824-C8AF509EACC5}" type="datetimeFigureOut">
               <a:rPr lang="de-DE" smtClean="0"/>
-              <a:t>12.06.2025</a:t>
+              <a:t>13.06.2025</a:t>
             </a:fld>
             <a:endParaRPr lang="de-DE"/>
           </a:p>
@@ -3745,7 +3743,7 @@
           <a:p>
             <a:fld id="{83AB6A7A-760E-487F-B824-C8AF509EACC5}" type="datetimeFigureOut">
               <a:rPr lang="de-DE" smtClean="0"/>
-              <a:t>12.06.2025</a:t>
+              <a:t>13.06.2025</a:t>
             </a:fld>
             <a:endParaRPr lang="de-DE"/>
           </a:p>
@@ -3925,7 +3923,7 @@
           <a:p>
             <a:fld id="{83AB6A7A-760E-487F-B824-C8AF509EACC5}" type="datetimeFigureOut">
               <a:rPr lang="de-DE" smtClean="0"/>
-              <a:t>12.06.2025</a:t>
+              <a:t>13.06.2025</a:t>
             </a:fld>
             <a:endParaRPr lang="de-DE"/>
           </a:p>
@@ -4101,7 +4099,7 @@
           <a:p>
             <a:fld id="{83AB6A7A-760E-487F-B824-C8AF509EACC5}" type="datetimeFigureOut">
               <a:rPr lang="de-DE" smtClean="0"/>
-              <a:t>12.06.2025</a:t>
+              <a:t>13.06.2025</a:t>
             </a:fld>
             <a:endParaRPr lang="de-DE"/>
           </a:p>
@@ -4348,7 +4346,7 @@
           <a:p>
             <a:fld id="{83AB6A7A-760E-487F-B824-C8AF509EACC5}" type="datetimeFigureOut">
               <a:rPr lang="de-DE" smtClean="0"/>
-              <a:t>12.06.2025</a:t>
+              <a:t>13.06.2025</a:t>
             </a:fld>
             <a:endParaRPr lang="de-DE"/>
           </a:p>
@@ -4580,7 +4578,7 @@
           <a:p>
             <a:fld id="{83AB6A7A-760E-487F-B824-C8AF509EACC5}" type="datetimeFigureOut">
               <a:rPr lang="de-DE" smtClean="0"/>
-              <a:t>12.06.2025</a:t>
+              <a:t>13.06.2025</a:t>
             </a:fld>
             <a:endParaRPr lang="de-DE"/>
           </a:p>
@@ -4954,7 +4952,7 @@
           <a:p>
             <a:fld id="{83AB6A7A-760E-487F-B824-C8AF509EACC5}" type="datetimeFigureOut">
               <a:rPr lang="de-DE" smtClean="0"/>
-              <a:t>12.06.2025</a:t>
+              <a:t>13.06.2025</a:t>
             </a:fld>
             <a:endParaRPr lang="de-DE"/>
           </a:p>
@@ -5077,7 +5075,7 @@
           <a:p>
             <a:fld id="{83AB6A7A-760E-487F-B824-C8AF509EACC5}" type="datetimeFigureOut">
               <a:rPr lang="de-DE" smtClean="0"/>
-              <a:t>12.06.2025</a:t>
+              <a:t>13.06.2025</a:t>
             </a:fld>
             <a:endParaRPr lang="de-DE"/>
           </a:p>
@@ -5172,7 +5170,7 @@
           <a:p>
             <a:fld id="{83AB6A7A-760E-487F-B824-C8AF509EACC5}" type="datetimeFigureOut">
               <a:rPr lang="de-DE" smtClean="0"/>
-              <a:t>12.06.2025</a:t>
+              <a:t>13.06.2025</a:t>
             </a:fld>
             <a:endParaRPr lang="de-DE"/>
           </a:p>
@@ -5427,7 +5425,7 @@
           <a:p>
             <a:fld id="{83AB6A7A-760E-487F-B824-C8AF509EACC5}" type="datetimeFigureOut">
               <a:rPr lang="de-DE" smtClean="0"/>
-              <a:t>12.06.2025</a:t>
+              <a:t>13.06.2025</a:t>
             </a:fld>
             <a:endParaRPr lang="de-DE"/>
           </a:p>
@@ -5690,7 +5688,7 @@
           <a:p>
             <a:fld id="{83AB6A7A-760E-487F-B824-C8AF509EACC5}" type="datetimeFigureOut">
               <a:rPr lang="de-DE" smtClean="0"/>
-              <a:t>12.06.2025</a:t>
+              <a:t>13.06.2025</a:t>
             </a:fld>
             <a:endParaRPr lang="de-DE"/>
           </a:p>
@@ -6433,7 +6431,7 @@
           <a:p>
             <a:fld id="{83AB6A7A-760E-487F-B824-C8AF509EACC5}" type="datetimeFigureOut">
               <a:rPr lang="de-DE" smtClean="0"/>
-              <a:t>12.06.2025</a:t>
+              <a:t>13.06.2025</a:t>
             </a:fld>
             <a:endParaRPr lang="de-DE"/>
           </a:p>
@@ -7065,7 +7063,13 @@
   <p:cSld>
     <p:spTree>
       <p:nvGrpSpPr>
-        <p:cNvPr id="1" name=""/>
+        <p:cNvPr id="1" name="">
+          <a:extLst>
+            <a:ext uri="{FF2B5EF4-FFF2-40B4-BE49-F238E27FC236}">
+              <a16:creationId xmlns:a16="http://schemas.microsoft.com/office/drawing/2014/main" id="{E03FF127-3B74-78B5-E480-8421D9034842}"/>
+            </a:ext>
+          </a:extLst>
+        </p:cNvPr>
         <p:cNvGrpSpPr/>
         <p:nvPr/>
       </p:nvGrpSpPr>
@@ -7082,7 +7086,7 @@
           <p:cNvPr id="2" name="Titel 1">
             <a:extLst>
               <a:ext uri="{FF2B5EF4-FFF2-40B4-BE49-F238E27FC236}">
-                <a16:creationId xmlns:a16="http://schemas.microsoft.com/office/drawing/2014/main" id="{6CC08FF9-252B-48DF-FAEF-9205D0350A36}"/>
+                <a16:creationId xmlns:a16="http://schemas.microsoft.com/office/drawing/2014/main" id="{B236F251-40EF-EE66-5846-08B13F311175}"/>
               </a:ext>
             </a:extLst>
           </p:cNvPr>
@@ -7090,25 +7094,21 @@
             <a:spLocks noGrp="1"/>
           </p:cNvSpPr>
           <p:nvPr>
-            <p:ph type="title"/>
+            <p:ph type="ctrTitle"/>
           </p:nvPr>
         </p:nvSpPr>
         <p:spPr/>
         <p:txBody>
-          <a:bodyPr/>
-          <a:lstStyle/>
-          <a:p>
-            <a:r>
-              <a:rPr lang="de-DE" sz="2000" b="1" dirty="0"/>
-              <a:t>Modellierung</a:t>
-            </a:r>
-            <a:br>
-              <a:rPr lang="de-DE" b="1" dirty="0"/>
-            </a:br>
-            <a:r>
-              <a:rPr lang="de-DE" b="1" dirty="0"/>
-              <a:t>7. Zukunftsperspektiven</a:t>
-            </a:r>
+          <a:bodyPr>
+            <a:normAutofit/>
+          </a:bodyPr>
+          <a:lstStyle/>
+          <a:p>
+            <a:r>
+              <a:rPr lang="de-DE" sz="4900" b="1" dirty="0"/>
+              <a:t>Simulation in der Medizininformatik</a:t>
+            </a:r>
+            <a:endParaRPr lang="de-DE" b="1" dirty="0"/>
           </a:p>
         </p:txBody>
       </p:sp>
@@ -7117,7 +7117,7 @@
           <p:cNvPr id="3" name="Inhaltsplatzhalter 2">
             <a:extLst>
               <a:ext uri="{FF2B5EF4-FFF2-40B4-BE49-F238E27FC236}">
-                <a16:creationId xmlns:a16="http://schemas.microsoft.com/office/drawing/2014/main" id="{24205176-5B6D-011F-12F1-AF2B762A5249}"/>
+                <a16:creationId xmlns:a16="http://schemas.microsoft.com/office/drawing/2014/main" id="{833D201A-FE29-571E-E577-8A3E458CB2A7}"/>
               </a:ext>
             </a:extLst>
           </p:cNvPr>
@@ -7125,7 +7125,7 @@
             <a:spLocks noGrp="1"/>
           </p:cNvSpPr>
           <p:nvPr>
-            <p:ph idx="1"/>
+            <p:ph type="subTitle" idx="1"/>
           </p:nvPr>
         </p:nvSpPr>
         <p:spPr/>
@@ -7135,48 +7135,6 @@
           </a:bodyPr>
           <a:lstStyle/>
           <a:p>
-            <a:r>
-              <a:rPr lang="de-DE" sz="2400" dirty="0"/>
-              <a:t>Kombination von </a:t>
-            </a:r>
-            <a:r>
-              <a:rPr lang="de-DE" sz="2400" b="1" dirty="0"/>
-              <a:t>Modellen mit Echtzeitdaten</a:t>
-            </a:r>
-            <a:r>
-              <a:rPr lang="de-DE" sz="2400" dirty="0"/>
-              <a:t> (z. B. Wearables)</a:t>
-            </a:r>
-          </a:p>
-          <a:p>
-            <a:r>
-              <a:rPr lang="de-DE" sz="2400" b="1" dirty="0"/>
-              <a:t>Digitale Zwillinge</a:t>
-            </a:r>
-            <a:r>
-              <a:rPr lang="de-DE" sz="2400" dirty="0"/>
-              <a:t> von Patienten</a:t>
-            </a:r>
-          </a:p>
-          <a:p>
-            <a:r>
-              <a:rPr lang="de-DE" sz="2400" b="1" dirty="0"/>
-              <a:t>Adaptive Modellierung</a:t>
-            </a:r>
-            <a:r>
-              <a:rPr lang="de-DE" sz="2400" dirty="0"/>
-              <a:t> mit KI</a:t>
-            </a:r>
-          </a:p>
-          <a:p>
-            <a:r>
-              <a:rPr lang="de-DE" sz="2400" dirty="0"/>
-              <a:t>Integration in </a:t>
-            </a:r>
-            <a:r>
-              <a:rPr lang="de-DE" sz="2400" b="1" dirty="0"/>
-              <a:t>elektronische Gesundheitsakten</a:t>
-            </a:r>
             <a:endParaRPr lang="de-DE" sz="2400" dirty="0"/>
           </a:p>
         </p:txBody>
@@ -7184,7 +7142,7 @@
     </p:spTree>
     <p:extLst>
       <p:ext uri="{BB962C8B-B14F-4D97-AF65-F5344CB8AC3E}">
-        <p14:creationId xmlns:p14="http://schemas.microsoft.com/office/powerpoint/2010/main" val="2636363178"/>
+        <p14:creationId xmlns:p14="http://schemas.microsoft.com/office/powerpoint/2010/main" val="1108332482"/>
       </p:ext>
     </p:extLst>
   </p:cSld>
@@ -7214,7 +7172,7 @@
         <p:cNvPr id="1" name="">
           <a:extLst>
             <a:ext uri="{FF2B5EF4-FFF2-40B4-BE49-F238E27FC236}">
-              <a16:creationId xmlns:a16="http://schemas.microsoft.com/office/drawing/2014/main" id="{E03FF127-3B74-78B5-E480-8421D9034842}"/>
+              <a16:creationId xmlns:a16="http://schemas.microsoft.com/office/drawing/2014/main" id="{EB6570D7-2633-70A0-5E45-28FD7CA6A8D6}"/>
             </a:ext>
           </a:extLst>
         </p:cNvPr>
@@ -7234,7 +7192,7 @@
           <p:cNvPr id="2" name="Titel 1">
             <a:extLst>
               <a:ext uri="{FF2B5EF4-FFF2-40B4-BE49-F238E27FC236}">
-                <a16:creationId xmlns:a16="http://schemas.microsoft.com/office/drawing/2014/main" id="{B236F251-40EF-EE66-5846-08B13F311175}"/>
+                <a16:creationId xmlns:a16="http://schemas.microsoft.com/office/drawing/2014/main" id="{DCCF9807-7B5D-AD22-F8BF-0BF693D275EB}"/>
               </a:ext>
             </a:extLst>
           </p:cNvPr>
@@ -7242,7 +7200,42 @@
             <a:spLocks noGrp="1"/>
           </p:cNvSpPr>
           <p:nvPr>
-            <p:ph type="ctrTitle"/>
+            <p:ph type="title"/>
+          </p:nvPr>
+        </p:nvSpPr>
+        <p:spPr/>
+        <p:txBody>
+          <a:bodyPr/>
+          <a:lstStyle/>
+          <a:p>
+            <a:r>
+              <a:rPr lang="de-DE" sz="2000" b="1" dirty="0"/>
+              <a:t>Simulation</a:t>
+            </a:r>
+            <a:br>
+              <a:rPr lang="de-DE" b="1" dirty="0"/>
+            </a:br>
+            <a:r>
+              <a:rPr lang="de-DE" b="1" dirty="0"/>
+              <a:t>1. Was ist Simulation?</a:t>
+            </a:r>
+          </a:p>
+        </p:txBody>
+      </p:sp>
+      <p:sp>
+        <p:nvSpPr>
+          <p:cNvPr id="3" name="Inhaltsplatzhalter 2">
+            <a:extLst>
+              <a:ext uri="{FF2B5EF4-FFF2-40B4-BE49-F238E27FC236}">
+                <a16:creationId xmlns:a16="http://schemas.microsoft.com/office/drawing/2014/main" id="{5D1F42B2-2B96-4CD9-8C8F-EDDDC442A837}"/>
+              </a:ext>
+            </a:extLst>
+          </p:cNvPr>
+          <p:cNvSpPr>
+            <a:spLocks noGrp="1"/>
+          </p:cNvSpPr>
+          <p:nvPr>
+            <p:ph idx="1"/>
           </p:nvPr>
         </p:nvSpPr>
         <p:spPr/>
@@ -7253,36 +7246,35 @@
           <a:lstStyle/>
           <a:p>
             <a:r>
-              <a:rPr lang="de-DE" sz="4900" b="1" dirty="0"/>
-              <a:t>Simulation in der Medizininformatik</a:t>
-            </a:r>
-            <a:endParaRPr lang="de-DE" b="1" dirty="0"/>
-          </a:p>
-        </p:txBody>
-      </p:sp>
-      <p:sp>
-        <p:nvSpPr>
-          <p:cNvPr id="3" name="Inhaltsplatzhalter 2">
-            <a:extLst>
-              <a:ext uri="{FF2B5EF4-FFF2-40B4-BE49-F238E27FC236}">
-                <a16:creationId xmlns:a16="http://schemas.microsoft.com/office/drawing/2014/main" id="{833D201A-FE29-571E-E577-8A3E458CB2A7}"/>
-              </a:ext>
-            </a:extLst>
-          </p:cNvPr>
-          <p:cNvSpPr>
-            <a:spLocks noGrp="1"/>
-          </p:cNvSpPr>
-          <p:nvPr>
-            <p:ph type="subTitle" idx="1"/>
-          </p:nvPr>
-        </p:nvSpPr>
-        <p:spPr/>
-        <p:txBody>
-          <a:bodyPr>
-            <a:normAutofit/>
-          </a:bodyPr>
-          <a:lstStyle/>
-          <a:p>
+              <a:rPr lang="de-DE" sz="2400" b="1" dirty="0"/>
+              <a:t>Definition</a:t>
+            </a:r>
+            <a:r>
+              <a:rPr lang="de-DE" sz="2400" dirty="0"/>
+              <a:t>: Nachbildung realer medizinischer Prozesse oder Systeme in einer virtuellen Umgebung zur Analyse, Vorhersage oder Schulung.</a:t>
+            </a:r>
+          </a:p>
+          <a:p>
+            <a:r>
+              <a:rPr lang="de-DE" sz="2400" dirty="0"/>
+              <a:t>Ziel: Untersuchung von Situationen, die </a:t>
+            </a:r>
+            <a:r>
+              <a:rPr lang="de-DE" sz="2400" b="1" dirty="0"/>
+              <a:t>im echten Leben schwer oder gefährlich</a:t>
+            </a:r>
+            <a:r>
+              <a:rPr lang="de-DE" sz="2400" dirty="0"/>
+              <a:t> nachzustellen wären oder auf die sich anderweitig nur schwer vorbereitet werden kann. Zudem bieten sich weitere Möglichkeiten zur Optimierung von Abläufen.</a:t>
+            </a:r>
+          </a:p>
+          <a:p>
+            <a:endParaRPr lang="de-DE" sz="2400" dirty="0"/>
+          </a:p>
+          <a:p>
+            <a:pPr marL="0" indent="0">
+              <a:buNone/>
+            </a:pPr>
             <a:endParaRPr lang="de-DE" sz="2400" dirty="0"/>
           </a:p>
         </p:txBody>
@@ -7290,7 +7282,7 @@
     </p:spTree>
     <p:extLst>
       <p:ext uri="{BB962C8B-B14F-4D97-AF65-F5344CB8AC3E}">
-        <p14:creationId xmlns:p14="http://schemas.microsoft.com/office/powerpoint/2010/main" val="1108332482"/>
+        <p14:creationId xmlns:p14="http://schemas.microsoft.com/office/powerpoint/2010/main" val="2034222896"/>
       </p:ext>
     </p:extLst>
   </p:cSld>
@@ -7320,294 +7312,6 @@
         <p:cNvPr id="1" name="">
           <a:extLst>
             <a:ext uri="{FF2B5EF4-FFF2-40B4-BE49-F238E27FC236}">
-              <a16:creationId xmlns:a16="http://schemas.microsoft.com/office/drawing/2014/main" id="{EB6570D7-2633-70A0-5E45-28FD7CA6A8D6}"/>
-            </a:ext>
-          </a:extLst>
-        </p:cNvPr>
-        <p:cNvGrpSpPr/>
-        <p:nvPr/>
-      </p:nvGrpSpPr>
-      <p:grpSpPr>
-        <a:xfrm>
-          <a:off x="0" y="0"/>
-          <a:ext cx="0" cy="0"/>
-          <a:chOff x="0" y="0"/>
-          <a:chExt cx="0" cy="0"/>
-        </a:xfrm>
-      </p:grpSpPr>
-      <p:sp>
-        <p:nvSpPr>
-          <p:cNvPr id="2" name="Titel 1">
-            <a:extLst>
-              <a:ext uri="{FF2B5EF4-FFF2-40B4-BE49-F238E27FC236}">
-                <a16:creationId xmlns:a16="http://schemas.microsoft.com/office/drawing/2014/main" id="{DCCF9807-7B5D-AD22-F8BF-0BF693D275EB}"/>
-              </a:ext>
-            </a:extLst>
-          </p:cNvPr>
-          <p:cNvSpPr>
-            <a:spLocks noGrp="1"/>
-          </p:cNvSpPr>
-          <p:nvPr>
-            <p:ph type="title"/>
-          </p:nvPr>
-        </p:nvSpPr>
-        <p:spPr/>
-        <p:txBody>
-          <a:bodyPr/>
-          <a:lstStyle/>
-          <a:p>
-            <a:r>
-              <a:rPr lang="de-DE" sz="2000" b="1" dirty="0"/>
-              <a:t>Simulation</a:t>
-            </a:r>
-            <a:br>
-              <a:rPr lang="de-DE" b="1" dirty="0"/>
-            </a:br>
-            <a:r>
-              <a:rPr lang="de-DE" b="1" dirty="0"/>
-              <a:t>1. Was ist Simulation?</a:t>
-            </a:r>
-          </a:p>
-        </p:txBody>
-      </p:sp>
-      <p:sp>
-        <p:nvSpPr>
-          <p:cNvPr id="3" name="Inhaltsplatzhalter 2">
-            <a:extLst>
-              <a:ext uri="{FF2B5EF4-FFF2-40B4-BE49-F238E27FC236}">
-                <a16:creationId xmlns:a16="http://schemas.microsoft.com/office/drawing/2014/main" id="{5D1F42B2-2B96-4CD9-8C8F-EDDDC442A837}"/>
-              </a:ext>
-            </a:extLst>
-          </p:cNvPr>
-          <p:cNvSpPr>
-            <a:spLocks noGrp="1"/>
-          </p:cNvSpPr>
-          <p:nvPr>
-            <p:ph idx="1"/>
-          </p:nvPr>
-        </p:nvSpPr>
-        <p:spPr/>
-        <p:txBody>
-          <a:bodyPr>
-            <a:normAutofit/>
-          </a:bodyPr>
-          <a:lstStyle/>
-          <a:p>
-            <a:r>
-              <a:rPr lang="de-DE" sz="2400" b="1" dirty="0"/>
-              <a:t>Definition</a:t>
-            </a:r>
-            <a:r>
-              <a:rPr lang="de-DE" sz="2400" dirty="0"/>
-              <a:t>: Nachbildung realer medizinischer Prozesse oder Systeme in einer virtuellen Umgebung zur Analyse, Vorhersage oder Schulung.</a:t>
-            </a:r>
-          </a:p>
-          <a:p>
-            <a:r>
-              <a:rPr lang="de-DE" sz="2400" dirty="0"/>
-              <a:t>Ziel: Untersuchung von Situationen, die </a:t>
-            </a:r>
-            <a:r>
-              <a:rPr lang="de-DE" sz="2400" b="1" dirty="0"/>
-              <a:t>im echten Leben schwer oder gefährlich</a:t>
-            </a:r>
-            <a:r>
-              <a:rPr lang="de-DE" sz="2400" dirty="0"/>
-              <a:t> nachzustellen wären.</a:t>
-            </a:r>
-          </a:p>
-        </p:txBody>
-      </p:sp>
-    </p:spTree>
-    <p:extLst>
-      <p:ext uri="{BB962C8B-B14F-4D97-AF65-F5344CB8AC3E}">
-        <p14:creationId xmlns:p14="http://schemas.microsoft.com/office/powerpoint/2010/main" val="2034222896"/>
-      </p:ext>
-    </p:extLst>
-  </p:cSld>
-  <p:clrMapOvr>
-    <a:masterClrMapping/>
-  </p:clrMapOvr>
-  <mc:AlternateContent xmlns:mc="http://schemas.openxmlformats.org/markup-compatibility/2006" xmlns:p159="http://schemas.microsoft.com/office/powerpoint/2015/09/main">
-    <mc:Choice Requires="p159">
-      <p:transition spd="slow">
-        <p159:morph option="byObject"/>
-      </p:transition>
-    </mc:Choice>
-    <mc:Fallback xmlns="">
-      <p:transition spd="slow">
-        <p:fade/>
-      </p:transition>
-    </mc:Fallback>
-  </mc:AlternateContent>
-</p:sld>
-</file>
-
-<file path=ppt/slides/slide13.xml><?xml version="1.0" encoding="utf-8"?>
-<p:sld xmlns:a="http://schemas.openxmlformats.org/drawingml/2006/main" xmlns:r="http://schemas.openxmlformats.org/officeDocument/2006/relationships" xmlns:p="http://schemas.openxmlformats.org/presentationml/2006/main">
-  <p:cSld>
-    <p:spTree>
-      <p:nvGrpSpPr>
-        <p:cNvPr id="1" name="">
-          <a:extLst>
-            <a:ext uri="{FF2B5EF4-FFF2-40B4-BE49-F238E27FC236}">
-              <a16:creationId xmlns:a16="http://schemas.microsoft.com/office/drawing/2014/main" id="{2DEF0EEF-DEEC-1DFF-5EE7-0F9F1D077560}"/>
-            </a:ext>
-          </a:extLst>
-        </p:cNvPr>
-        <p:cNvGrpSpPr/>
-        <p:nvPr/>
-      </p:nvGrpSpPr>
-      <p:grpSpPr>
-        <a:xfrm>
-          <a:off x="0" y="0"/>
-          <a:ext cx="0" cy="0"/>
-          <a:chOff x="0" y="0"/>
-          <a:chExt cx="0" cy="0"/>
-        </a:xfrm>
-      </p:grpSpPr>
-      <p:sp>
-        <p:nvSpPr>
-          <p:cNvPr id="2" name="Titel 1">
-            <a:extLst>
-              <a:ext uri="{FF2B5EF4-FFF2-40B4-BE49-F238E27FC236}">
-                <a16:creationId xmlns:a16="http://schemas.microsoft.com/office/drawing/2014/main" id="{DB643DF6-7945-F6DA-81EC-F22C45C63F0C}"/>
-              </a:ext>
-            </a:extLst>
-          </p:cNvPr>
-          <p:cNvSpPr>
-            <a:spLocks noGrp="1"/>
-          </p:cNvSpPr>
-          <p:nvPr>
-            <p:ph type="title"/>
-          </p:nvPr>
-        </p:nvSpPr>
-        <p:spPr/>
-        <p:txBody>
-          <a:bodyPr/>
-          <a:lstStyle/>
-          <a:p>
-            <a:r>
-              <a:rPr lang="de-DE" sz="2000" b="1" dirty="0"/>
-              <a:t>Simulation</a:t>
-            </a:r>
-            <a:br>
-              <a:rPr lang="de-DE" b="1" dirty="0"/>
-            </a:br>
-            <a:r>
-              <a:rPr lang="de-DE" b="1" dirty="0"/>
-              <a:t>2. Ziele der Simulation</a:t>
-            </a:r>
-          </a:p>
-        </p:txBody>
-      </p:sp>
-      <p:sp>
-        <p:nvSpPr>
-          <p:cNvPr id="3" name="Inhaltsplatzhalter 2">
-            <a:extLst>
-              <a:ext uri="{FF2B5EF4-FFF2-40B4-BE49-F238E27FC236}">
-                <a16:creationId xmlns:a16="http://schemas.microsoft.com/office/drawing/2014/main" id="{2B52C92F-15DB-F522-8DAC-9DB4432C0E64}"/>
-              </a:ext>
-            </a:extLst>
-          </p:cNvPr>
-          <p:cNvSpPr>
-            <a:spLocks noGrp="1"/>
-          </p:cNvSpPr>
-          <p:nvPr>
-            <p:ph idx="1"/>
-          </p:nvPr>
-        </p:nvSpPr>
-        <p:spPr/>
-        <p:txBody>
-          <a:bodyPr>
-            <a:normAutofit/>
-          </a:bodyPr>
-          <a:lstStyle/>
-          <a:p>
-            <a:r>
-              <a:rPr lang="de-DE" sz="2400" b="1" dirty="0"/>
-              <a:t>Risikoarmes Testen</a:t>
-            </a:r>
-            <a:r>
-              <a:rPr lang="de-DE" sz="2400" dirty="0"/>
-              <a:t> von Therapien und Prozessen</a:t>
-            </a:r>
-          </a:p>
-          <a:p>
-            <a:r>
-              <a:rPr lang="de-DE" sz="2400" b="1" dirty="0"/>
-              <a:t>Trainingsmöglichkeit</a:t>
-            </a:r>
-            <a:r>
-              <a:rPr lang="de-DE" sz="2400" dirty="0"/>
-              <a:t> für medizinisches Personal</a:t>
-            </a:r>
-          </a:p>
-          <a:p>
-            <a:r>
-              <a:rPr lang="de-DE" sz="2400" b="1" dirty="0"/>
-              <a:t>Optimierung</a:t>
-            </a:r>
-            <a:r>
-              <a:rPr lang="de-DE" sz="2400" dirty="0"/>
-              <a:t> medizinischer Abläufe</a:t>
-            </a:r>
-          </a:p>
-          <a:p>
-            <a:r>
-              <a:rPr lang="de-DE" sz="2400" b="1" dirty="0"/>
-              <a:t>Entscheidungsunterstützung</a:t>
-            </a:r>
-            <a:r>
-              <a:rPr lang="de-DE" sz="2400" dirty="0"/>
-              <a:t> für Diagnostik und Therapie</a:t>
-            </a:r>
-          </a:p>
-          <a:p>
-            <a:r>
-              <a:rPr lang="de-DE" sz="2400" b="1" dirty="0"/>
-              <a:t>Forschung und Entwicklung</a:t>
-            </a:r>
-            <a:r>
-              <a:rPr lang="de-DE" sz="2400" dirty="0"/>
-              <a:t> medizinischer Verfahren</a:t>
-            </a:r>
-          </a:p>
-        </p:txBody>
-      </p:sp>
-    </p:spTree>
-    <p:extLst>
-      <p:ext uri="{BB962C8B-B14F-4D97-AF65-F5344CB8AC3E}">
-        <p14:creationId xmlns:p14="http://schemas.microsoft.com/office/powerpoint/2010/main" val="1522603786"/>
-      </p:ext>
-    </p:extLst>
-  </p:cSld>
-  <p:clrMapOvr>
-    <a:masterClrMapping/>
-  </p:clrMapOvr>
-  <mc:AlternateContent xmlns:mc="http://schemas.openxmlformats.org/markup-compatibility/2006" xmlns:p159="http://schemas.microsoft.com/office/powerpoint/2015/09/main">
-    <mc:Choice Requires="p159">
-      <p:transition spd="slow">
-        <p159:morph option="byObject"/>
-      </p:transition>
-    </mc:Choice>
-    <mc:Fallback xmlns="">
-      <p:transition spd="slow">
-        <p:fade/>
-      </p:transition>
-    </mc:Fallback>
-  </mc:AlternateContent>
-</p:sld>
-</file>
-
-<file path=ppt/slides/slide14.xml><?xml version="1.0" encoding="utf-8"?>
-<p:sld xmlns:a="http://schemas.openxmlformats.org/drawingml/2006/main" xmlns:r="http://schemas.openxmlformats.org/officeDocument/2006/relationships" xmlns:p="http://schemas.openxmlformats.org/presentationml/2006/main">
-  <p:cSld>
-    <p:spTree>
-      <p:nvGrpSpPr>
-        <p:cNvPr id="1" name="">
-          <a:extLst>
-            <a:ext uri="{FF2B5EF4-FFF2-40B4-BE49-F238E27FC236}">
               <a16:creationId xmlns:a16="http://schemas.microsoft.com/office/drawing/2014/main" id="{FB891B32-FC13-63D3-2A66-18B0C12BC55B}"/>
             </a:ext>
           </a:extLst>
@@ -7655,7 +7359,7 @@
             </a:br>
             <a:r>
               <a:rPr lang="de-DE" b="1" dirty="0"/>
-              <a:t>3. Typen medizinischer Simulationen</a:t>
+              <a:t>2. Typen medizinischer Simulationen</a:t>
             </a:r>
           </a:p>
         </p:txBody>
@@ -8388,7 +8092,7 @@
 </p:sld>
 </file>
 
-<file path=ppt/slides/slide15.xml><?xml version="1.0" encoding="utf-8"?>
+<file path=ppt/slides/slide13.xml><?xml version="1.0" encoding="utf-8"?>
 <p:sld xmlns:a="http://schemas.openxmlformats.org/drawingml/2006/main" xmlns:r="http://schemas.openxmlformats.org/officeDocument/2006/relationships" xmlns:p="http://schemas.openxmlformats.org/presentationml/2006/main">
   <p:cSld>
     <p:spTree>
@@ -8441,7 +8145,7 @@
             </a:br>
             <a:r>
               <a:rPr lang="de-DE" b="1" dirty="0"/>
-              <a:t>4. Anwendungsbereiche</a:t>
+              <a:t>3. Anwendungsbereiche</a:t>
             </a:r>
           </a:p>
         </p:txBody>
@@ -8524,6 +8228,305 @@
     <p:extLst>
       <p:ext uri="{BB962C8B-B14F-4D97-AF65-F5344CB8AC3E}">
         <p14:creationId xmlns:p14="http://schemas.microsoft.com/office/powerpoint/2010/main" val="1755711604"/>
+      </p:ext>
+    </p:extLst>
+  </p:cSld>
+  <p:clrMapOvr>
+    <a:masterClrMapping/>
+  </p:clrMapOvr>
+  <mc:AlternateContent xmlns:mc="http://schemas.openxmlformats.org/markup-compatibility/2006" xmlns:p159="http://schemas.microsoft.com/office/powerpoint/2015/09/main">
+    <mc:Choice Requires="p159">
+      <p:transition spd="slow">
+        <p159:morph option="byObject"/>
+      </p:transition>
+    </mc:Choice>
+    <mc:Fallback xmlns="">
+      <p:transition spd="slow">
+        <p:fade/>
+      </p:transition>
+    </mc:Fallback>
+  </mc:AlternateContent>
+</p:sld>
+</file>
+
+<file path=ppt/slides/slide14.xml><?xml version="1.0" encoding="utf-8"?>
+<p:sld xmlns:a="http://schemas.openxmlformats.org/drawingml/2006/main" xmlns:r="http://schemas.openxmlformats.org/officeDocument/2006/relationships" xmlns:p="http://schemas.openxmlformats.org/presentationml/2006/main">
+  <p:cSld>
+    <p:spTree>
+      <p:nvGrpSpPr>
+        <p:cNvPr id="1" name="">
+          <a:extLst>
+            <a:ext uri="{FF2B5EF4-FFF2-40B4-BE49-F238E27FC236}">
+              <a16:creationId xmlns:a16="http://schemas.microsoft.com/office/drawing/2014/main" id="{25C26B32-3C2C-0D4B-2C7C-E84DFFE98223}"/>
+            </a:ext>
+          </a:extLst>
+        </p:cNvPr>
+        <p:cNvGrpSpPr/>
+        <p:nvPr/>
+      </p:nvGrpSpPr>
+      <p:grpSpPr>
+        <a:xfrm>
+          <a:off x="0" y="0"/>
+          <a:ext cx="0" cy="0"/>
+          <a:chOff x="0" y="0"/>
+          <a:chExt cx="0" cy="0"/>
+        </a:xfrm>
+      </p:grpSpPr>
+      <p:sp>
+        <p:nvSpPr>
+          <p:cNvPr id="2" name="Titel 1">
+            <a:extLst>
+              <a:ext uri="{FF2B5EF4-FFF2-40B4-BE49-F238E27FC236}">
+                <a16:creationId xmlns:a16="http://schemas.microsoft.com/office/drawing/2014/main" id="{9B881DF2-FE1B-AFD8-60E8-C81A99AC9A72}"/>
+              </a:ext>
+            </a:extLst>
+          </p:cNvPr>
+          <p:cNvSpPr>
+            <a:spLocks noGrp="1"/>
+          </p:cNvSpPr>
+          <p:nvPr>
+            <p:ph type="title"/>
+          </p:nvPr>
+        </p:nvSpPr>
+        <p:spPr/>
+        <p:txBody>
+          <a:bodyPr/>
+          <a:lstStyle/>
+          <a:p>
+            <a:r>
+              <a:rPr lang="de-DE" sz="2000" b="1" dirty="0"/>
+              <a:t>Simulation</a:t>
+            </a:r>
+            <a:br>
+              <a:rPr lang="de-DE" b="1" dirty="0"/>
+            </a:br>
+            <a:r>
+              <a:rPr lang="de-DE" b="1" dirty="0"/>
+              <a:t>4. Vorteile</a:t>
+            </a:r>
+          </a:p>
+        </p:txBody>
+      </p:sp>
+      <p:sp>
+        <p:nvSpPr>
+          <p:cNvPr id="3" name="Inhaltsplatzhalter 2">
+            <a:extLst>
+              <a:ext uri="{FF2B5EF4-FFF2-40B4-BE49-F238E27FC236}">
+                <a16:creationId xmlns:a16="http://schemas.microsoft.com/office/drawing/2014/main" id="{B7B17DCA-095F-1C5B-B979-6DD6809029E0}"/>
+              </a:ext>
+            </a:extLst>
+          </p:cNvPr>
+          <p:cNvSpPr>
+            <a:spLocks noGrp="1"/>
+          </p:cNvSpPr>
+          <p:nvPr>
+            <p:ph idx="1"/>
+          </p:nvPr>
+        </p:nvSpPr>
+        <p:spPr/>
+        <p:txBody>
+          <a:bodyPr>
+            <a:normAutofit/>
+          </a:bodyPr>
+          <a:lstStyle/>
+          <a:p>
+            <a:r>
+              <a:rPr lang="de-DE" sz="2400" dirty="0"/>
+              <a:t>Kostenreduktion im Ausbildungsbereich</a:t>
+            </a:r>
+          </a:p>
+          <a:p>
+            <a:r>
+              <a:rPr lang="de-DE" sz="2400" dirty="0"/>
+              <a:t>Keine Gefährdung realer Patienten</a:t>
+            </a:r>
+          </a:p>
+          <a:p>
+            <a:r>
+              <a:rPr lang="de-DE" sz="2400" dirty="0"/>
+              <a:t>Möglichkeit zum Trainieren seltener Ereignisse</a:t>
+            </a:r>
+          </a:p>
+          <a:p>
+            <a:r>
+              <a:rPr lang="de-DE" sz="2400" dirty="0"/>
+              <a:t>Wiederholbarkeit und Anpassbarkeit</a:t>
+            </a:r>
+          </a:p>
+          <a:p>
+            <a:r>
+              <a:rPr lang="de-DE" sz="2400" dirty="0"/>
+              <a:t>Besseres Verständnis komplexer Abläufe</a:t>
+            </a:r>
+          </a:p>
+          <a:p>
+            <a:r>
+              <a:rPr lang="de-DE" sz="2400" dirty="0"/>
+              <a:t>Gut zur Forschung und Entwicklung medizinischer Verfahren</a:t>
+            </a:r>
+          </a:p>
+          <a:p>
+            <a:endParaRPr lang="de-DE" sz="2400" dirty="0"/>
+          </a:p>
+          <a:p>
+            <a:endParaRPr lang="de-DE" sz="2400" dirty="0"/>
+          </a:p>
+        </p:txBody>
+      </p:sp>
+    </p:spTree>
+    <p:extLst>
+      <p:ext uri="{BB962C8B-B14F-4D97-AF65-F5344CB8AC3E}">
+        <p14:creationId xmlns:p14="http://schemas.microsoft.com/office/powerpoint/2010/main" val="1797177555"/>
+      </p:ext>
+    </p:extLst>
+  </p:cSld>
+  <p:clrMapOvr>
+    <a:masterClrMapping/>
+  </p:clrMapOvr>
+  <mc:AlternateContent xmlns:mc="http://schemas.openxmlformats.org/markup-compatibility/2006" xmlns:p159="http://schemas.microsoft.com/office/powerpoint/2015/09/main">
+    <mc:Choice Requires="p159">
+      <p:transition spd="slow">
+        <p159:morph option="byObject"/>
+      </p:transition>
+    </mc:Choice>
+    <mc:Fallback xmlns="">
+      <p:transition spd="slow">
+        <p:fade/>
+      </p:transition>
+    </mc:Fallback>
+  </mc:AlternateContent>
+</p:sld>
+</file>
+
+<file path=ppt/slides/slide15.xml><?xml version="1.0" encoding="utf-8"?>
+<p:sld xmlns:a="http://schemas.openxmlformats.org/drawingml/2006/main" xmlns:r="http://schemas.openxmlformats.org/officeDocument/2006/relationships" xmlns:p="http://schemas.openxmlformats.org/presentationml/2006/main">
+  <p:cSld>
+    <p:spTree>
+      <p:nvGrpSpPr>
+        <p:cNvPr id="1" name="">
+          <a:extLst>
+            <a:ext uri="{FF2B5EF4-FFF2-40B4-BE49-F238E27FC236}">
+              <a16:creationId xmlns:a16="http://schemas.microsoft.com/office/drawing/2014/main" id="{E5DB9465-500D-4319-11A9-19203F986039}"/>
+            </a:ext>
+          </a:extLst>
+        </p:cNvPr>
+        <p:cNvGrpSpPr/>
+        <p:nvPr/>
+      </p:nvGrpSpPr>
+      <p:grpSpPr>
+        <a:xfrm>
+          <a:off x="0" y="0"/>
+          <a:ext cx="0" cy="0"/>
+          <a:chOff x="0" y="0"/>
+          <a:chExt cx="0" cy="0"/>
+        </a:xfrm>
+      </p:grpSpPr>
+      <p:sp>
+        <p:nvSpPr>
+          <p:cNvPr id="2" name="Titel 1">
+            <a:extLst>
+              <a:ext uri="{FF2B5EF4-FFF2-40B4-BE49-F238E27FC236}">
+                <a16:creationId xmlns:a16="http://schemas.microsoft.com/office/drawing/2014/main" id="{9ED7DA98-5428-34F7-2692-39036FD39866}"/>
+              </a:ext>
+            </a:extLst>
+          </p:cNvPr>
+          <p:cNvSpPr>
+            <a:spLocks noGrp="1"/>
+          </p:cNvSpPr>
+          <p:nvPr>
+            <p:ph type="title"/>
+          </p:nvPr>
+        </p:nvSpPr>
+        <p:spPr/>
+        <p:txBody>
+          <a:bodyPr/>
+          <a:lstStyle/>
+          <a:p>
+            <a:r>
+              <a:rPr lang="de-DE" sz="2000" b="1" dirty="0"/>
+              <a:t>Simulation</a:t>
+            </a:r>
+            <a:br>
+              <a:rPr lang="de-DE" b="1" dirty="0"/>
+            </a:br>
+            <a:r>
+              <a:rPr lang="de-DE" b="1" dirty="0"/>
+              <a:t>5. Herausforderungen</a:t>
+            </a:r>
+          </a:p>
+        </p:txBody>
+      </p:sp>
+      <p:sp>
+        <p:nvSpPr>
+          <p:cNvPr id="3" name="Inhaltsplatzhalter 2">
+            <a:extLst>
+              <a:ext uri="{FF2B5EF4-FFF2-40B4-BE49-F238E27FC236}">
+                <a16:creationId xmlns:a16="http://schemas.microsoft.com/office/drawing/2014/main" id="{5056B251-7DD4-80A6-72BA-1D3C2F5031EB}"/>
+              </a:ext>
+            </a:extLst>
+          </p:cNvPr>
+          <p:cNvSpPr>
+            <a:spLocks noGrp="1"/>
+          </p:cNvSpPr>
+          <p:nvPr>
+            <p:ph idx="1"/>
+          </p:nvPr>
+        </p:nvSpPr>
+        <p:spPr/>
+        <p:txBody>
+          <a:bodyPr>
+            <a:normAutofit/>
+          </a:bodyPr>
+          <a:lstStyle/>
+          <a:p>
+            <a:r>
+              <a:rPr lang="de-DE" sz="2400" b="1" dirty="0"/>
+              <a:t>Realitätsnähe</a:t>
+            </a:r>
+            <a:r>
+              <a:rPr lang="de-DE" sz="2400" dirty="0"/>
+              <a:t> der Simulation (Modellgenauigkeit, Datenbasis)</a:t>
+            </a:r>
+          </a:p>
+          <a:p>
+            <a:r>
+              <a:rPr lang="de-DE" sz="2400" b="1" dirty="0"/>
+              <a:t>Kosten und technischer Aufwand</a:t>
+            </a:r>
+            <a:r>
+              <a:rPr lang="de-DE" sz="2400" dirty="0"/>
+              <a:t> (v. a. bei VR-Systemen)</a:t>
+            </a:r>
+          </a:p>
+          <a:p>
+            <a:r>
+              <a:rPr lang="de-DE" sz="2400" b="1" dirty="0"/>
+              <a:t>Datenverfügbarkeit</a:t>
+            </a:r>
+            <a:r>
+              <a:rPr lang="de-DE" sz="2400" dirty="0"/>
+              <a:t> für patientenspezifische Simulationen</a:t>
+            </a:r>
+          </a:p>
+          <a:p>
+            <a:r>
+              <a:rPr lang="de-DE" sz="2400" b="1" dirty="0"/>
+              <a:t>Ethische Aspekte</a:t>
+            </a:r>
+            <a:r>
+              <a:rPr lang="de-DE" sz="2400" dirty="0"/>
+              <a:t> bei simulierten Entscheidungen</a:t>
+            </a:r>
+          </a:p>
+          <a:p>
+            <a:endParaRPr lang="de-DE" sz="2400" dirty="0"/>
+          </a:p>
+        </p:txBody>
+      </p:sp>
+    </p:spTree>
+    <p:extLst>
+      <p:ext uri="{BB962C8B-B14F-4D97-AF65-F5344CB8AC3E}">
+        <p14:creationId xmlns:p14="http://schemas.microsoft.com/office/powerpoint/2010/main" val="3615605516"/>
       </p:ext>
     </p:extLst>
   </p:cSld>
@@ -8553,7 +8556,7 @@
         <p:cNvPr id="1" name="">
           <a:extLst>
             <a:ext uri="{FF2B5EF4-FFF2-40B4-BE49-F238E27FC236}">
-              <a16:creationId xmlns:a16="http://schemas.microsoft.com/office/drawing/2014/main" id="{25C26B32-3C2C-0D4B-2C7C-E84DFFE98223}"/>
+              <a16:creationId xmlns:a16="http://schemas.microsoft.com/office/drawing/2014/main" id="{C134E9C9-5103-04B8-E45A-BBCA318F169B}"/>
             </a:ext>
           </a:extLst>
         </p:cNvPr>
@@ -8573,7 +8576,7 @@
           <p:cNvPr id="2" name="Titel 1">
             <a:extLst>
               <a:ext uri="{FF2B5EF4-FFF2-40B4-BE49-F238E27FC236}">
-                <a16:creationId xmlns:a16="http://schemas.microsoft.com/office/drawing/2014/main" id="{9B881DF2-FE1B-AFD8-60E8-C81A99AC9A72}"/>
+                <a16:creationId xmlns:a16="http://schemas.microsoft.com/office/drawing/2014/main" id="{E74F33B1-7094-91CB-BE2A-D42BD5FF1519}"/>
               </a:ext>
             </a:extLst>
           </p:cNvPr>
@@ -8598,7 +8601,7 @@
             </a:br>
             <a:r>
               <a:rPr lang="de-DE" b="1" dirty="0"/>
-              <a:t>5. Vorteile</a:t>
+              <a:t>8. Zukunftsperspektiven</a:t>
             </a:r>
           </a:p>
         </p:txBody>
@@ -8608,7 +8611,7 @@
           <p:cNvPr id="3" name="Inhaltsplatzhalter 2">
             <a:extLst>
               <a:ext uri="{FF2B5EF4-FFF2-40B4-BE49-F238E27FC236}">
-                <a16:creationId xmlns:a16="http://schemas.microsoft.com/office/drawing/2014/main" id="{B7B17DCA-095F-1C5B-B979-6DD6809029E0}"/>
+                <a16:creationId xmlns:a16="http://schemas.microsoft.com/office/drawing/2014/main" id="{31DB3A14-6C66-2521-D056-4B46F84D1456}"/>
               </a:ext>
             </a:extLst>
           </p:cNvPr>
@@ -8627,43 +8630,46 @@
           <a:lstStyle/>
           <a:p>
             <a:r>
+              <a:rPr lang="de-DE" sz="2400" b="1" dirty="0"/>
+              <a:t>Integration mit KI</a:t>
+            </a:r>
+            <a:r>
               <a:rPr lang="de-DE" sz="2400" dirty="0"/>
-              <a:t>Kostenreduktion im Ausbildungsbereich</a:t>
-            </a:r>
-          </a:p>
-          <a:p>
+              <a:t> zur Echtzeit-Simulation</a:t>
+            </a:r>
+          </a:p>
+          <a:p>
+            <a:r>
+              <a:rPr lang="de-DE" sz="2400" b="1" dirty="0"/>
+              <a:t>Digitale Zwillinge</a:t>
+            </a:r>
             <a:r>
               <a:rPr lang="de-DE" sz="2400" dirty="0"/>
-              <a:t>Keine Gefährdung realer Patienten</a:t>
-            </a:r>
-          </a:p>
-          <a:p>
+              <a:t> für personalisierte Therapieplanung</a:t>
+            </a:r>
+          </a:p>
+          <a:p>
+            <a:r>
+              <a:rPr lang="de-DE" sz="2400" b="1" dirty="0"/>
+              <a:t>Cloudbasierte Simulationen</a:t>
+            </a:r>
             <a:r>
               <a:rPr lang="de-DE" sz="2400" dirty="0"/>
-              <a:t>Möglichkeit zum Trainieren seltener Ereignisse</a:t>
+              <a:t> für ortsunabhängige Ausbildung</a:t>
             </a:r>
           </a:p>
           <a:p>
             <a:r>
               <a:rPr lang="de-DE" sz="2400" dirty="0"/>
-              <a:t>Wiederholbarkeit und Anpassbarkeit</a:t>
-            </a:r>
-          </a:p>
-          <a:p>
-            <a:r>
-              <a:rPr lang="de-DE" sz="2400" dirty="0"/>
-              <a:t>Besseres Verständnis komplexer Abläufe</a:t>
-            </a:r>
-          </a:p>
-          <a:p>
-            <a:endParaRPr lang="de-DE" sz="2400" dirty="0"/>
+              <a:t>Simulationsplattformen in der Telemedizin</a:t>
+            </a:r>
           </a:p>
         </p:txBody>
       </p:sp>
     </p:spTree>
     <p:extLst>
       <p:ext uri="{BB962C8B-B14F-4D97-AF65-F5344CB8AC3E}">
-        <p14:creationId xmlns:p14="http://schemas.microsoft.com/office/powerpoint/2010/main" val="1797177555"/>
+        <p14:creationId xmlns:p14="http://schemas.microsoft.com/office/powerpoint/2010/main" val="211080644"/>
       </p:ext>
     </p:extLst>
   </p:cSld>
@@ -8693,299 +8699,6 @@
         <p:cNvPr id="1" name="">
           <a:extLst>
             <a:ext uri="{FF2B5EF4-FFF2-40B4-BE49-F238E27FC236}">
-              <a16:creationId xmlns:a16="http://schemas.microsoft.com/office/drawing/2014/main" id="{E5DB9465-500D-4319-11A9-19203F986039}"/>
-            </a:ext>
-          </a:extLst>
-        </p:cNvPr>
-        <p:cNvGrpSpPr/>
-        <p:nvPr/>
-      </p:nvGrpSpPr>
-      <p:grpSpPr>
-        <a:xfrm>
-          <a:off x="0" y="0"/>
-          <a:ext cx="0" cy="0"/>
-          <a:chOff x="0" y="0"/>
-          <a:chExt cx="0" cy="0"/>
-        </a:xfrm>
-      </p:grpSpPr>
-      <p:sp>
-        <p:nvSpPr>
-          <p:cNvPr id="2" name="Titel 1">
-            <a:extLst>
-              <a:ext uri="{FF2B5EF4-FFF2-40B4-BE49-F238E27FC236}">
-                <a16:creationId xmlns:a16="http://schemas.microsoft.com/office/drawing/2014/main" id="{9ED7DA98-5428-34F7-2692-39036FD39866}"/>
-              </a:ext>
-            </a:extLst>
-          </p:cNvPr>
-          <p:cNvSpPr>
-            <a:spLocks noGrp="1"/>
-          </p:cNvSpPr>
-          <p:nvPr>
-            <p:ph type="title"/>
-          </p:nvPr>
-        </p:nvSpPr>
-        <p:spPr/>
-        <p:txBody>
-          <a:bodyPr/>
-          <a:lstStyle/>
-          <a:p>
-            <a:r>
-              <a:rPr lang="de-DE" sz="2000" b="1" dirty="0"/>
-              <a:t>Simulation</a:t>
-            </a:r>
-            <a:br>
-              <a:rPr lang="de-DE" b="1" dirty="0"/>
-            </a:br>
-            <a:r>
-              <a:rPr lang="de-DE" b="1" dirty="0"/>
-              <a:t>6. Herausforderungen</a:t>
-            </a:r>
-          </a:p>
-        </p:txBody>
-      </p:sp>
-      <p:sp>
-        <p:nvSpPr>
-          <p:cNvPr id="3" name="Inhaltsplatzhalter 2">
-            <a:extLst>
-              <a:ext uri="{FF2B5EF4-FFF2-40B4-BE49-F238E27FC236}">
-                <a16:creationId xmlns:a16="http://schemas.microsoft.com/office/drawing/2014/main" id="{5056B251-7DD4-80A6-72BA-1D3C2F5031EB}"/>
-              </a:ext>
-            </a:extLst>
-          </p:cNvPr>
-          <p:cNvSpPr>
-            <a:spLocks noGrp="1"/>
-          </p:cNvSpPr>
-          <p:nvPr>
-            <p:ph idx="1"/>
-          </p:nvPr>
-        </p:nvSpPr>
-        <p:spPr/>
-        <p:txBody>
-          <a:bodyPr>
-            <a:normAutofit/>
-          </a:bodyPr>
-          <a:lstStyle/>
-          <a:p>
-            <a:r>
-              <a:rPr lang="de-DE" sz="2400" b="1" dirty="0"/>
-              <a:t>Realitätsnähe</a:t>
-            </a:r>
-            <a:r>
-              <a:rPr lang="de-DE" sz="2400" dirty="0"/>
-              <a:t> der Simulation (Modellgenauigkeit, Datenbasis)</a:t>
-            </a:r>
-          </a:p>
-          <a:p>
-            <a:r>
-              <a:rPr lang="de-DE" sz="2400" b="1" dirty="0"/>
-              <a:t>Kosten und technischer Aufwand</a:t>
-            </a:r>
-            <a:r>
-              <a:rPr lang="de-DE" sz="2400" dirty="0"/>
-              <a:t> (v. a. bei VR-Systemen)</a:t>
-            </a:r>
-          </a:p>
-          <a:p>
-            <a:r>
-              <a:rPr lang="de-DE" sz="2400" b="1" dirty="0"/>
-              <a:t>Datenverfügbarkeit</a:t>
-            </a:r>
-            <a:r>
-              <a:rPr lang="de-DE" sz="2400" dirty="0"/>
-              <a:t> für patientenspezifische Simulationen</a:t>
-            </a:r>
-          </a:p>
-          <a:p>
-            <a:r>
-              <a:rPr lang="de-DE" sz="2400" b="1" dirty="0"/>
-              <a:t>Ethische Aspekte</a:t>
-            </a:r>
-            <a:r>
-              <a:rPr lang="de-DE" sz="2400" dirty="0"/>
-              <a:t> bei simulierten Entscheidungen</a:t>
-            </a:r>
-          </a:p>
-          <a:p>
-            <a:endParaRPr lang="de-DE" sz="2400" dirty="0"/>
-          </a:p>
-        </p:txBody>
-      </p:sp>
-    </p:spTree>
-    <p:extLst>
-      <p:ext uri="{BB962C8B-B14F-4D97-AF65-F5344CB8AC3E}">
-        <p14:creationId xmlns:p14="http://schemas.microsoft.com/office/powerpoint/2010/main" val="3615605516"/>
-      </p:ext>
-    </p:extLst>
-  </p:cSld>
-  <p:clrMapOvr>
-    <a:masterClrMapping/>
-  </p:clrMapOvr>
-  <mc:AlternateContent xmlns:mc="http://schemas.openxmlformats.org/markup-compatibility/2006" xmlns:p159="http://schemas.microsoft.com/office/powerpoint/2015/09/main">
-    <mc:Choice Requires="p159">
-      <p:transition spd="slow">
-        <p159:morph option="byObject"/>
-      </p:transition>
-    </mc:Choice>
-    <mc:Fallback xmlns="">
-      <p:transition spd="slow">
-        <p:fade/>
-      </p:transition>
-    </mc:Fallback>
-  </mc:AlternateContent>
-</p:sld>
-</file>
-
-<file path=ppt/slides/slide18.xml><?xml version="1.0" encoding="utf-8"?>
-<p:sld xmlns:a="http://schemas.openxmlformats.org/drawingml/2006/main" xmlns:r="http://schemas.openxmlformats.org/officeDocument/2006/relationships" xmlns:p="http://schemas.openxmlformats.org/presentationml/2006/main">
-  <p:cSld>
-    <p:spTree>
-      <p:nvGrpSpPr>
-        <p:cNvPr id="1" name="">
-          <a:extLst>
-            <a:ext uri="{FF2B5EF4-FFF2-40B4-BE49-F238E27FC236}">
-              <a16:creationId xmlns:a16="http://schemas.microsoft.com/office/drawing/2014/main" id="{C134E9C9-5103-04B8-E45A-BBCA318F169B}"/>
-            </a:ext>
-          </a:extLst>
-        </p:cNvPr>
-        <p:cNvGrpSpPr/>
-        <p:nvPr/>
-      </p:nvGrpSpPr>
-      <p:grpSpPr>
-        <a:xfrm>
-          <a:off x="0" y="0"/>
-          <a:ext cx="0" cy="0"/>
-          <a:chOff x="0" y="0"/>
-          <a:chExt cx="0" cy="0"/>
-        </a:xfrm>
-      </p:grpSpPr>
-      <p:sp>
-        <p:nvSpPr>
-          <p:cNvPr id="2" name="Titel 1">
-            <a:extLst>
-              <a:ext uri="{FF2B5EF4-FFF2-40B4-BE49-F238E27FC236}">
-                <a16:creationId xmlns:a16="http://schemas.microsoft.com/office/drawing/2014/main" id="{E74F33B1-7094-91CB-BE2A-D42BD5FF1519}"/>
-              </a:ext>
-            </a:extLst>
-          </p:cNvPr>
-          <p:cNvSpPr>
-            <a:spLocks noGrp="1"/>
-          </p:cNvSpPr>
-          <p:nvPr>
-            <p:ph type="title"/>
-          </p:nvPr>
-        </p:nvSpPr>
-        <p:spPr/>
-        <p:txBody>
-          <a:bodyPr/>
-          <a:lstStyle/>
-          <a:p>
-            <a:r>
-              <a:rPr lang="de-DE" sz="2000" b="1" dirty="0"/>
-              <a:t>Simulation</a:t>
-            </a:r>
-            <a:br>
-              <a:rPr lang="de-DE" b="1" dirty="0"/>
-            </a:br>
-            <a:r>
-              <a:rPr lang="de-DE" b="1" dirty="0"/>
-              <a:t>7. Zukunftsperspektiven</a:t>
-            </a:r>
-          </a:p>
-        </p:txBody>
-      </p:sp>
-      <p:sp>
-        <p:nvSpPr>
-          <p:cNvPr id="3" name="Inhaltsplatzhalter 2">
-            <a:extLst>
-              <a:ext uri="{FF2B5EF4-FFF2-40B4-BE49-F238E27FC236}">
-                <a16:creationId xmlns:a16="http://schemas.microsoft.com/office/drawing/2014/main" id="{31DB3A14-6C66-2521-D056-4B46F84D1456}"/>
-              </a:ext>
-            </a:extLst>
-          </p:cNvPr>
-          <p:cNvSpPr>
-            <a:spLocks noGrp="1"/>
-          </p:cNvSpPr>
-          <p:nvPr>
-            <p:ph idx="1"/>
-          </p:nvPr>
-        </p:nvSpPr>
-        <p:spPr/>
-        <p:txBody>
-          <a:bodyPr>
-            <a:normAutofit/>
-          </a:bodyPr>
-          <a:lstStyle/>
-          <a:p>
-            <a:r>
-              <a:rPr lang="de-DE" sz="2400" b="1" dirty="0"/>
-              <a:t>Integration mit KI</a:t>
-            </a:r>
-            <a:r>
-              <a:rPr lang="de-DE" sz="2400" dirty="0"/>
-              <a:t> zur Echtzeit-Simulation</a:t>
-            </a:r>
-          </a:p>
-          <a:p>
-            <a:r>
-              <a:rPr lang="de-DE" sz="2400" b="1" dirty="0"/>
-              <a:t>Digitale Zwillinge</a:t>
-            </a:r>
-            <a:r>
-              <a:rPr lang="de-DE" sz="2400" dirty="0"/>
-              <a:t> für personalisierte Therapieplanung</a:t>
-            </a:r>
-          </a:p>
-          <a:p>
-            <a:r>
-              <a:rPr lang="de-DE" sz="2400" b="1" dirty="0"/>
-              <a:t>Cloudbasierte Simulationen</a:t>
-            </a:r>
-            <a:r>
-              <a:rPr lang="de-DE" sz="2400" dirty="0"/>
-              <a:t> für ortsunabhängige Ausbildung</a:t>
-            </a:r>
-          </a:p>
-          <a:p>
-            <a:r>
-              <a:rPr lang="de-DE" sz="2400" dirty="0"/>
-              <a:t>Simulationsplattformen in der Telemedizin</a:t>
-            </a:r>
-          </a:p>
-        </p:txBody>
-      </p:sp>
-    </p:spTree>
-    <p:extLst>
-      <p:ext uri="{BB962C8B-B14F-4D97-AF65-F5344CB8AC3E}">
-        <p14:creationId xmlns:p14="http://schemas.microsoft.com/office/powerpoint/2010/main" val="211080644"/>
-      </p:ext>
-    </p:extLst>
-  </p:cSld>
-  <p:clrMapOvr>
-    <a:masterClrMapping/>
-  </p:clrMapOvr>
-  <mc:AlternateContent xmlns:mc="http://schemas.openxmlformats.org/markup-compatibility/2006" xmlns:p159="http://schemas.microsoft.com/office/powerpoint/2015/09/main">
-    <mc:Choice Requires="p159">
-      <p:transition spd="slow">
-        <p159:morph option="byObject"/>
-      </p:transition>
-    </mc:Choice>
-    <mc:Fallback xmlns="">
-      <p:transition spd="slow">
-        <p:fade/>
-      </p:transition>
-    </mc:Fallback>
-  </mc:AlternateContent>
-</p:sld>
-</file>
-
-<file path=ppt/slides/slide19.xml><?xml version="1.0" encoding="utf-8"?>
-<p:sld xmlns:a="http://schemas.openxmlformats.org/drawingml/2006/main" xmlns:r="http://schemas.openxmlformats.org/officeDocument/2006/relationships" xmlns:p="http://schemas.openxmlformats.org/presentationml/2006/main">
-  <p:cSld>
-    <p:spTree>
-      <p:nvGrpSpPr>
-        <p:cNvPr id="1" name="">
-          <a:extLst>
-            <a:ext uri="{FF2B5EF4-FFF2-40B4-BE49-F238E27FC236}">
               <a16:creationId xmlns:a16="http://schemas.microsoft.com/office/drawing/2014/main" id="{B1198940-F8D2-81E5-4D2E-9E1DF6969017}"/>
             </a:ext>
           </a:extLst>
@@ -9084,274 +8797,7 @@
 </p:sld>
 </file>
 
-<file path=ppt/slides/slide2.xml><?xml version="1.0" encoding="utf-8"?>
-<p:sld xmlns:a="http://schemas.openxmlformats.org/drawingml/2006/main" xmlns:r="http://schemas.openxmlformats.org/officeDocument/2006/relationships" xmlns:p="http://schemas.openxmlformats.org/presentationml/2006/main">
-  <p:cSld>
-    <p:spTree>
-      <p:nvGrpSpPr>
-        <p:cNvPr id="1" name=""/>
-        <p:cNvGrpSpPr/>
-        <p:nvPr/>
-      </p:nvGrpSpPr>
-      <p:grpSpPr>
-        <a:xfrm>
-          <a:off x="0" y="0"/>
-          <a:ext cx="0" cy="0"/>
-          <a:chOff x="0" y="0"/>
-          <a:chExt cx="0" cy="0"/>
-        </a:xfrm>
-      </p:grpSpPr>
-      <p:sp>
-        <p:nvSpPr>
-          <p:cNvPr id="2" name="Titel 1">
-            <a:extLst>
-              <a:ext uri="{FF2B5EF4-FFF2-40B4-BE49-F238E27FC236}">
-                <a16:creationId xmlns:a16="http://schemas.microsoft.com/office/drawing/2014/main" id="{875B4E52-DE32-CC13-9529-FB3326B60BA1}"/>
-              </a:ext>
-            </a:extLst>
-          </p:cNvPr>
-          <p:cNvSpPr>
-            <a:spLocks noGrp="1"/>
-          </p:cNvSpPr>
-          <p:nvPr>
-            <p:ph type="title"/>
-          </p:nvPr>
-        </p:nvSpPr>
-        <p:spPr/>
-        <p:txBody>
-          <a:bodyPr>
-            <a:normAutofit/>
-          </a:bodyPr>
-          <a:lstStyle/>
-          <a:p>
-            <a:r>
-              <a:rPr lang="de-DE" sz="4000" b="1"/>
-              <a:t>Gliederung</a:t>
-            </a:r>
-            <a:endParaRPr lang="de-DE" sz="4000" b="1" dirty="0"/>
-          </a:p>
-        </p:txBody>
-      </p:sp>
-      <p:sp>
-        <p:nvSpPr>
-          <p:cNvPr id="3" name="Inhaltsplatzhalter 2">
-            <a:extLst>
-              <a:ext uri="{FF2B5EF4-FFF2-40B4-BE49-F238E27FC236}">
-                <a16:creationId xmlns:a16="http://schemas.microsoft.com/office/drawing/2014/main" id="{2DB2BE38-B9DB-2984-9F9C-E43C971857E9}"/>
-              </a:ext>
-            </a:extLst>
-          </p:cNvPr>
-          <p:cNvSpPr>
-            <a:spLocks noGrp="1"/>
-          </p:cNvSpPr>
-          <p:nvPr>
-            <p:ph sz="half" idx="1"/>
-          </p:nvPr>
-        </p:nvSpPr>
-        <p:spPr/>
-        <p:txBody>
-          <a:bodyPr>
-            <a:normAutofit lnSpcReduction="10000"/>
-          </a:bodyPr>
-          <a:lstStyle/>
-          <a:p>
-            <a:pPr marL="0" indent="0">
-              <a:buNone/>
-            </a:pPr>
-            <a:r>
-              <a:rPr lang="de-DE" sz="2000" b="1"/>
-              <a:t>Modellierung in der Medizininformatik</a:t>
-            </a:r>
-          </a:p>
-          <a:p>
-            <a:pPr marL="457200" indent="-457200">
-              <a:buAutoNum type="arabicPeriod"/>
-            </a:pPr>
-            <a:r>
-              <a:rPr lang="de-DE" sz="2000"/>
-              <a:t>Was ist Modellierung?</a:t>
-            </a:r>
-          </a:p>
-          <a:p>
-            <a:pPr marL="457200" indent="-457200">
-              <a:buAutoNum type="arabicPeriod"/>
-            </a:pPr>
-            <a:r>
-              <a:rPr lang="de-DE" sz="2000"/>
-              <a:t>Ziele der Modellierung</a:t>
-            </a:r>
-          </a:p>
-          <a:p>
-            <a:pPr marL="457200" indent="-457200">
-              <a:buAutoNum type="arabicPeriod"/>
-            </a:pPr>
-            <a:r>
-              <a:rPr lang="de-DE" sz="2000"/>
-              <a:t>Modellierungsarten</a:t>
-            </a:r>
-          </a:p>
-          <a:p>
-            <a:pPr marL="457200" indent="-457200">
-              <a:buAutoNum type="arabicPeriod"/>
-            </a:pPr>
-            <a:r>
-              <a:rPr lang="de-DE" sz="2000"/>
-              <a:t>Anwendungen</a:t>
-            </a:r>
-          </a:p>
-          <a:p>
-            <a:pPr marL="457200" indent="-457200">
-              <a:buAutoNum type="arabicPeriod"/>
-            </a:pPr>
-            <a:r>
-              <a:rPr lang="de-DE" sz="2000"/>
-              <a:t>Voraussetzungen</a:t>
-            </a:r>
-          </a:p>
-          <a:p>
-            <a:pPr marL="457200" indent="-457200">
-              <a:buAutoNum type="arabicPeriod"/>
-            </a:pPr>
-            <a:r>
-              <a:rPr lang="de-DE" sz="2000"/>
-              <a:t>Herausforderungen</a:t>
-            </a:r>
-          </a:p>
-          <a:p>
-            <a:pPr marL="457200" indent="-457200">
-              <a:buAutoNum type="arabicPeriod"/>
-            </a:pPr>
-            <a:r>
-              <a:rPr lang="de-DE" sz="2000"/>
-              <a:t>Zukunftsperspektiven</a:t>
-            </a:r>
-            <a:endParaRPr lang="de-DE" sz="2000" dirty="0"/>
-          </a:p>
-        </p:txBody>
-      </p:sp>
-      <p:sp>
-        <p:nvSpPr>
-          <p:cNvPr id="4" name="Inhaltsplatzhalter 3">
-            <a:extLst>
-              <a:ext uri="{FF2B5EF4-FFF2-40B4-BE49-F238E27FC236}">
-                <a16:creationId xmlns:a16="http://schemas.microsoft.com/office/drawing/2014/main" id="{110C6831-404F-A886-4EA2-9DEF2850FF22}"/>
-              </a:ext>
-            </a:extLst>
-          </p:cNvPr>
-          <p:cNvSpPr>
-            <a:spLocks noGrp="1"/>
-          </p:cNvSpPr>
-          <p:nvPr>
-            <p:ph sz="half" idx="2"/>
-          </p:nvPr>
-        </p:nvSpPr>
-        <p:spPr/>
-        <p:txBody>
-          <a:bodyPr>
-            <a:normAutofit lnSpcReduction="10000"/>
-          </a:bodyPr>
-          <a:lstStyle/>
-          <a:p>
-            <a:pPr marL="0" indent="0">
-              <a:buNone/>
-            </a:pPr>
-            <a:r>
-              <a:rPr lang="de-DE" sz="2000" b="1"/>
-              <a:t>Simulation in der Medizininformatik</a:t>
-            </a:r>
-          </a:p>
-          <a:p>
-            <a:pPr marL="457200" indent="-457200">
-              <a:buAutoNum type="arabicPeriod"/>
-            </a:pPr>
-            <a:r>
-              <a:rPr lang="de-DE" sz="2000"/>
-              <a:t>Was ist Simulation?</a:t>
-            </a:r>
-          </a:p>
-          <a:p>
-            <a:pPr marL="457200" indent="-457200">
-              <a:buAutoNum type="arabicPeriod"/>
-            </a:pPr>
-            <a:r>
-              <a:rPr lang="de-DE" sz="2000"/>
-              <a:t>Ziele der Simulation</a:t>
-            </a:r>
-          </a:p>
-          <a:p>
-            <a:pPr marL="457200" indent="-457200">
-              <a:buAutoNum type="arabicPeriod"/>
-            </a:pPr>
-            <a:r>
-              <a:rPr lang="de-DE" sz="2000"/>
-              <a:t>Typen medizinischer Simulationen</a:t>
-            </a:r>
-          </a:p>
-          <a:p>
-            <a:pPr marL="457200" indent="-457200">
-              <a:buAutoNum type="arabicPeriod"/>
-            </a:pPr>
-            <a:r>
-              <a:rPr lang="de-DE" sz="2000"/>
-              <a:t>Anwendungsbereiche</a:t>
-            </a:r>
-          </a:p>
-          <a:p>
-            <a:pPr marL="457200" indent="-457200">
-              <a:buAutoNum type="arabicPeriod"/>
-            </a:pPr>
-            <a:r>
-              <a:rPr lang="de-DE" sz="2000"/>
-              <a:t>Vorteile</a:t>
-            </a:r>
-          </a:p>
-          <a:p>
-            <a:pPr marL="457200" indent="-457200">
-              <a:buAutoNum type="arabicPeriod"/>
-            </a:pPr>
-            <a:r>
-              <a:rPr lang="de-DE" sz="2000"/>
-              <a:t>Herausforderungen</a:t>
-            </a:r>
-          </a:p>
-          <a:p>
-            <a:pPr marL="457200" indent="-457200">
-              <a:buAutoNum type="arabicPeriod"/>
-            </a:pPr>
-            <a:r>
-              <a:rPr lang="de-DE" sz="2000"/>
-              <a:t>Zukunftsperspektiven</a:t>
-            </a:r>
-            <a:endParaRPr lang="de-DE" sz="2000" dirty="0"/>
-          </a:p>
-        </p:txBody>
-      </p:sp>
-    </p:spTree>
-    <p:extLst>
-      <p:ext uri="{BB962C8B-B14F-4D97-AF65-F5344CB8AC3E}">
-        <p14:creationId xmlns:p14="http://schemas.microsoft.com/office/powerpoint/2010/main" val="905018155"/>
-      </p:ext>
-    </p:extLst>
-  </p:cSld>
-  <p:clrMapOvr>
-    <a:masterClrMapping/>
-  </p:clrMapOvr>
-  <mc:AlternateContent xmlns:mc="http://schemas.openxmlformats.org/markup-compatibility/2006" xmlns:p159="http://schemas.microsoft.com/office/powerpoint/2015/09/main">
-    <mc:Choice Requires="p159">
-      <p:transition spd="slow">
-        <p159:morph option="byObject"/>
-      </p:transition>
-    </mc:Choice>
-    <mc:Fallback xmlns="">
-      <p:transition spd="slow">
-        <p:fade/>
-      </p:transition>
-    </mc:Fallback>
-  </mc:AlternateContent>
-</p:sld>
-</file>
-
-<file path=ppt/slides/slide20.xml><?xml version="1.0" encoding="utf-8"?>
+<file path=ppt/slides/slide18.xml><?xml version="1.0" encoding="utf-8"?>
 <p:sld xmlns:a="http://schemas.openxmlformats.org/drawingml/2006/main" xmlns:r="http://schemas.openxmlformats.org/officeDocument/2006/relationships" xmlns:p="http://schemas.openxmlformats.org/presentationml/2006/main">
   <p:cSld>
     <p:spTree>
@@ -9537,13 +8983,13 @@
   <p:clrMapOvr>
     <a:masterClrMapping/>
   </p:clrMapOvr>
-  <mc:AlternateContent xmlns:mc="http://schemas.openxmlformats.org/markup-compatibility/2006">
-    <mc:Choice xmlns:p159="http://schemas.microsoft.com/office/powerpoint/2015/09/main" Requires="p159">
+  <mc:AlternateContent xmlns:mc="http://schemas.openxmlformats.org/markup-compatibility/2006" xmlns:p159="http://schemas.microsoft.com/office/powerpoint/2015/09/main">
+    <mc:Choice Requires="p159">
       <p:transition spd="slow">
         <p159:morph option="byObject"/>
       </p:transition>
     </mc:Choice>
-    <mc:Fallback>
+    <mc:Fallback xmlns="">
       <p:transition spd="slow">
         <p:fade/>
       </p:transition>
@@ -9552,7 +8998,7 @@
 </p:sld>
 </file>
 
-<file path=ppt/slides/slide21.xml><?xml version="1.0" encoding="utf-8"?>
+<file path=ppt/slides/slide19.xml><?xml version="1.0" encoding="utf-8"?>
 <p:sld xmlns:a="http://schemas.openxmlformats.org/drawingml/2006/main" xmlns:r="http://schemas.openxmlformats.org/officeDocument/2006/relationships" xmlns:p="http://schemas.openxmlformats.org/presentationml/2006/main">
   <p:cSld>
     <p:spTree>
@@ -9718,13 +9164,13 @@
   <p:clrMapOvr>
     <a:masterClrMapping/>
   </p:clrMapOvr>
-  <mc:AlternateContent xmlns:mc="http://schemas.openxmlformats.org/markup-compatibility/2006">
-    <mc:Choice xmlns:p159="http://schemas.microsoft.com/office/powerpoint/2015/09/main" Requires="p159">
+  <mc:AlternateContent xmlns:mc="http://schemas.openxmlformats.org/markup-compatibility/2006" xmlns:p159="http://schemas.microsoft.com/office/powerpoint/2015/09/main">
+    <mc:Choice Requires="p159">
       <p:transition spd="slow">
         <p159:morph option="byObject"/>
       </p:transition>
     </mc:Choice>
-    <mc:Fallback>
+    <mc:Fallback xmlns="">
       <p:transition spd="slow">
         <p:fade/>
       </p:transition>
@@ -9733,7 +9179,254 @@
 </p:sld>
 </file>
 
-<file path=ppt/slides/slide22.xml><?xml version="1.0" encoding="utf-8"?>
+<file path=ppt/slides/slide2.xml><?xml version="1.0" encoding="utf-8"?>
+<p:sld xmlns:a="http://schemas.openxmlformats.org/drawingml/2006/main" xmlns:r="http://schemas.openxmlformats.org/officeDocument/2006/relationships" xmlns:p="http://schemas.openxmlformats.org/presentationml/2006/main">
+  <p:cSld>
+    <p:spTree>
+      <p:nvGrpSpPr>
+        <p:cNvPr id="1" name=""/>
+        <p:cNvGrpSpPr/>
+        <p:nvPr/>
+      </p:nvGrpSpPr>
+      <p:grpSpPr>
+        <a:xfrm>
+          <a:off x="0" y="0"/>
+          <a:ext cx="0" cy="0"/>
+          <a:chOff x="0" y="0"/>
+          <a:chExt cx="0" cy="0"/>
+        </a:xfrm>
+      </p:grpSpPr>
+      <p:sp>
+        <p:nvSpPr>
+          <p:cNvPr id="2" name="Titel 1">
+            <a:extLst>
+              <a:ext uri="{FF2B5EF4-FFF2-40B4-BE49-F238E27FC236}">
+                <a16:creationId xmlns:a16="http://schemas.microsoft.com/office/drawing/2014/main" id="{875B4E52-DE32-CC13-9529-FB3326B60BA1}"/>
+              </a:ext>
+            </a:extLst>
+          </p:cNvPr>
+          <p:cNvSpPr>
+            <a:spLocks noGrp="1"/>
+          </p:cNvSpPr>
+          <p:nvPr>
+            <p:ph type="title"/>
+          </p:nvPr>
+        </p:nvSpPr>
+        <p:spPr/>
+        <p:txBody>
+          <a:bodyPr>
+            <a:normAutofit/>
+          </a:bodyPr>
+          <a:lstStyle/>
+          <a:p>
+            <a:r>
+              <a:rPr lang="de-DE" sz="4000" b="1"/>
+              <a:t>Gliederung</a:t>
+            </a:r>
+            <a:endParaRPr lang="de-DE" sz="4000" b="1" dirty="0"/>
+          </a:p>
+        </p:txBody>
+      </p:sp>
+      <p:sp>
+        <p:nvSpPr>
+          <p:cNvPr id="3" name="Inhaltsplatzhalter 2">
+            <a:extLst>
+              <a:ext uri="{FF2B5EF4-FFF2-40B4-BE49-F238E27FC236}">
+                <a16:creationId xmlns:a16="http://schemas.microsoft.com/office/drawing/2014/main" id="{2DB2BE38-B9DB-2984-9F9C-E43C971857E9}"/>
+              </a:ext>
+            </a:extLst>
+          </p:cNvPr>
+          <p:cNvSpPr>
+            <a:spLocks noGrp="1"/>
+          </p:cNvSpPr>
+          <p:nvPr>
+            <p:ph sz="half" idx="1"/>
+          </p:nvPr>
+        </p:nvSpPr>
+        <p:spPr/>
+        <p:txBody>
+          <a:bodyPr>
+            <a:normAutofit/>
+          </a:bodyPr>
+          <a:lstStyle/>
+          <a:p>
+            <a:pPr marL="0" indent="0">
+              <a:buNone/>
+            </a:pPr>
+            <a:r>
+              <a:rPr lang="de-DE" sz="2000" b="1" dirty="0"/>
+              <a:t>Modellierung in der Medizininformatik</a:t>
+            </a:r>
+          </a:p>
+          <a:p>
+            <a:pPr marL="457200" indent="-457200">
+              <a:buAutoNum type="arabicPeriod"/>
+            </a:pPr>
+            <a:r>
+              <a:rPr lang="de-DE" sz="2000" dirty="0"/>
+              <a:t>Was ist Modellierung?</a:t>
+            </a:r>
+          </a:p>
+          <a:p>
+            <a:pPr marL="457200" indent="-457200">
+              <a:buAutoNum type="arabicPeriod"/>
+            </a:pPr>
+            <a:r>
+              <a:rPr lang="de-DE" sz="2000" dirty="0"/>
+              <a:t>Modellierungsarten</a:t>
+            </a:r>
+          </a:p>
+          <a:p>
+            <a:pPr marL="457200" indent="-457200">
+              <a:buAutoNum type="arabicPeriod"/>
+            </a:pPr>
+            <a:r>
+              <a:rPr lang="de-DE" sz="2000" dirty="0"/>
+              <a:t>Anwendungen</a:t>
+            </a:r>
+          </a:p>
+          <a:p>
+            <a:pPr marL="457200" indent="-457200">
+              <a:buAutoNum type="arabicPeriod"/>
+            </a:pPr>
+            <a:r>
+              <a:rPr lang="de-DE" sz="2000" dirty="0"/>
+              <a:t>Voraussetzungen</a:t>
+            </a:r>
+          </a:p>
+          <a:p>
+            <a:pPr marL="457200" indent="-457200">
+              <a:buAutoNum type="arabicPeriod"/>
+            </a:pPr>
+            <a:r>
+              <a:rPr lang="de-DE" sz="2000" dirty="0"/>
+              <a:t>Herausforderungen</a:t>
+            </a:r>
+          </a:p>
+          <a:p>
+            <a:pPr marL="457200" indent="-457200">
+              <a:buAutoNum type="arabicPeriod"/>
+            </a:pPr>
+            <a:r>
+              <a:rPr lang="de-DE" sz="2000" dirty="0"/>
+              <a:t>Zukunftsperspektiven</a:t>
+            </a:r>
+          </a:p>
+        </p:txBody>
+      </p:sp>
+      <p:sp>
+        <p:nvSpPr>
+          <p:cNvPr id="4" name="Inhaltsplatzhalter 3">
+            <a:extLst>
+              <a:ext uri="{FF2B5EF4-FFF2-40B4-BE49-F238E27FC236}">
+                <a16:creationId xmlns:a16="http://schemas.microsoft.com/office/drawing/2014/main" id="{110C6831-404F-A886-4EA2-9DEF2850FF22}"/>
+              </a:ext>
+            </a:extLst>
+          </p:cNvPr>
+          <p:cNvSpPr>
+            <a:spLocks noGrp="1"/>
+          </p:cNvSpPr>
+          <p:nvPr>
+            <p:ph sz="half" idx="2"/>
+          </p:nvPr>
+        </p:nvSpPr>
+        <p:spPr/>
+        <p:txBody>
+          <a:bodyPr>
+            <a:normAutofit/>
+          </a:bodyPr>
+          <a:lstStyle/>
+          <a:p>
+            <a:pPr marL="0" indent="0">
+              <a:buNone/>
+            </a:pPr>
+            <a:r>
+              <a:rPr lang="de-DE" sz="2000" b="1" dirty="0"/>
+              <a:t>Simulation in der Medizininformatik</a:t>
+            </a:r>
+          </a:p>
+          <a:p>
+            <a:pPr marL="457200" indent="-457200">
+              <a:buAutoNum type="arabicPeriod"/>
+            </a:pPr>
+            <a:r>
+              <a:rPr lang="de-DE" sz="2000" dirty="0"/>
+              <a:t>Was ist Simulation?</a:t>
+            </a:r>
+          </a:p>
+          <a:p>
+            <a:pPr marL="457200" indent="-457200">
+              <a:buAutoNum type="arabicPeriod"/>
+            </a:pPr>
+            <a:r>
+              <a:rPr lang="de-DE" sz="2000" dirty="0"/>
+              <a:t>Typen medizinischer Simulationen</a:t>
+            </a:r>
+          </a:p>
+          <a:p>
+            <a:pPr marL="457200" indent="-457200">
+              <a:buAutoNum type="arabicPeriod"/>
+            </a:pPr>
+            <a:r>
+              <a:rPr lang="de-DE" sz="2000" dirty="0"/>
+              <a:t>Anwendungsbereiche</a:t>
+            </a:r>
+          </a:p>
+          <a:p>
+            <a:pPr marL="457200" indent="-457200">
+              <a:buAutoNum type="arabicPeriod"/>
+            </a:pPr>
+            <a:r>
+              <a:rPr lang="de-DE" sz="2000" dirty="0"/>
+              <a:t>Vorteile</a:t>
+            </a:r>
+          </a:p>
+          <a:p>
+            <a:pPr marL="457200" indent="-457200">
+              <a:buAutoNum type="arabicPeriod"/>
+            </a:pPr>
+            <a:r>
+              <a:rPr lang="de-DE" sz="2000" dirty="0"/>
+              <a:t>Herausforderungen</a:t>
+            </a:r>
+          </a:p>
+          <a:p>
+            <a:pPr marL="457200" indent="-457200">
+              <a:buAutoNum type="arabicPeriod"/>
+            </a:pPr>
+            <a:r>
+              <a:rPr lang="de-DE" sz="2000" dirty="0"/>
+              <a:t>Zukunftsperspektiven</a:t>
+            </a:r>
+          </a:p>
+        </p:txBody>
+      </p:sp>
+    </p:spTree>
+    <p:extLst>
+      <p:ext uri="{BB962C8B-B14F-4D97-AF65-F5344CB8AC3E}">
+        <p14:creationId xmlns:p14="http://schemas.microsoft.com/office/powerpoint/2010/main" val="905018155"/>
+      </p:ext>
+    </p:extLst>
+  </p:cSld>
+  <p:clrMapOvr>
+    <a:masterClrMapping/>
+  </p:clrMapOvr>
+  <mc:AlternateContent xmlns:mc="http://schemas.openxmlformats.org/markup-compatibility/2006" xmlns:p159="http://schemas.microsoft.com/office/powerpoint/2015/09/main">
+    <mc:Choice Requires="p159">
+      <p:transition spd="slow">
+        <p159:morph option="byObject"/>
+      </p:transition>
+    </mc:Choice>
+    <mc:Fallback xmlns="">
+      <p:transition spd="slow">
+        <p:fade/>
+      </p:transition>
+    </mc:Fallback>
+  </mc:AlternateContent>
+</p:sld>
+</file>
+
+<file path=ppt/slides/slide20.xml><?xml version="1.0" encoding="utf-8"?>
 <p:sld xmlns:a="http://schemas.openxmlformats.org/drawingml/2006/main" xmlns:r="http://schemas.openxmlformats.org/officeDocument/2006/relationships" xmlns:p="http://schemas.openxmlformats.org/presentationml/2006/main">
   <p:cSld>
     <p:spTree>
@@ -9968,13 +9661,13 @@
   <p:clrMapOvr>
     <a:masterClrMapping/>
   </p:clrMapOvr>
-  <mc:AlternateContent xmlns:mc="http://schemas.openxmlformats.org/markup-compatibility/2006">
-    <mc:Choice xmlns:p159="http://schemas.microsoft.com/office/powerpoint/2015/09/main" Requires="p159">
+  <mc:AlternateContent xmlns:mc="http://schemas.openxmlformats.org/markup-compatibility/2006" xmlns:p159="http://schemas.microsoft.com/office/powerpoint/2015/09/main">
+    <mc:Choice Requires="p159">
       <p:transition spd="slow">
         <p159:morph option="byObject"/>
       </p:transition>
     </mc:Choice>
-    <mc:Fallback>
+    <mc:Fallback xmlns="">
       <p:transition spd="slow">
         <p:fade/>
       </p:transition>
@@ -9983,7 +9676,7 @@
 </p:sld>
 </file>
 
-<file path=ppt/slides/slide23.xml><?xml version="1.0" encoding="utf-8"?>
+<file path=ppt/slides/slide21.xml><?xml version="1.0" encoding="utf-8"?>
 <p:sld xmlns:a="http://schemas.openxmlformats.org/drawingml/2006/main" xmlns:r="http://schemas.openxmlformats.org/officeDocument/2006/relationships" xmlns:p="http://schemas.openxmlformats.org/presentationml/2006/main">
   <p:cSld>
     <p:spTree>
@@ -10142,13 +9835,13 @@
   <p:clrMapOvr>
     <a:masterClrMapping/>
   </p:clrMapOvr>
-  <mc:AlternateContent xmlns:mc="http://schemas.openxmlformats.org/markup-compatibility/2006">
-    <mc:Choice xmlns:p159="http://schemas.microsoft.com/office/powerpoint/2015/09/main" Requires="p159">
+  <mc:AlternateContent xmlns:mc="http://schemas.openxmlformats.org/markup-compatibility/2006" xmlns:p159="http://schemas.microsoft.com/office/powerpoint/2015/09/main">
+    <mc:Choice Requires="p159">
       <p:transition spd="slow">
         <p159:morph option="byObject"/>
       </p:transition>
     </mc:Choice>
-    <mc:Fallback>
+    <mc:Fallback xmlns="">
       <p:transition spd="slow">
         <p:fade/>
       </p:transition>
@@ -10157,7 +9850,7 @@
 </p:sld>
 </file>
 
-<file path=ppt/slides/slide24.xml><?xml version="1.0" encoding="utf-8"?>
+<file path=ppt/slides/slide22.xml><?xml version="1.0" encoding="utf-8"?>
 <p:sld xmlns:a="http://schemas.openxmlformats.org/drawingml/2006/main" xmlns:r="http://schemas.openxmlformats.org/officeDocument/2006/relationships" xmlns:p="http://schemas.openxmlformats.org/presentationml/2006/main">
   <p:cSld>
     <p:spTree>
@@ -10323,13 +10016,13 @@
   <p:clrMapOvr>
     <a:masterClrMapping/>
   </p:clrMapOvr>
-  <mc:AlternateContent xmlns:mc="http://schemas.openxmlformats.org/markup-compatibility/2006">
-    <mc:Choice xmlns:p159="http://schemas.microsoft.com/office/powerpoint/2015/09/main" Requires="p159">
+  <mc:AlternateContent xmlns:mc="http://schemas.openxmlformats.org/markup-compatibility/2006" xmlns:p159="http://schemas.microsoft.com/office/powerpoint/2015/09/main">
+    <mc:Choice Requires="p159">
       <p:transition spd="slow">
         <p159:morph option="byObject"/>
       </p:transition>
     </mc:Choice>
-    <mc:Fallback>
+    <mc:Fallback xmlns="">
       <p:transition spd="slow">
         <p:fade/>
       </p:transition>
@@ -10338,7 +10031,7 @@
 </p:sld>
 </file>
 
-<file path=ppt/slides/slide25.xml><?xml version="1.0" encoding="utf-8"?>
+<file path=ppt/slides/slide23.xml><?xml version="1.0" encoding="utf-8"?>
 <p:sld xmlns:a="http://schemas.openxmlformats.org/drawingml/2006/main" xmlns:r="http://schemas.openxmlformats.org/officeDocument/2006/relationships" xmlns:p="http://schemas.openxmlformats.org/presentationml/2006/main">
   <p:cSld>
     <p:spTree>
@@ -10496,13 +10189,13 @@
   <p:clrMapOvr>
     <a:masterClrMapping/>
   </p:clrMapOvr>
-  <mc:AlternateContent xmlns:mc="http://schemas.openxmlformats.org/markup-compatibility/2006">
-    <mc:Choice xmlns:p159="http://schemas.microsoft.com/office/powerpoint/2015/09/main" Requires="p159">
+  <mc:AlternateContent xmlns:mc="http://schemas.openxmlformats.org/markup-compatibility/2006" xmlns:p159="http://schemas.microsoft.com/office/powerpoint/2015/09/main">
+    <mc:Choice Requires="p159">
       <p:transition spd="slow">
         <p159:morph option="byObject"/>
       </p:transition>
     </mc:Choice>
-    <mc:Fallback>
+    <mc:Fallback xmlns="">
       <p:transition spd="slow">
         <p:fade/>
       </p:transition>
@@ -10511,7 +10204,7 @@
 </p:sld>
 </file>
 
-<file path=ppt/slides/slide26.xml><?xml version="1.0" encoding="utf-8"?>
+<file path=ppt/slides/slide24.xml><?xml version="1.0" encoding="utf-8"?>
 <p:sld xmlns:a="http://schemas.openxmlformats.org/drawingml/2006/main" xmlns:r="http://schemas.openxmlformats.org/officeDocument/2006/relationships" xmlns:p="http://schemas.openxmlformats.org/presentationml/2006/main">
   <p:cSld>
     <p:spTree>
@@ -10602,13 +10295,13 @@
   <p:clrMapOvr>
     <a:masterClrMapping/>
   </p:clrMapOvr>
-  <mc:AlternateContent xmlns:mc="http://schemas.openxmlformats.org/markup-compatibility/2006">
-    <mc:Choice xmlns:p159="http://schemas.microsoft.com/office/powerpoint/2015/09/main" Requires="p159">
+  <mc:AlternateContent xmlns:mc="http://schemas.openxmlformats.org/markup-compatibility/2006" xmlns:p159="http://schemas.microsoft.com/office/powerpoint/2015/09/main">
+    <mc:Choice Requires="p159">
       <p:transition spd="slow">
         <p159:morph option="byObject"/>
       </p:transition>
     </mc:Choice>
-    <mc:Fallback>
+    <mc:Fallback xmlns="">
       <p:transition spd="slow">
         <p:fade/>
       </p:transition>
@@ -10898,137 +10591,6 @@
           <p:cNvPr id="2" name="Titel 1">
             <a:extLst>
               <a:ext uri="{FF2B5EF4-FFF2-40B4-BE49-F238E27FC236}">
-                <a16:creationId xmlns:a16="http://schemas.microsoft.com/office/drawing/2014/main" id="{9C301913-D5B4-7E99-5C41-C7D5F690030E}"/>
-              </a:ext>
-            </a:extLst>
-          </p:cNvPr>
-          <p:cNvSpPr>
-            <a:spLocks noGrp="1"/>
-          </p:cNvSpPr>
-          <p:nvPr>
-            <p:ph type="title"/>
-          </p:nvPr>
-        </p:nvSpPr>
-        <p:spPr/>
-        <p:txBody>
-          <a:bodyPr/>
-          <a:lstStyle/>
-          <a:p>
-            <a:r>
-              <a:rPr lang="de-DE" sz="2000" b="1" dirty="0"/>
-              <a:t>Modellierung</a:t>
-            </a:r>
-            <a:br>
-              <a:rPr lang="de-DE" b="1" dirty="0"/>
-            </a:br>
-            <a:r>
-              <a:rPr lang="de-DE" b="1" dirty="0"/>
-              <a:t>2. Ziele der Modellierung</a:t>
-            </a:r>
-          </a:p>
-        </p:txBody>
-      </p:sp>
-      <p:sp>
-        <p:nvSpPr>
-          <p:cNvPr id="3" name="Inhaltsplatzhalter 2">
-            <a:extLst>
-              <a:ext uri="{FF2B5EF4-FFF2-40B4-BE49-F238E27FC236}">
-                <a16:creationId xmlns:a16="http://schemas.microsoft.com/office/drawing/2014/main" id="{32674038-2055-3EC3-613B-3883A4DC3BA1}"/>
-              </a:ext>
-            </a:extLst>
-          </p:cNvPr>
-          <p:cNvSpPr>
-            <a:spLocks noGrp="1"/>
-          </p:cNvSpPr>
-          <p:nvPr>
-            <p:ph idx="1"/>
-          </p:nvPr>
-        </p:nvSpPr>
-        <p:spPr/>
-        <p:txBody>
-          <a:bodyPr>
-            <a:normAutofit/>
-          </a:bodyPr>
-          <a:lstStyle/>
-          <a:p>
-            <a:r>
-              <a:rPr lang="de-DE" sz="2400" dirty="0"/>
-              <a:t>Visualisierung von Krankheitsverläufen</a:t>
-            </a:r>
-          </a:p>
-          <a:p>
-            <a:r>
-              <a:rPr lang="de-DE" sz="2400" dirty="0"/>
-              <a:t>Unterstützung bei Therapieentscheidungen</a:t>
-            </a:r>
-          </a:p>
-          <a:p>
-            <a:r>
-              <a:rPr lang="de-DE" sz="2400" dirty="0"/>
-              <a:t>Analyse von Versorgungsprozessen</a:t>
-            </a:r>
-          </a:p>
-          <a:p>
-            <a:r>
-              <a:rPr lang="de-DE" sz="2400" dirty="0"/>
-              <a:t>Entwicklung medizinischer Softwarelösungen</a:t>
-            </a:r>
-          </a:p>
-          <a:p>
-            <a:r>
-              <a:rPr lang="de-DE" sz="2400" dirty="0"/>
-              <a:t>Verbesserung der Patientensicherheit</a:t>
-            </a:r>
-          </a:p>
-        </p:txBody>
-      </p:sp>
-    </p:spTree>
-    <p:extLst>
-      <p:ext uri="{BB962C8B-B14F-4D97-AF65-F5344CB8AC3E}">
-        <p14:creationId xmlns:p14="http://schemas.microsoft.com/office/powerpoint/2010/main" val="3365551511"/>
-      </p:ext>
-    </p:extLst>
-  </p:cSld>
-  <p:clrMapOvr>
-    <a:masterClrMapping/>
-  </p:clrMapOvr>
-  <mc:AlternateContent xmlns:mc="http://schemas.openxmlformats.org/markup-compatibility/2006" xmlns:p159="http://schemas.microsoft.com/office/powerpoint/2015/09/main">
-    <mc:Choice Requires="p159">
-      <p:transition spd="slow">
-        <p159:morph option="byObject"/>
-      </p:transition>
-    </mc:Choice>
-    <mc:Fallback xmlns="">
-      <p:transition spd="slow">
-        <p:fade/>
-      </p:transition>
-    </mc:Fallback>
-  </mc:AlternateContent>
-</p:sld>
-</file>
-
-<file path=ppt/slides/slide6.xml><?xml version="1.0" encoding="utf-8"?>
-<p:sld xmlns:a="http://schemas.openxmlformats.org/drawingml/2006/main" xmlns:r="http://schemas.openxmlformats.org/officeDocument/2006/relationships" xmlns:p="http://schemas.openxmlformats.org/presentationml/2006/main">
-  <p:cSld>
-    <p:spTree>
-      <p:nvGrpSpPr>
-        <p:cNvPr id="1" name=""/>
-        <p:cNvGrpSpPr/>
-        <p:nvPr/>
-      </p:nvGrpSpPr>
-      <p:grpSpPr>
-        <a:xfrm>
-          <a:off x="0" y="0"/>
-          <a:ext cx="0" cy="0"/>
-          <a:chOff x="0" y="0"/>
-          <a:chExt cx="0" cy="0"/>
-        </a:xfrm>
-      </p:grpSpPr>
-      <p:sp>
-        <p:nvSpPr>
-          <p:cNvPr id="2" name="Titel 1">
-            <a:extLst>
-              <a:ext uri="{FF2B5EF4-FFF2-40B4-BE49-F238E27FC236}">
                 <a16:creationId xmlns:a16="http://schemas.microsoft.com/office/drawing/2014/main" id="{E23C6DDA-DECD-843F-7AA9-8FD8030612EB}"/>
               </a:ext>
             </a:extLst>
@@ -11054,7 +10616,7 @@
             </a:br>
             <a:r>
               <a:rPr lang="de-DE" b="1" dirty="0"/>
-              <a:t>3. Modellierungsarten</a:t>
+              <a:t>2. Modellierungsarten</a:t>
             </a:r>
           </a:p>
         </p:txBody>
@@ -11835,6 +11397,161 @@
 </p:sld>
 </file>
 
+<file path=ppt/slides/slide6.xml><?xml version="1.0" encoding="utf-8"?>
+<p:sld xmlns:a="http://schemas.openxmlformats.org/drawingml/2006/main" xmlns:r="http://schemas.openxmlformats.org/officeDocument/2006/relationships" xmlns:p="http://schemas.openxmlformats.org/presentationml/2006/main">
+  <p:cSld>
+    <p:spTree>
+      <p:nvGrpSpPr>
+        <p:cNvPr id="1" name=""/>
+        <p:cNvGrpSpPr/>
+        <p:nvPr/>
+      </p:nvGrpSpPr>
+      <p:grpSpPr>
+        <a:xfrm>
+          <a:off x="0" y="0"/>
+          <a:ext cx="0" cy="0"/>
+          <a:chOff x="0" y="0"/>
+          <a:chExt cx="0" cy="0"/>
+        </a:xfrm>
+      </p:grpSpPr>
+      <p:sp>
+        <p:nvSpPr>
+          <p:cNvPr id="2" name="Titel 1">
+            <a:extLst>
+              <a:ext uri="{FF2B5EF4-FFF2-40B4-BE49-F238E27FC236}">
+                <a16:creationId xmlns:a16="http://schemas.microsoft.com/office/drawing/2014/main" id="{EBCC7C61-0FF6-435E-03B3-006044BC66FD}"/>
+              </a:ext>
+            </a:extLst>
+          </p:cNvPr>
+          <p:cNvSpPr>
+            <a:spLocks noGrp="1"/>
+          </p:cNvSpPr>
+          <p:nvPr>
+            <p:ph type="title"/>
+          </p:nvPr>
+        </p:nvSpPr>
+        <p:spPr/>
+        <p:txBody>
+          <a:bodyPr/>
+          <a:lstStyle/>
+          <a:p>
+            <a:r>
+              <a:rPr lang="de-DE" sz="2000" b="1" dirty="0"/>
+              <a:t>Modellierung</a:t>
+            </a:r>
+            <a:br>
+              <a:rPr lang="de-DE" b="1" dirty="0"/>
+            </a:br>
+            <a:r>
+              <a:rPr lang="de-DE" b="1" dirty="0"/>
+              <a:t>3. Anwendungen</a:t>
+            </a:r>
+          </a:p>
+        </p:txBody>
+      </p:sp>
+      <p:sp>
+        <p:nvSpPr>
+          <p:cNvPr id="3" name="Inhaltsplatzhalter 2">
+            <a:extLst>
+              <a:ext uri="{FF2B5EF4-FFF2-40B4-BE49-F238E27FC236}">
+                <a16:creationId xmlns:a16="http://schemas.microsoft.com/office/drawing/2014/main" id="{6D8089A7-A452-BDC4-98DF-BB5C702BD459}"/>
+              </a:ext>
+            </a:extLst>
+          </p:cNvPr>
+          <p:cNvSpPr>
+            <a:spLocks noGrp="1"/>
+          </p:cNvSpPr>
+          <p:nvPr>
+            <p:ph idx="1"/>
+          </p:nvPr>
+        </p:nvSpPr>
+        <p:spPr/>
+        <p:txBody>
+          <a:bodyPr>
+            <a:normAutofit/>
+          </a:bodyPr>
+          <a:lstStyle/>
+          <a:p>
+            <a:r>
+              <a:rPr lang="de-DE" sz="2400" dirty="0"/>
+              <a:t>Klinische Entscheidungsunterstützungssysteme (CDSS)</a:t>
+            </a:r>
+          </a:p>
+          <a:p>
+            <a:pPr lvl="1"/>
+            <a:r>
+              <a:rPr lang="de-DE" sz="2200" dirty="0"/>
+              <a:t>Entwicklung medizinischer Softwarelösungen</a:t>
+            </a:r>
+          </a:p>
+          <a:p>
+            <a:r>
+              <a:rPr lang="de-DE" sz="2400" dirty="0"/>
+              <a:t>Krankheitsmodellierung (z. B. Diabetes, Krebs, COVID-19)</a:t>
+            </a:r>
+          </a:p>
+          <a:p>
+            <a:pPr lvl="1"/>
+            <a:r>
+              <a:rPr lang="de-DE" sz="2200" dirty="0"/>
+              <a:t>Verlaufsvisualisierung</a:t>
+            </a:r>
+          </a:p>
+          <a:p>
+            <a:pPr lvl="1"/>
+            <a:r>
+              <a:rPr lang="de-DE" sz="2200" dirty="0"/>
+              <a:t>Operations- und Therapieplanung</a:t>
+            </a:r>
+          </a:p>
+          <a:p>
+            <a:r>
+              <a:rPr lang="de-DE" sz="2400" dirty="0"/>
+              <a:t>Prozessmodellierung in Krankenhäusern</a:t>
+            </a:r>
+          </a:p>
+          <a:p>
+            <a:r>
+              <a:rPr lang="de-DE" sz="2400" dirty="0"/>
+              <a:t>Personalisierte Medizin (Modelle mit Patientendaten)</a:t>
+            </a:r>
+          </a:p>
+          <a:p>
+            <a:r>
+              <a:rPr lang="de-DE" sz="2400" dirty="0"/>
+              <a:t>Analyse von Versorgungsprozessen</a:t>
+            </a:r>
+          </a:p>
+          <a:p>
+            <a:endParaRPr lang="de-DE" sz="2400" dirty="0"/>
+          </a:p>
+        </p:txBody>
+      </p:sp>
+    </p:spTree>
+    <p:extLst>
+      <p:ext uri="{BB962C8B-B14F-4D97-AF65-F5344CB8AC3E}">
+        <p14:creationId xmlns:p14="http://schemas.microsoft.com/office/powerpoint/2010/main" val="2205259384"/>
+      </p:ext>
+    </p:extLst>
+  </p:cSld>
+  <p:clrMapOvr>
+    <a:masterClrMapping/>
+  </p:clrMapOvr>
+  <mc:AlternateContent xmlns:mc="http://schemas.openxmlformats.org/markup-compatibility/2006" xmlns:p159="http://schemas.microsoft.com/office/powerpoint/2015/09/main">
+    <mc:Choice Requires="p159">
+      <p:transition spd="slow">
+        <p159:morph option="byObject"/>
+      </p:transition>
+    </mc:Choice>
+    <mc:Fallback xmlns="">
+      <p:transition spd="slow">
+        <p:fade/>
+      </p:transition>
+    </mc:Fallback>
+  </mc:AlternateContent>
+</p:sld>
+</file>
+
 <file path=ppt/slides/slide7.xml><?xml version="1.0" encoding="utf-8"?>
 <p:sld xmlns:a="http://schemas.openxmlformats.org/drawingml/2006/main" xmlns:r="http://schemas.openxmlformats.org/officeDocument/2006/relationships" xmlns:p="http://schemas.openxmlformats.org/presentationml/2006/main">
   <p:cSld>
@@ -11857,7 +11574,7 @@
           <p:cNvPr id="2" name="Titel 1">
             <a:extLst>
               <a:ext uri="{FF2B5EF4-FFF2-40B4-BE49-F238E27FC236}">
-                <a16:creationId xmlns:a16="http://schemas.microsoft.com/office/drawing/2014/main" id="{EBCC7C61-0FF6-435E-03B3-006044BC66FD}"/>
+                <a16:creationId xmlns:a16="http://schemas.microsoft.com/office/drawing/2014/main" id="{C97BB125-3D35-8BF0-60B3-E1526F0678AE}"/>
               </a:ext>
             </a:extLst>
           </p:cNvPr>
@@ -11882,7 +11599,7 @@
             </a:br>
             <a:r>
               <a:rPr lang="de-DE" b="1" dirty="0"/>
-              <a:t>4. Anwendungen</a:t>
+              <a:t>4. Voraussetzungen</a:t>
             </a:r>
           </a:p>
         </p:txBody>
@@ -11892,7 +11609,7 @@
           <p:cNvPr id="3" name="Inhaltsplatzhalter 2">
             <a:extLst>
               <a:ext uri="{FF2B5EF4-FFF2-40B4-BE49-F238E27FC236}">
-                <a16:creationId xmlns:a16="http://schemas.microsoft.com/office/drawing/2014/main" id="{6D8089A7-A452-BDC4-98DF-BB5C702BD459}"/>
+                <a16:creationId xmlns:a16="http://schemas.microsoft.com/office/drawing/2014/main" id="{28B72842-B0AA-55BC-FCEE-48895BB4A19B}"/>
               </a:ext>
             </a:extLst>
           </p:cNvPr>
@@ -11912,31 +11629,19 @@
           <a:p>
             <a:r>
               <a:rPr lang="de-DE" sz="2400" dirty="0"/>
-              <a:t>Klinische Entscheidungsunterstützungssysteme (CDSS)</a:t>
+              <a:t>Verfügbarkeit hochwertiger, strukturierter medizinischer Daten</a:t>
             </a:r>
           </a:p>
           <a:p>
             <a:r>
               <a:rPr lang="de-DE" sz="2400" dirty="0"/>
-              <a:t>Krankheitsmodellierung (z. B. Diabetes, Krebs, COVID-19)</a:t>
+              <a:t>Interdisziplinäre Zusammenarbeit (Medizin, Informatik, Mathematik)</a:t>
             </a:r>
           </a:p>
           <a:p>
             <a:r>
               <a:rPr lang="de-DE" sz="2400" dirty="0"/>
-              <a:t>Operations- und Therapieplanung</a:t>
-            </a:r>
-          </a:p>
-          <a:p>
-            <a:r>
-              <a:rPr lang="de-DE" sz="2400" dirty="0"/>
-              <a:t>Prozessmodellierung in Krankenhäusern</a:t>
-            </a:r>
-          </a:p>
-          <a:p>
-            <a:r>
-              <a:rPr lang="de-DE" sz="2400" dirty="0"/>
-              <a:t>Personalisierte Medizin (Modelle mit Patientendaten)</a:t>
+              <a:t>Validierung der Modelle anhand klinischer Studien oder Vergleichsdaten</a:t>
             </a:r>
           </a:p>
         </p:txBody>
@@ -11944,7 +11649,7 @@
     </p:spTree>
     <p:extLst>
       <p:ext uri="{BB962C8B-B14F-4D97-AF65-F5344CB8AC3E}">
-        <p14:creationId xmlns:p14="http://schemas.microsoft.com/office/powerpoint/2010/main" val="2205259384"/>
+        <p14:creationId xmlns:p14="http://schemas.microsoft.com/office/powerpoint/2010/main" val="653735702"/>
       </p:ext>
     </p:extLst>
   </p:cSld>
@@ -11988,7 +11693,7 @@
           <p:cNvPr id="2" name="Titel 1">
             <a:extLst>
               <a:ext uri="{FF2B5EF4-FFF2-40B4-BE49-F238E27FC236}">
-                <a16:creationId xmlns:a16="http://schemas.microsoft.com/office/drawing/2014/main" id="{C97BB125-3D35-8BF0-60B3-E1526F0678AE}"/>
+                <a16:creationId xmlns:a16="http://schemas.microsoft.com/office/drawing/2014/main" id="{101E245B-CAFE-3075-B233-9E756CCCD784}"/>
               </a:ext>
             </a:extLst>
           </p:cNvPr>
@@ -12013,7 +11718,7 @@
             </a:br>
             <a:r>
               <a:rPr lang="de-DE" b="1" dirty="0"/>
-              <a:t>5. Voraussetzungen</a:t>
+              <a:t>5. Herausforderungen</a:t>
             </a:r>
           </a:p>
         </p:txBody>
@@ -12023,7 +11728,7 @@
           <p:cNvPr id="3" name="Inhaltsplatzhalter 2">
             <a:extLst>
               <a:ext uri="{FF2B5EF4-FFF2-40B4-BE49-F238E27FC236}">
-                <a16:creationId xmlns:a16="http://schemas.microsoft.com/office/drawing/2014/main" id="{28B72842-B0AA-55BC-FCEE-48895BB4A19B}"/>
+                <a16:creationId xmlns:a16="http://schemas.microsoft.com/office/drawing/2014/main" id="{A800F038-17C7-5E14-8E24-89503EBE6532}"/>
               </a:ext>
             </a:extLst>
           </p:cNvPr>
@@ -12043,19 +11748,25 @@
           <a:p>
             <a:r>
               <a:rPr lang="de-DE" sz="2400" dirty="0"/>
-              <a:t>Verfügbarkeit hochwertiger, strukturierter medizinischer Daten</a:t>
+              <a:t>Hohe Komplexität biologischer Systeme</a:t>
             </a:r>
           </a:p>
           <a:p>
             <a:r>
               <a:rPr lang="de-DE" sz="2400" dirty="0"/>
-              <a:t>Interdisziplinäre Zusammenarbeit (Medizin, Informatik, Mathematik)</a:t>
+              <a:t>Unsicherheit und Variabilität medizinischer Daten</a:t>
             </a:r>
           </a:p>
           <a:p>
             <a:r>
               <a:rPr lang="de-DE" sz="2400" dirty="0"/>
-              <a:t>Validierung der Modelle anhand klinischer Studien oder Vergleichsdaten</a:t>
+              <a:t>Interpretierbarkeit und Transparenz von Modellen (insbesondere bei KI)</a:t>
+            </a:r>
+          </a:p>
+          <a:p>
+            <a:r>
+              <a:rPr lang="de-DE" sz="2400" dirty="0"/>
+              <a:t>Datenschutz und ethische Fragen</a:t>
             </a:r>
           </a:p>
         </p:txBody>
@@ -12063,7 +11774,7 @@
     </p:spTree>
     <p:extLst>
       <p:ext uri="{BB962C8B-B14F-4D97-AF65-F5344CB8AC3E}">
-        <p14:creationId xmlns:p14="http://schemas.microsoft.com/office/powerpoint/2010/main" val="653735702"/>
+        <p14:creationId xmlns:p14="http://schemas.microsoft.com/office/powerpoint/2010/main" val="1191517970"/>
       </p:ext>
     </p:extLst>
   </p:cSld>
@@ -12107,7 +11818,7 @@
           <p:cNvPr id="2" name="Titel 1">
             <a:extLst>
               <a:ext uri="{FF2B5EF4-FFF2-40B4-BE49-F238E27FC236}">
-                <a16:creationId xmlns:a16="http://schemas.microsoft.com/office/drawing/2014/main" id="{101E245B-CAFE-3075-B233-9E756CCCD784}"/>
+                <a16:creationId xmlns:a16="http://schemas.microsoft.com/office/drawing/2014/main" id="{6CC08FF9-252B-48DF-FAEF-9205D0350A36}"/>
               </a:ext>
             </a:extLst>
           </p:cNvPr>
@@ -12132,7 +11843,7 @@
             </a:br>
             <a:r>
               <a:rPr lang="de-DE" b="1" dirty="0"/>
-              <a:t>6. Herausforderungen</a:t>
+              <a:t>6. Zukunftsperspektiven</a:t>
             </a:r>
           </a:p>
         </p:txBody>
@@ -12142,7 +11853,7 @@
           <p:cNvPr id="3" name="Inhaltsplatzhalter 2">
             <a:extLst>
               <a:ext uri="{FF2B5EF4-FFF2-40B4-BE49-F238E27FC236}">
-                <a16:creationId xmlns:a16="http://schemas.microsoft.com/office/drawing/2014/main" id="{A800F038-17C7-5E14-8E24-89503EBE6532}"/>
+                <a16:creationId xmlns:a16="http://schemas.microsoft.com/office/drawing/2014/main" id="{24205176-5B6D-011F-12F1-AF2B762A5249}"/>
               </a:ext>
             </a:extLst>
           </p:cNvPr>
@@ -12162,33 +11873,54 @@
           <a:p>
             <a:r>
               <a:rPr lang="de-DE" sz="2400" dirty="0"/>
-              <a:t>Hohe Komplexität biologischer Systeme</a:t>
-            </a:r>
-          </a:p>
-          <a:p>
+              <a:t>Kombination von </a:t>
+            </a:r>
+            <a:r>
+              <a:rPr lang="de-DE" sz="2400" b="1" dirty="0"/>
+              <a:t>Modellen mit Echtzeitdaten</a:t>
+            </a:r>
             <a:r>
               <a:rPr lang="de-DE" sz="2400" dirty="0"/>
-              <a:t>Unsicherheit und Variabilität medizinischer Daten</a:t>
-            </a:r>
-          </a:p>
-          <a:p>
+              <a:t> (z. B. Wearables)</a:t>
+            </a:r>
+          </a:p>
+          <a:p>
+            <a:r>
+              <a:rPr lang="de-DE" sz="2400" b="1" dirty="0"/>
+              <a:t>Digitale Zwillinge</a:t>
+            </a:r>
             <a:r>
               <a:rPr lang="de-DE" sz="2400" dirty="0"/>
-              <a:t>Interpretierbarkeit und Transparenz von Modellen (insbesondere bei KI)</a:t>
-            </a:r>
-          </a:p>
-          <a:p>
+              <a:t> von Patienten</a:t>
+            </a:r>
+          </a:p>
+          <a:p>
+            <a:r>
+              <a:rPr lang="de-DE" sz="2400" b="1" dirty="0"/>
+              <a:t>Adaptive Modellierung</a:t>
+            </a:r>
             <a:r>
               <a:rPr lang="de-DE" sz="2400" dirty="0"/>
-              <a:t>Datenschutz und ethische Fragen</a:t>
-            </a:r>
+              <a:t> mit KI</a:t>
+            </a:r>
+          </a:p>
+          <a:p>
+            <a:r>
+              <a:rPr lang="de-DE" sz="2400" dirty="0"/>
+              <a:t>Integration in </a:t>
+            </a:r>
+            <a:r>
+              <a:rPr lang="de-DE" sz="2400" b="1" dirty="0"/>
+              <a:t>elektronische Gesundheitsakten</a:t>
+            </a:r>
+            <a:endParaRPr lang="de-DE" sz="2400" dirty="0"/>
           </a:p>
         </p:txBody>
       </p:sp>
     </p:spTree>
     <p:extLst>
       <p:ext uri="{BB962C8B-B14F-4D97-AF65-F5344CB8AC3E}">
-        <p14:creationId xmlns:p14="http://schemas.microsoft.com/office/powerpoint/2010/main" val="1191517970"/>
+        <p14:creationId xmlns:p14="http://schemas.microsoft.com/office/powerpoint/2010/main" val="2636363178"/>
       </p:ext>
     </p:extLst>
   </p:cSld>

--- a/Simulation und Modellierung in der Medizininformatik_2.0.pptx
+++ b/Simulation und Modellierung in der Medizininformatik_2.0.pptx
@@ -220,7 +220,7 @@
           <a:p>
             <a:fld id="{FD6F2EB6-504E-49DB-BD3E-A556E35ECB0F}" type="datetimeFigureOut">
               <a:rPr lang="de-DE" smtClean="0"/>
-              <a:t>13.06.2025</a:t>
+              <a:t>18.06.2025</a:t>
             </a:fld>
             <a:endParaRPr lang="de-DE"/>
           </a:p>
@@ -658,6 +658,93 @@
           <a:bodyPr/>
           <a:lstStyle/>
           <a:p>
+            <a:r>
+              <a:rPr lang="de-DE" dirty="0"/>
+              <a:t>https://inno.uni-hohenheim.de/corona-modell</a:t>
+            </a:r>
+          </a:p>
+        </p:txBody>
+      </p:sp>
+      <p:sp>
+        <p:nvSpPr>
+          <p:cNvPr id="4" name="Foliennummernplatzhalter 3"/>
+          <p:cNvSpPr>
+            <a:spLocks noGrp="1"/>
+          </p:cNvSpPr>
+          <p:nvPr>
+            <p:ph type="sldNum" sz="quarter" idx="5"/>
+          </p:nvPr>
+        </p:nvSpPr>
+        <p:spPr/>
+        <p:txBody>
+          <a:bodyPr/>
+          <a:lstStyle/>
+          <a:p>
+            <a:fld id="{50722484-A2AF-4112-A2E4-F23BA6FC5A99}" type="slidenum">
+              <a:rPr lang="de-DE" smtClean="0"/>
+              <a:t>13</a:t>
+            </a:fld>
+            <a:endParaRPr lang="de-DE"/>
+          </a:p>
+        </p:txBody>
+      </p:sp>
+    </p:spTree>
+    <p:extLst>
+      <p:ext uri="{BB962C8B-B14F-4D97-AF65-F5344CB8AC3E}">
+        <p14:creationId xmlns:p14="http://schemas.microsoft.com/office/powerpoint/2010/main" val="3145061231"/>
+      </p:ext>
+    </p:extLst>
+  </p:cSld>
+  <p:clrMapOvr>
+    <a:masterClrMapping/>
+  </p:clrMapOvr>
+</p:notes>
+</file>
+
+<file path=ppt/notesSlides/notesSlide3.xml><?xml version="1.0" encoding="utf-8"?>
+<p:notes xmlns:a="http://schemas.openxmlformats.org/drawingml/2006/main" xmlns:r="http://schemas.openxmlformats.org/officeDocument/2006/relationships" xmlns:p="http://schemas.openxmlformats.org/presentationml/2006/main">
+  <p:cSld>
+    <p:spTree>
+      <p:nvGrpSpPr>
+        <p:cNvPr id="1" name=""/>
+        <p:cNvGrpSpPr/>
+        <p:nvPr/>
+      </p:nvGrpSpPr>
+      <p:grpSpPr>
+        <a:xfrm>
+          <a:off x="0" y="0"/>
+          <a:ext cx="0" cy="0"/>
+          <a:chOff x="0" y="0"/>
+          <a:chExt cx="0" cy="0"/>
+        </a:xfrm>
+      </p:grpSpPr>
+      <p:sp>
+        <p:nvSpPr>
+          <p:cNvPr id="2" name="Folienbildplatzhalter 1"/>
+          <p:cNvSpPr>
+            <a:spLocks noGrp="1" noRot="1" noChangeAspect="1"/>
+          </p:cNvSpPr>
+          <p:nvPr>
+            <p:ph type="sldImg"/>
+          </p:nvPr>
+        </p:nvSpPr>
+        <p:spPr/>
+      </p:sp>
+      <p:sp>
+        <p:nvSpPr>
+          <p:cNvPr id="3" name="Notizenplatzhalter 2"/>
+          <p:cNvSpPr>
+            <a:spLocks noGrp="1"/>
+          </p:cNvSpPr>
+          <p:nvPr>
+            <p:ph type="body" idx="1"/>
+          </p:nvPr>
+        </p:nvSpPr>
+        <p:spPr/>
+        <p:txBody>
+          <a:bodyPr/>
+          <a:lstStyle/>
+          <a:p>
             <a:endParaRPr lang="de-DE" dirty="0"/>
           </a:p>
         </p:txBody>
@@ -698,7 +785,7 @@
 </p:notes>
 </file>
 
-<file path=ppt/notesSlides/notesSlide3.xml><?xml version="1.0" encoding="utf-8"?>
+<file path=ppt/notesSlides/notesSlide4.xml><?xml version="1.0" encoding="utf-8"?>
 <p:notes xmlns:a="http://schemas.openxmlformats.org/drawingml/2006/main" xmlns:r="http://schemas.openxmlformats.org/officeDocument/2006/relationships" xmlns:p="http://schemas.openxmlformats.org/presentationml/2006/main">
   <p:cSld>
     <p:spTree>
@@ -806,7 +893,7 @@
 </p:notes>
 </file>
 
-<file path=ppt/notesSlides/notesSlide4.xml><?xml version="1.0" encoding="utf-8"?>
+<file path=ppt/notesSlides/notesSlide5.xml><?xml version="1.0" encoding="utf-8"?>
 <p:notes xmlns:a="http://schemas.openxmlformats.org/drawingml/2006/main" xmlns:r="http://schemas.openxmlformats.org/officeDocument/2006/relationships" xmlns:p="http://schemas.openxmlformats.org/presentationml/2006/main">
   <p:cSld>
     <p:spTree>
@@ -914,7 +1001,7 @@
 </p:notes>
 </file>
 
-<file path=ppt/notesSlides/notesSlide5.xml><?xml version="1.0" encoding="utf-8"?>
+<file path=ppt/notesSlides/notesSlide6.xml><?xml version="1.0" encoding="utf-8"?>
 <p:notes xmlns:a="http://schemas.openxmlformats.org/drawingml/2006/main" xmlns:r="http://schemas.openxmlformats.org/officeDocument/2006/relationships" xmlns:p="http://schemas.openxmlformats.org/presentationml/2006/main">
   <p:cSld>
     <p:spTree>
@@ -1022,7 +1109,7 @@
 </p:notes>
 </file>
 
-<file path=ppt/notesSlides/notesSlide6.xml><?xml version="1.0" encoding="utf-8"?>
+<file path=ppt/notesSlides/notesSlide7.xml><?xml version="1.0" encoding="utf-8"?>
 <p:notes xmlns:a="http://schemas.openxmlformats.org/drawingml/2006/main" xmlns:r="http://schemas.openxmlformats.org/officeDocument/2006/relationships" xmlns:p="http://schemas.openxmlformats.org/presentationml/2006/main">
   <p:cSld>
     <p:spTree>
@@ -1130,7 +1217,7 @@
 </p:notes>
 </file>
 
-<file path=ppt/notesSlides/notesSlide7.xml><?xml version="1.0" encoding="utf-8"?>
+<file path=ppt/notesSlides/notesSlide8.xml><?xml version="1.0" encoding="utf-8"?>
 <p:notes xmlns:a="http://schemas.openxmlformats.org/drawingml/2006/main" xmlns:r="http://schemas.openxmlformats.org/officeDocument/2006/relationships" xmlns:p="http://schemas.openxmlformats.org/presentationml/2006/main">
   <p:cSld>
     <p:spTree>
@@ -1958,9 +2045,9 @@
           <a:bodyPr/>
           <a:lstStyle/>
           <a:p>
-            <a:fld id="{83AB6A7A-760E-487F-B824-C8AF509EACC5}" type="datetimeFigureOut">
+            <a:fld id="{AF65F3A0-9D3C-4A46-9FB9-50EB03EB1B69}" type="datetime1">
               <a:rPr lang="de-DE" smtClean="0"/>
-              <a:t>13.06.2025</a:t>
+              <a:t>18.06.2025</a:t>
             </a:fld>
             <a:endParaRPr lang="de-DE"/>
           </a:p>
@@ -1981,7 +2068,10 @@
           <a:bodyPr/>
           <a:lstStyle/>
           <a:p>
-            <a:endParaRPr lang="de-DE"/>
+            <a:r>
+              <a:rPr lang="de-DE"/>
+              <a:t>Simulation und Modellierung in der Medizininformatik</a:t>
+            </a:r>
           </a:p>
         </p:txBody>
       </p:sp>
@@ -2209,9 +2299,9 @@
           <a:bodyPr/>
           <a:lstStyle/>
           <a:p>
-            <a:fld id="{83AB6A7A-760E-487F-B824-C8AF509EACC5}" type="datetimeFigureOut">
+            <a:fld id="{1D3AEEBB-B73E-4BB8-A282-EABD9EC2E0CB}" type="datetime1">
               <a:rPr lang="de-DE" smtClean="0"/>
-              <a:t>13.06.2025</a:t>
+              <a:t>18.06.2025</a:t>
             </a:fld>
             <a:endParaRPr lang="de-DE"/>
           </a:p>
@@ -2232,7 +2322,10 @@
           <a:bodyPr/>
           <a:lstStyle/>
           <a:p>
-            <a:endParaRPr lang="de-DE"/>
+            <a:r>
+              <a:rPr lang="de-DE"/>
+              <a:t>Simulation und Modellierung in der Medizininformatik</a:t>
+            </a:r>
           </a:p>
         </p:txBody>
       </p:sp>
@@ -2523,9 +2616,9 @@
           <a:bodyPr/>
           <a:lstStyle/>
           <a:p>
-            <a:fld id="{83AB6A7A-760E-487F-B824-C8AF509EACC5}" type="datetimeFigureOut">
+            <a:fld id="{CB6E84C8-C5A3-4B05-9251-B117F11DAF81}" type="datetime1">
               <a:rPr lang="de-DE" smtClean="0"/>
-              <a:t>13.06.2025</a:t>
+              <a:t>18.06.2025</a:t>
             </a:fld>
             <a:endParaRPr lang="de-DE"/>
           </a:p>
@@ -2546,7 +2639,10 @@
           <a:bodyPr/>
           <a:lstStyle/>
           <a:p>
-            <a:endParaRPr lang="de-DE"/>
+            <a:r>
+              <a:rPr lang="de-DE"/>
+              <a:t>Simulation und Modellierung in der Medizininformatik</a:t>
+            </a:r>
           </a:p>
         </p:txBody>
       </p:sp>
@@ -2864,9 +2960,9 @@
           <a:bodyPr/>
           <a:lstStyle/>
           <a:p>
-            <a:fld id="{83AB6A7A-760E-487F-B824-C8AF509EACC5}" type="datetimeFigureOut">
+            <a:fld id="{CA45F8CF-1294-4A39-8F94-A33B630474C9}" type="datetime1">
               <a:rPr lang="de-DE" smtClean="0"/>
-              <a:t>13.06.2025</a:t>
+              <a:t>18.06.2025</a:t>
             </a:fld>
             <a:endParaRPr lang="de-DE"/>
           </a:p>
@@ -2887,7 +2983,10 @@
           <a:bodyPr/>
           <a:lstStyle/>
           <a:p>
-            <a:endParaRPr lang="de-DE"/>
+            <a:r>
+              <a:rPr lang="de-DE"/>
+              <a:t>Simulation und Modellierung in der Medizininformatik</a:t>
+            </a:r>
           </a:p>
         </p:txBody>
       </p:sp>
@@ -3178,9 +3277,9 @@
           <a:bodyPr/>
           <a:lstStyle/>
           <a:p>
-            <a:fld id="{83AB6A7A-760E-487F-B824-C8AF509EACC5}" type="datetimeFigureOut">
+            <a:fld id="{4FFDBE3A-5C17-445A-A956-97E5B65B0D63}" type="datetime1">
               <a:rPr lang="de-DE" smtClean="0"/>
-              <a:t>13.06.2025</a:t>
+              <a:t>18.06.2025</a:t>
             </a:fld>
             <a:endParaRPr lang="de-DE"/>
           </a:p>
@@ -3201,7 +3300,10 @@
           <a:bodyPr/>
           <a:lstStyle/>
           <a:p>
-            <a:endParaRPr lang="de-DE"/>
+            <a:r>
+              <a:rPr lang="de-DE"/>
+              <a:t>Simulation und Modellierung in der Medizininformatik</a:t>
+            </a:r>
           </a:p>
         </p:txBody>
       </p:sp>
@@ -3571,9 +3673,9 @@
           <a:bodyPr/>
           <a:lstStyle/>
           <a:p>
-            <a:fld id="{83AB6A7A-760E-487F-B824-C8AF509EACC5}" type="datetimeFigureOut">
+            <a:fld id="{7948BE82-FE92-4EB2-B596-9C5466EDF821}" type="datetime1">
               <a:rPr lang="de-DE" smtClean="0"/>
-              <a:t>13.06.2025</a:t>
+              <a:t>18.06.2025</a:t>
             </a:fld>
             <a:endParaRPr lang="de-DE"/>
           </a:p>
@@ -3594,7 +3696,10 @@
           <a:bodyPr/>
           <a:lstStyle/>
           <a:p>
-            <a:endParaRPr lang="de-DE"/>
+            <a:r>
+              <a:rPr lang="de-DE"/>
+              <a:t>Simulation und Modellierung in der Medizininformatik</a:t>
+            </a:r>
           </a:p>
         </p:txBody>
       </p:sp>
@@ -3741,9 +3846,9 @@
           <a:bodyPr/>
           <a:lstStyle/>
           <a:p>
-            <a:fld id="{83AB6A7A-760E-487F-B824-C8AF509EACC5}" type="datetimeFigureOut">
+            <a:fld id="{664B1302-BB89-494F-901B-B63D4CBA1724}" type="datetime1">
               <a:rPr lang="de-DE" smtClean="0"/>
-              <a:t>13.06.2025</a:t>
+              <a:t>18.06.2025</a:t>
             </a:fld>
             <a:endParaRPr lang="de-DE"/>
           </a:p>
@@ -3764,7 +3869,10 @@
           <a:bodyPr/>
           <a:lstStyle/>
           <a:p>
-            <a:endParaRPr lang="de-DE"/>
+            <a:r>
+              <a:rPr lang="de-DE"/>
+              <a:t>Simulation und Modellierung in der Medizininformatik</a:t>
+            </a:r>
           </a:p>
         </p:txBody>
       </p:sp>
@@ -3921,9 +4029,9 @@
           <a:bodyPr/>
           <a:lstStyle/>
           <a:p>
-            <a:fld id="{83AB6A7A-760E-487F-B824-C8AF509EACC5}" type="datetimeFigureOut">
+            <a:fld id="{50EC46A2-6C93-42F2-BC8F-2A466FA5D05B}" type="datetime1">
               <a:rPr lang="de-DE" smtClean="0"/>
-              <a:t>13.06.2025</a:t>
+              <a:t>18.06.2025</a:t>
             </a:fld>
             <a:endParaRPr lang="de-DE"/>
           </a:p>
@@ -3944,7 +4052,10 @@
           <a:bodyPr/>
           <a:lstStyle/>
           <a:p>
-            <a:endParaRPr lang="de-DE"/>
+            <a:r>
+              <a:rPr lang="de-DE"/>
+              <a:t>Simulation und Modellierung in der Medizininformatik</a:t>
+            </a:r>
           </a:p>
         </p:txBody>
       </p:sp>
@@ -4097,9 +4208,9 @@
           <a:bodyPr/>
           <a:lstStyle/>
           <a:p>
-            <a:fld id="{83AB6A7A-760E-487F-B824-C8AF509EACC5}" type="datetimeFigureOut">
+            <a:fld id="{FECEDC63-7AFD-43CF-B28B-CB22C5F2DC20}" type="datetime1">
               <a:rPr lang="de-DE" smtClean="0"/>
-              <a:t>13.06.2025</a:t>
+              <a:t>18.06.2025</a:t>
             </a:fld>
             <a:endParaRPr lang="de-DE"/>
           </a:p>
@@ -4120,7 +4231,10 @@
           <a:bodyPr/>
           <a:lstStyle/>
           <a:p>
-            <a:endParaRPr lang="de-DE"/>
+            <a:r>
+              <a:rPr lang="de-DE"/>
+              <a:t>Simulation und Modellierung in der Medizininformatik</a:t>
+            </a:r>
           </a:p>
         </p:txBody>
       </p:sp>
@@ -4344,9 +4458,9 @@
           <a:bodyPr/>
           <a:lstStyle/>
           <a:p>
-            <a:fld id="{83AB6A7A-760E-487F-B824-C8AF509EACC5}" type="datetimeFigureOut">
+            <a:fld id="{2BB02A03-CB1C-46EF-A52B-9B158956CFC7}" type="datetime1">
               <a:rPr lang="de-DE" smtClean="0"/>
-              <a:t>13.06.2025</a:t>
+              <a:t>18.06.2025</a:t>
             </a:fld>
             <a:endParaRPr lang="de-DE"/>
           </a:p>
@@ -4367,7 +4481,10 @@
           <a:bodyPr/>
           <a:lstStyle/>
           <a:p>
-            <a:endParaRPr lang="de-DE"/>
+            <a:r>
+              <a:rPr lang="de-DE"/>
+              <a:t>Simulation und Modellierung in der Medizininformatik</a:t>
+            </a:r>
           </a:p>
         </p:txBody>
       </p:sp>
@@ -4576,9 +4693,9 @@
           <a:bodyPr/>
           <a:lstStyle/>
           <a:p>
-            <a:fld id="{83AB6A7A-760E-487F-B824-C8AF509EACC5}" type="datetimeFigureOut">
+            <a:fld id="{8A0B1711-2598-4ED5-B49D-6AD9195D4775}" type="datetime1">
               <a:rPr lang="de-DE" smtClean="0"/>
-              <a:t>13.06.2025</a:t>
+              <a:t>18.06.2025</a:t>
             </a:fld>
             <a:endParaRPr lang="de-DE"/>
           </a:p>
@@ -4599,7 +4716,10 @@
           <a:bodyPr/>
           <a:lstStyle/>
           <a:p>
-            <a:endParaRPr lang="de-DE"/>
+            <a:r>
+              <a:rPr lang="de-DE"/>
+              <a:t>Simulation und Modellierung in der Medizininformatik</a:t>
+            </a:r>
           </a:p>
         </p:txBody>
       </p:sp>
@@ -4950,9 +5070,9 @@
           <a:bodyPr/>
           <a:lstStyle/>
           <a:p>
-            <a:fld id="{83AB6A7A-760E-487F-B824-C8AF509EACC5}" type="datetimeFigureOut">
+            <a:fld id="{77D9A8BA-78F9-412A-B301-9841363B510B}" type="datetime1">
               <a:rPr lang="de-DE" smtClean="0"/>
-              <a:t>13.06.2025</a:t>
+              <a:t>18.06.2025</a:t>
             </a:fld>
             <a:endParaRPr lang="de-DE"/>
           </a:p>
@@ -4973,7 +5093,10 @@
           <a:bodyPr/>
           <a:lstStyle/>
           <a:p>
-            <a:endParaRPr lang="de-DE"/>
+            <a:r>
+              <a:rPr lang="de-DE"/>
+              <a:t>Simulation und Modellierung in der Medizininformatik</a:t>
+            </a:r>
           </a:p>
         </p:txBody>
       </p:sp>
@@ -5073,9 +5196,9 @@
           <a:bodyPr/>
           <a:lstStyle/>
           <a:p>
-            <a:fld id="{83AB6A7A-760E-487F-B824-C8AF509EACC5}" type="datetimeFigureOut">
+            <a:fld id="{BC1412E1-2B3A-49A8-9247-86F8610D9DED}" type="datetime1">
               <a:rPr lang="de-DE" smtClean="0"/>
-              <a:t>13.06.2025</a:t>
+              <a:t>18.06.2025</a:t>
             </a:fld>
             <a:endParaRPr lang="de-DE"/>
           </a:p>
@@ -5096,7 +5219,10 @@
           <a:bodyPr/>
           <a:lstStyle/>
           <a:p>
-            <a:endParaRPr lang="de-DE"/>
+            <a:r>
+              <a:rPr lang="de-DE"/>
+              <a:t>Simulation und Modellierung in der Medizininformatik</a:t>
+            </a:r>
           </a:p>
         </p:txBody>
       </p:sp>
@@ -5168,9 +5294,9 @@
           <a:bodyPr/>
           <a:lstStyle/>
           <a:p>
-            <a:fld id="{83AB6A7A-760E-487F-B824-C8AF509EACC5}" type="datetimeFigureOut">
+            <a:fld id="{D91C2309-98B6-45EA-AA66-1EB41B56AD70}" type="datetime1">
               <a:rPr lang="de-DE" smtClean="0"/>
-              <a:t>13.06.2025</a:t>
+              <a:t>18.06.2025</a:t>
             </a:fld>
             <a:endParaRPr lang="de-DE"/>
           </a:p>
@@ -5191,7 +5317,10 @@
           <a:bodyPr/>
           <a:lstStyle/>
           <a:p>
-            <a:endParaRPr lang="de-DE"/>
+            <a:r>
+              <a:rPr lang="de-DE"/>
+              <a:t>Simulation und Modellierung in der Medizininformatik</a:t>
+            </a:r>
           </a:p>
         </p:txBody>
       </p:sp>
@@ -5423,9 +5552,9 @@
           <a:bodyPr/>
           <a:lstStyle/>
           <a:p>
-            <a:fld id="{83AB6A7A-760E-487F-B824-C8AF509EACC5}" type="datetimeFigureOut">
+            <a:fld id="{B50ABB6E-E500-47D1-A7D6-16FAECA17F2D}" type="datetime1">
               <a:rPr lang="de-DE" smtClean="0"/>
-              <a:t>13.06.2025</a:t>
+              <a:t>18.06.2025</a:t>
             </a:fld>
             <a:endParaRPr lang="de-DE"/>
           </a:p>
@@ -5446,7 +5575,10 @@
           <a:bodyPr/>
           <a:lstStyle/>
           <a:p>
-            <a:endParaRPr lang="de-DE"/>
+            <a:r>
+              <a:rPr lang="de-DE"/>
+              <a:t>Simulation und Modellierung in der Medizininformatik</a:t>
+            </a:r>
           </a:p>
         </p:txBody>
       </p:sp>
@@ -5686,9 +5818,9 @@
           <a:bodyPr/>
           <a:lstStyle/>
           <a:p>
-            <a:fld id="{83AB6A7A-760E-487F-B824-C8AF509EACC5}" type="datetimeFigureOut">
+            <a:fld id="{0E9F8E38-298B-4C6C-BC74-8159C9783D9E}" type="datetime1">
               <a:rPr lang="de-DE" smtClean="0"/>
-              <a:t>13.06.2025</a:t>
+              <a:t>18.06.2025</a:t>
             </a:fld>
             <a:endParaRPr lang="de-DE"/>
           </a:p>
@@ -5709,7 +5841,10 @@
           <a:bodyPr/>
           <a:lstStyle/>
           <a:p>
-            <a:endParaRPr lang="de-DE"/>
+            <a:r>
+              <a:rPr lang="de-DE"/>
+              <a:t>Simulation und Modellierung in der Medizininformatik</a:t>
+            </a:r>
           </a:p>
         </p:txBody>
       </p:sp>
@@ -6429,9 +6564,9 @@
             </a:lvl1pPr>
           </a:lstStyle>
           <a:p>
-            <a:fld id="{83AB6A7A-760E-487F-B824-C8AF509EACC5}" type="datetimeFigureOut">
+            <a:fld id="{25033FBD-D02E-4316-A0C3-C8976245BC7B}" type="datetime1">
               <a:rPr lang="de-DE" smtClean="0"/>
-              <a:t>13.06.2025</a:t>
+              <a:t>18.06.2025</a:t>
             </a:fld>
             <a:endParaRPr lang="de-DE"/>
           </a:p>
@@ -6470,7 +6605,10 @@
             </a:lvl1pPr>
           </a:lstStyle>
           <a:p>
-            <a:endParaRPr lang="de-DE"/>
+            <a:r>
+              <a:rPr lang="de-DE"/>
+              <a:t>Simulation und Modellierung in der Medizininformatik</a:t>
+            </a:r>
           </a:p>
         </p:txBody>
       </p:sp>
@@ -6539,6 +6677,7 @@
     <p:sldLayoutId id="2147483675" r:id="rId15"/>
     <p:sldLayoutId id="2147483676" r:id="rId16"/>
   </p:sldLayoutIdLst>
+  <p:hf hdr="0" dt="0"/>
   <p:txStyles>
     <p:titleStyle>
       <a:lvl1pPr algn="l" defTabSz="457200" rtl="0" eaLnBrk="1" latinLnBrk="0" hangingPunct="1">
@@ -7033,6 +7172,63 @@
           </a:p>
         </p:txBody>
       </p:sp>
+      <p:sp>
+        <p:nvSpPr>
+          <p:cNvPr id="4" name="Fußzeilenplatzhalter 3">
+            <a:extLst>
+              <a:ext uri="{FF2B5EF4-FFF2-40B4-BE49-F238E27FC236}">
+                <a16:creationId xmlns:a16="http://schemas.microsoft.com/office/drawing/2014/main" id="{08939E67-B51D-2DE8-0653-7891735EC129}"/>
+              </a:ext>
+            </a:extLst>
+          </p:cNvPr>
+          <p:cNvSpPr>
+            <a:spLocks noGrp="1"/>
+          </p:cNvSpPr>
+          <p:nvPr>
+            <p:ph type="ftr" sz="quarter" idx="11"/>
+          </p:nvPr>
+        </p:nvSpPr>
+        <p:spPr/>
+        <p:txBody>
+          <a:bodyPr/>
+          <a:lstStyle/>
+          <a:p>
+            <a:r>
+              <a:rPr lang="de-DE" dirty="0"/>
+              <a:t>Simulation und Modellierung in der Medizininformatik</a:t>
+            </a:r>
+          </a:p>
+        </p:txBody>
+      </p:sp>
+      <p:sp>
+        <p:nvSpPr>
+          <p:cNvPr id="5" name="Foliennummernplatzhalter 4">
+            <a:extLst>
+              <a:ext uri="{FF2B5EF4-FFF2-40B4-BE49-F238E27FC236}">
+                <a16:creationId xmlns:a16="http://schemas.microsoft.com/office/drawing/2014/main" id="{EC4E2CEB-DB3F-DB2B-303D-2E28574985BE}"/>
+              </a:ext>
+            </a:extLst>
+          </p:cNvPr>
+          <p:cNvSpPr>
+            <a:spLocks noGrp="1"/>
+          </p:cNvSpPr>
+          <p:nvPr>
+            <p:ph type="sldNum" sz="quarter" idx="12"/>
+          </p:nvPr>
+        </p:nvSpPr>
+        <p:spPr/>
+        <p:txBody>
+          <a:bodyPr/>
+          <a:lstStyle/>
+          <a:p>
+            <a:fld id="{8101D1D9-AD58-41E5-B572-7B1DDD62E7B4}" type="slidenum">
+              <a:rPr lang="de-DE" sz="1200" smtClean="0"/>
+              <a:t>1</a:t>
+            </a:fld>
+            <a:endParaRPr lang="de-DE" sz="1200" dirty="0"/>
+          </a:p>
+        </p:txBody>
+      </p:sp>
     </p:spTree>
     <p:extLst>
       <p:ext uri="{BB962C8B-B14F-4D97-AF65-F5344CB8AC3E}">
@@ -7139,6 +7335,63 @@
           </a:p>
         </p:txBody>
       </p:sp>
+      <p:sp>
+        <p:nvSpPr>
+          <p:cNvPr id="4" name="Fußzeilenplatzhalter 3">
+            <a:extLst>
+              <a:ext uri="{FF2B5EF4-FFF2-40B4-BE49-F238E27FC236}">
+                <a16:creationId xmlns:a16="http://schemas.microsoft.com/office/drawing/2014/main" id="{31EC65AE-1107-9891-4935-193080F15224}"/>
+              </a:ext>
+            </a:extLst>
+          </p:cNvPr>
+          <p:cNvSpPr>
+            <a:spLocks noGrp="1"/>
+          </p:cNvSpPr>
+          <p:nvPr>
+            <p:ph type="ftr" sz="quarter" idx="11"/>
+          </p:nvPr>
+        </p:nvSpPr>
+        <p:spPr/>
+        <p:txBody>
+          <a:bodyPr/>
+          <a:lstStyle/>
+          <a:p>
+            <a:r>
+              <a:rPr lang="de-DE"/>
+              <a:t>Simulation und Modellierung in der Medizininformatik</a:t>
+            </a:r>
+          </a:p>
+        </p:txBody>
+      </p:sp>
+      <p:sp>
+        <p:nvSpPr>
+          <p:cNvPr id="5" name="Foliennummernplatzhalter 4">
+            <a:extLst>
+              <a:ext uri="{FF2B5EF4-FFF2-40B4-BE49-F238E27FC236}">
+                <a16:creationId xmlns:a16="http://schemas.microsoft.com/office/drawing/2014/main" id="{9856A31E-B434-44F8-06EF-D15E3B3C12DB}"/>
+              </a:ext>
+            </a:extLst>
+          </p:cNvPr>
+          <p:cNvSpPr>
+            <a:spLocks noGrp="1"/>
+          </p:cNvSpPr>
+          <p:nvPr>
+            <p:ph type="sldNum" sz="quarter" idx="12"/>
+          </p:nvPr>
+        </p:nvSpPr>
+        <p:spPr/>
+        <p:txBody>
+          <a:bodyPr/>
+          <a:lstStyle/>
+          <a:p>
+            <a:fld id="{8101D1D9-AD58-41E5-B572-7B1DDD62E7B4}" type="slidenum">
+              <a:rPr lang="de-DE" sz="1200" smtClean="0"/>
+              <a:t>10</a:t>
+            </a:fld>
+            <a:endParaRPr lang="de-DE" dirty="0"/>
+          </a:p>
+        </p:txBody>
+      </p:sp>
     </p:spTree>
     <p:extLst>
       <p:ext uri="{BB962C8B-B14F-4D97-AF65-F5344CB8AC3E}">
@@ -7276,6 +7529,63 @@
               <a:buNone/>
             </a:pPr>
             <a:endParaRPr lang="de-DE" sz="2400" dirty="0"/>
+          </a:p>
+        </p:txBody>
+      </p:sp>
+      <p:sp>
+        <p:nvSpPr>
+          <p:cNvPr id="4" name="Fußzeilenplatzhalter 3">
+            <a:extLst>
+              <a:ext uri="{FF2B5EF4-FFF2-40B4-BE49-F238E27FC236}">
+                <a16:creationId xmlns:a16="http://schemas.microsoft.com/office/drawing/2014/main" id="{E708B2E3-234A-FA07-2442-7AE6153A6B2A}"/>
+              </a:ext>
+            </a:extLst>
+          </p:cNvPr>
+          <p:cNvSpPr>
+            <a:spLocks noGrp="1"/>
+          </p:cNvSpPr>
+          <p:nvPr>
+            <p:ph type="ftr" sz="quarter" idx="11"/>
+          </p:nvPr>
+        </p:nvSpPr>
+        <p:spPr/>
+        <p:txBody>
+          <a:bodyPr/>
+          <a:lstStyle/>
+          <a:p>
+            <a:r>
+              <a:rPr lang="de-DE"/>
+              <a:t>Simulation und Modellierung in der Medizininformatik</a:t>
+            </a:r>
+          </a:p>
+        </p:txBody>
+      </p:sp>
+      <p:sp>
+        <p:nvSpPr>
+          <p:cNvPr id="5" name="Foliennummernplatzhalter 4">
+            <a:extLst>
+              <a:ext uri="{FF2B5EF4-FFF2-40B4-BE49-F238E27FC236}">
+                <a16:creationId xmlns:a16="http://schemas.microsoft.com/office/drawing/2014/main" id="{1E8B29A1-CCF8-A978-7CA6-47F1775F765D}"/>
+              </a:ext>
+            </a:extLst>
+          </p:cNvPr>
+          <p:cNvSpPr>
+            <a:spLocks noGrp="1"/>
+          </p:cNvSpPr>
+          <p:nvPr>
+            <p:ph type="sldNum" sz="quarter" idx="12"/>
+          </p:nvPr>
+        </p:nvSpPr>
+        <p:spPr/>
+        <p:txBody>
+          <a:bodyPr/>
+          <a:lstStyle/>
+          <a:p>
+            <a:fld id="{8101D1D9-AD58-41E5-B572-7B1DDD62E7B4}" type="slidenum">
+              <a:rPr lang="de-DE" sz="1200" smtClean="0"/>
+              <a:t>11</a:t>
+            </a:fld>
+            <a:endParaRPr lang="de-DE" dirty="0"/>
           </a:p>
         </p:txBody>
       </p:sp>
@@ -7790,6 +8100,63 @@
           </a:ln>
         </p:spPr>
       </p:pic>
+      <p:sp>
+        <p:nvSpPr>
+          <p:cNvPr id="3" name="Fußzeilenplatzhalter 2">
+            <a:extLst>
+              <a:ext uri="{FF2B5EF4-FFF2-40B4-BE49-F238E27FC236}">
+                <a16:creationId xmlns:a16="http://schemas.microsoft.com/office/drawing/2014/main" id="{AC10E2AA-03E4-447A-4991-C08DFBC13335}"/>
+              </a:ext>
+            </a:extLst>
+          </p:cNvPr>
+          <p:cNvSpPr>
+            <a:spLocks noGrp="1"/>
+          </p:cNvSpPr>
+          <p:nvPr>
+            <p:ph type="ftr" sz="quarter" idx="11"/>
+          </p:nvPr>
+        </p:nvSpPr>
+        <p:spPr/>
+        <p:txBody>
+          <a:bodyPr/>
+          <a:lstStyle/>
+          <a:p>
+            <a:r>
+              <a:rPr lang="de-DE"/>
+              <a:t>Simulation und Modellierung in der Medizininformatik</a:t>
+            </a:r>
+          </a:p>
+        </p:txBody>
+      </p:sp>
+      <p:sp>
+        <p:nvSpPr>
+          <p:cNvPr id="6" name="Foliennummernplatzhalter 5">
+            <a:extLst>
+              <a:ext uri="{FF2B5EF4-FFF2-40B4-BE49-F238E27FC236}">
+                <a16:creationId xmlns:a16="http://schemas.microsoft.com/office/drawing/2014/main" id="{AD7D2660-6D81-25DD-8AF0-41CADD1484CE}"/>
+              </a:ext>
+            </a:extLst>
+          </p:cNvPr>
+          <p:cNvSpPr>
+            <a:spLocks noGrp="1"/>
+          </p:cNvSpPr>
+          <p:nvPr>
+            <p:ph type="sldNum" sz="quarter" idx="12"/>
+          </p:nvPr>
+        </p:nvSpPr>
+        <p:spPr/>
+        <p:txBody>
+          <a:bodyPr/>
+          <a:lstStyle/>
+          <a:p>
+            <a:fld id="{8101D1D9-AD58-41E5-B572-7B1DDD62E7B4}" type="slidenum">
+              <a:rPr lang="de-DE" sz="1200" smtClean="0"/>
+              <a:t>12</a:t>
+            </a:fld>
+            <a:endParaRPr lang="de-DE" dirty="0"/>
+          </a:p>
+        </p:txBody>
+      </p:sp>
     </p:spTree>
     <p:extLst>
       <p:ext uri="{BB962C8B-B14F-4D97-AF65-F5344CB8AC3E}">
@@ -8224,6 +8591,104 @@
           </a:p>
         </p:txBody>
       </p:sp>
+      <p:sp>
+        <p:nvSpPr>
+          <p:cNvPr id="4" name="Fußzeilenplatzhalter 3">
+            <a:extLst>
+              <a:ext uri="{FF2B5EF4-FFF2-40B4-BE49-F238E27FC236}">
+                <a16:creationId xmlns:a16="http://schemas.microsoft.com/office/drawing/2014/main" id="{4EB86C04-9CAA-83F6-8757-A64FF9BFA006}"/>
+              </a:ext>
+            </a:extLst>
+          </p:cNvPr>
+          <p:cNvSpPr>
+            <a:spLocks noGrp="1"/>
+          </p:cNvSpPr>
+          <p:nvPr>
+            <p:ph type="ftr" sz="quarter" idx="11"/>
+          </p:nvPr>
+        </p:nvSpPr>
+        <p:spPr/>
+        <p:txBody>
+          <a:bodyPr/>
+          <a:lstStyle/>
+          <a:p>
+            <a:r>
+              <a:rPr lang="de-DE"/>
+              <a:t>Simulation und Modellierung in der Medizininformatik</a:t>
+            </a:r>
+          </a:p>
+        </p:txBody>
+      </p:sp>
+      <p:sp>
+        <p:nvSpPr>
+          <p:cNvPr id="5" name="Foliennummernplatzhalter 4">
+            <a:extLst>
+              <a:ext uri="{FF2B5EF4-FFF2-40B4-BE49-F238E27FC236}">
+                <a16:creationId xmlns:a16="http://schemas.microsoft.com/office/drawing/2014/main" id="{3124FE71-3779-CD62-3C9A-AA0ABB606E88}"/>
+              </a:ext>
+            </a:extLst>
+          </p:cNvPr>
+          <p:cNvSpPr>
+            <a:spLocks noGrp="1"/>
+          </p:cNvSpPr>
+          <p:nvPr>
+            <p:ph type="sldNum" sz="quarter" idx="12"/>
+          </p:nvPr>
+        </p:nvSpPr>
+        <p:spPr/>
+        <p:txBody>
+          <a:bodyPr/>
+          <a:lstStyle/>
+          <a:p>
+            <a:fld id="{8101D1D9-AD58-41E5-B572-7B1DDD62E7B4}" type="slidenum">
+              <a:rPr lang="de-DE" sz="1200" smtClean="0"/>
+              <a:t>13</a:t>
+            </a:fld>
+            <a:endParaRPr lang="de-DE" dirty="0"/>
+          </a:p>
+        </p:txBody>
+      </p:sp>
+      <p:pic>
+        <p:nvPicPr>
+          <p:cNvPr id="7" name="Grafik 6" descr="Ein Bild, das Szene, Im Haus, medizinische Ausrüstung, Krankenhauszimmer enthält.&#10;&#10;KI-generierte Inhalte können fehlerhaft sein.">
+            <a:extLst>
+              <a:ext uri="{FF2B5EF4-FFF2-40B4-BE49-F238E27FC236}">
+                <a16:creationId xmlns:a16="http://schemas.microsoft.com/office/drawing/2014/main" id="{B3B2D12B-64BC-EA94-1EEA-AA0F9A093880}"/>
+              </a:ext>
+            </a:extLst>
+          </p:cNvPr>
+          <p:cNvPicPr>
+            <a:picLocks noChangeAspect="1"/>
+          </p:cNvPicPr>
+          <p:nvPr/>
+        </p:nvPicPr>
+        <p:blipFill>
+          <a:blip r:embed="rId3">
+            <a:extLst>
+              <a:ext uri="{28A0092B-C50C-407E-A947-70E740481C1C}">
+                <a14:useLocalDpi xmlns:a14="http://schemas.microsoft.com/office/drawing/2010/main" val="0"/>
+              </a:ext>
+            </a:extLst>
+          </a:blip>
+          <a:stretch>
+            <a:fillRect/>
+          </a:stretch>
+        </p:blipFill>
+        <p:spPr>
+          <a:xfrm>
+            <a:off x="3141970" y="546798"/>
+            <a:ext cx="8475902" cy="4380803"/>
+          </a:xfrm>
+          <a:prstGeom prst="rect">
+            <a:avLst/>
+          </a:prstGeom>
+          <a:ln w="12700">
+            <a:solidFill>
+              <a:schemeClr val="tx1"/>
+            </a:solidFill>
+          </a:ln>
+        </p:spPr>
+      </p:pic>
     </p:spTree>
     <p:extLst>
       <p:ext uri="{BB962C8B-B14F-4D97-AF65-F5344CB8AC3E}">
@@ -8246,6 +8711,126 @@
       </p:transition>
     </mc:Fallback>
   </mc:AlternateContent>
+  <p:timing>
+    <p:tnLst>
+      <p:par>
+        <p:cTn id="1" dur="indefinite" restart="never" nodeType="tmRoot">
+          <p:childTnLst>
+            <p:seq concurrent="1" nextAc="seek">
+              <p:cTn id="2" dur="indefinite" nodeType="mainSeq">
+                <p:childTnLst>
+                  <p:par>
+                    <p:cTn id="3" fill="hold">
+                      <p:stCondLst>
+                        <p:cond delay="indefinite"/>
+                      </p:stCondLst>
+                      <p:childTnLst>
+                        <p:par>
+                          <p:cTn id="4" fill="hold">
+                            <p:stCondLst>
+                              <p:cond delay="0"/>
+                            </p:stCondLst>
+                            <p:childTnLst>
+                              <p:par>
+                                <p:cTn id="5" presetID="1" presetClass="entr" presetSubtype="0" fill="hold" nodeType="clickEffect">
+                                  <p:stCondLst>
+                                    <p:cond delay="0"/>
+                                  </p:stCondLst>
+                                  <p:childTnLst>
+                                    <p:set>
+                                      <p:cBhvr>
+                                        <p:cTn id="6" dur="1" fill="hold">
+                                          <p:stCondLst>
+                                            <p:cond delay="0"/>
+                                          </p:stCondLst>
+                                        </p:cTn>
+                                        <p:tgtEl>
+                                          <p:spTgt spid="7"/>
+                                        </p:tgtEl>
+                                        <p:attrNameLst>
+                                          <p:attrName>style.visibility</p:attrName>
+                                        </p:attrNameLst>
+                                      </p:cBhvr>
+                                      <p:to>
+                                        <p:strVal val="visible"/>
+                                      </p:to>
+                                    </p:set>
+                                  </p:childTnLst>
+                                </p:cTn>
+                              </p:par>
+                            </p:childTnLst>
+                          </p:cTn>
+                        </p:par>
+                      </p:childTnLst>
+                    </p:cTn>
+                  </p:par>
+                  <p:par>
+                    <p:cTn id="7" fill="hold">
+                      <p:stCondLst>
+                        <p:cond delay="indefinite"/>
+                      </p:stCondLst>
+                      <p:childTnLst>
+                        <p:par>
+                          <p:cTn id="8" fill="hold">
+                            <p:stCondLst>
+                              <p:cond delay="0"/>
+                            </p:stCondLst>
+                            <p:childTnLst>
+                              <p:par>
+                                <p:cTn id="9" presetID="1" presetClass="exit" presetSubtype="0" fill="hold" nodeType="clickEffect">
+                                  <p:stCondLst>
+                                    <p:cond delay="0"/>
+                                  </p:stCondLst>
+                                  <p:childTnLst>
+                                    <p:set>
+                                      <p:cBhvr>
+                                        <p:cTn id="10" dur="1" fill="hold">
+                                          <p:stCondLst>
+                                            <p:cond delay="0"/>
+                                          </p:stCondLst>
+                                        </p:cTn>
+                                        <p:tgtEl>
+                                          <p:spTgt spid="7"/>
+                                        </p:tgtEl>
+                                        <p:attrNameLst>
+                                          <p:attrName>style.visibility</p:attrName>
+                                        </p:attrNameLst>
+                                      </p:cBhvr>
+                                      <p:to>
+                                        <p:strVal val="hidden"/>
+                                      </p:to>
+                                    </p:set>
+                                  </p:childTnLst>
+                                </p:cTn>
+                              </p:par>
+                            </p:childTnLst>
+                          </p:cTn>
+                        </p:par>
+                      </p:childTnLst>
+                    </p:cTn>
+                  </p:par>
+                </p:childTnLst>
+              </p:cTn>
+              <p:prevCondLst>
+                <p:cond evt="onPrev" delay="0">
+                  <p:tgtEl>
+                    <p:sldTgt/>
+                  </p:tgtEl>
+                </p:cond>
+              </p:prevCondLst>
+              <p:nextCondLst>
+                <p:cond evt="onNext" delay="0">
+                  <p:tgtEl>
+                    <p:sldTgt/>
+                  </p:tgtEl>
+                </p:cond>
+              </p:nextCondLst>
+            </p:seq>
+          </p:childTnLst>
+        </p:cTn>
+      </p:par>
+    </p:tnLst>
+  </p:timing>
 </p:sld>
 </file>
 
@@ -8370,6 +8955,63 @@
           </a:p>
           <a:p>
             <a:endParaRPr lang="de-DE" sz="2400" dirty="0"/>
+          </a:p>
+        </p:txBody>
+      </p:sp>
+      <p:sp>
+        <p:nvSpPr>
+          <p:cNvPr id="4" name="Fußzeilenplatzhalter 3">
+            <a:extLst>
+              <a:ext uri="{FF2B5EF4-FFF2-40B4-BE49-F238E27FC236}">
+                <a16:creationId xmlns:a16="http://schemas.microsoft.com/office/drawing/2014/main" id="{0C1C3976-89C8-C253-9CAE-D28BA3A0B699}"/>
+              </a:ext>
+            </a:extLst>
+          </p:cNvPr>
+          <p:cNvSpPr>
+            <a:spLocks noGrp="1"/>
+          </p:cNvSpPr>
+          <p:nvPr>
+            <p:ph type="ftr" sz="quarter" idx="11"/>
+          </p:nvPr>
+        </p:nvSpPr>
+        <p:spPr/>
+        <p:txBody>
+          <a:bodyPr/>
+          <a:lstStyle/>
+          <a:p>
+            <a:r>
+              <a:rPr lang="de-DE"/>
+              <a:t>Simulation und Modellierung in der Medizininformatik</a:t>
+            </a:r>
+          </a:p>
+        </p:txBody>
+      </p:sp>
+      <p:sp>
+        <p:nvSpPr>
+          <p:cNvPr id="5" name="Foliennummernplatzhalter 4">
+            <a:extLst>
+              <a:ext uri="{FF2B5EF4-FFF2-40B4-BE49-F238E27FC236}">
+                <a16:creationId xmlns:a16="http://schemas.microsoft.com/office/drawing/2014/main" id="{16C5DC0F-B967-485D-624F-29520A0B053E}"/>
+              </a:ext>
+            </a:extLst>
+          </p:cNvPr>
+          <p:cNvSpPr>
+            <a:spLocks noGrp="1"/>
+          </p:cNvSpPr>
+          <p:nvPr>
+            <p:ph type="sldNum" sz="quarter" idx="12"/>
+          </p:nvPr>
+        </p:nvSpPr>
+        <p:spPr/>
+        <p:txBody>
+          <a:bodyPr/>
+          <a:lstStyle/>
+          <a:p>
+            <a:fld id="{8101D1D9-AD58-41E5-B572-7B1DDD62E7B4}" type="slidenum">
+              <a:rPr lang="de-DE" sz="1200" smtClean="0"/>
+              <a:t>14</a:t>
+            </a:fld>
+            <a:endParaRPr lang="de-DE" sz="1200" dirty="0"/>
           </a:p>
         </p:txBody>
       </p:sp>
@@ -8523,6 +9165,63 @@
           </a:p>
         </p:txBody>
       </p:sp>
+      <p:sp>
+        <p:nvSpPr>
+          <p:cNvPr id="4" name="Fußzeilenplatzhalter 3">
+            <a:extLst>
+              <a:ext uri="{FF2B5EF4-FFF2-40B4-BE49-F238E27FC236}">
+                <a16:creationId xmlns:a16="http://schemas.microsoft.com/office/drawing/2014/main" id="{7ABFBD71-415F-7760-1D63-0C82D5BE1F97}"/>
+              </a:ext>
+            </a:extLst>
+          </p:cNvPr>
+          <p:cNvSpPr>
+            <a:spLocks noGrp="1"/>
+          </p:cNvSpPr>
+          <p:nvPr>
+            <p:ph type="ftr" sz="quarter" idx="11"/>
+          </p:nvPr>
+        </p:nvSpPr>
+        <p:spPr/>
+        <p:txBody>
+          <a:bodyPr/>
+          <a:lstStyle/>
+          <a:p>
+            <a:r>
+              <a:rPr lang="de-DE"/>
+              <a:t>Simulation und Modellierung in der Medizininformatik</a:t>
+            </a:r>
+          </a:p>
+        </p:txBody>
+      </p:sp>
+      <p:sp>
+        <p:nvSpPr>
+          <p:cNvPr id="5" name="Foliennummernplatzhalter 4">
+            <a:extLst>
+              <a:ext uri="{FF2B5EF4-FFF2-40B4-BE49-F238E27FC236}">
+                <a16:creationId xmlns:a16="http://schemas.microsoft.com/office/drawing/2014/main" id="{AA2EF1E2-77D6-95F0-9E1B-AA102AF3A559}"/>
+              </a:ext>
+            </a:extLst>
+          </p:cNvPr>
+          <p:cNvSpPr>
+            <a:spLocks noGrp="1"/>
+          </p:cNvSpPr>
+          <p:nvPr>
+            <p:ph type="sldNum" sz="quarter" idx="12"/>
+          </p:nvPr>
+        </p:nvSpPr>
+        <p:spPr/>
+        <p:txBody>
+          <a:bodyPr/>
+          <a:lstStyle/>
+          <a:p>
+            <a:fld id="{8101D1D9-AD58-41E5-B572-7B1DDD62E7B4}" type="slidenum">
+              <a:rPr lang="de-DE" sz="1200" smtClean="0"/>
+              <a:t>15</a:t>
+            </a:fld>
+            <a:endParaRPr lang="de-DE" dirty="0"/>
+          </a:p>
+        </p:txBody>
+      </p:sp>
     </p:spTree>
     <p:extLst>
       <p:ext uri="{BB962C8B-B14F-4D97-AF65-F5344CB8AC3E}">
@@ -8666,6 +9365,63 @@
           </a:p>
         </p:txBody>
       </p:sp>
+      <p:sp>
+        <p:nvSpPr>
+          <p:cNvPr id="4" name="Fußzeilenplatzhalter 3">
+            <a:extLst>
+              <a:ext uri="{FF2B5EF4-FFF2-40B4-BE49-F238E27FC236}">
+                <a16:creationId xmlns:a16="http://schemas.microsoft.com/office/drawing/2014/main" id="{665D6776-B672-DE91-63CA-278B0D5DA851}"/>
+              </a:ext>
+            </a:extLst>
+          </p:cNvPr>
+          <p:cNvSpPr>
+            <a:spLocks noGrp="1"/>
+          </p:cNvSpPr>
+          <p:nvPr>
+            <p:ph type="ftr" sz="quarter" idx="11"/>
+          </p:nvPr>
+        </p:nvSpPr>
+        <p:spPr/>
+        <p:txBody>
+          <a:bodyPr/>
+          <a:lstStyle/>
+          <a:p>
+            <a:r>
+              <a:rPr lang="de-DE"/>
+              <a:t>Simulation und Modellierung in der Medizininformatik</a:t>
+            </a:r>
+          </a:p>
+        </p:txBody>
+      </p:sp>
+      <p:sp>
+        <p:nvSpPr>
+          <p:cNvPr id="5" name="Foliennummernplatzhalter 4">
+            <a:extLst>
+              <a:ext uri="{FF2B5EF4-FFF2-40B4-BE49-F238E27FC236}">
+                <a16:creationId xmlns:a16="http://schemas.microsoft.com/office/drawing/2014/main" id="{C8916E63-BE84-5247-EF2E-920F902E6149}"/>
+              </a:ext>
+            </a:extLst>
+          </p:cNvPr>
+          <p:cNvSpPr>
+            <a:spLocks noGrp="1"/>
+          </p:cNvSpPr>
+          <p:nvPr>
+            <p:ph type="sldNum" sz="quarter" idx="12"/>
+          </p:nvPr>
+        </p:nvSpPr>
+        <p:spPr/>
+        <p:txBody>
+          <a:bodyPr/>
+          <a:lstStyle/>
+          <a:p>
+            <a:fld id="{8101D1D9-AD58-41E5-B572-7B1DDD62E7B4}" type="slidenum">
+              <a:rPr lang="de-DE" sz="1200" smtClean="0"/>
+              <a:t>16</a:t>
+            </a:fld>
+            <a:endParaRPr lang="de-DE" dirty="0"/>
+          </a:p>
+        </p:txBody>
+      </p:sp>
     </p:spTree>
     <p:extLst>
       <p:ext uri="{BB962C8B-B14F-4D97-AF65-F5344CB8AC3E}">
@@ -8772,6 +9528,63 @@
           </a:p>
         </p:txBody>
       </p:sp>
+      <p:sp>
+        <p:nvSpPr>
+          <p:cNvPr id="4" name="Fußzeilenplatzhalter 3">
+            <a:extLst>
+              <a:ext uri="{FF2B5EF4-FFF2-40B4-BE49-F238E27FC236}">
+                <a16:creationId xmlns:a16="http://schemas.microsoft.com/office/drawing/2014/main" id="{C8D893C0-0F6B-A01F-F25B-91E6D4E70CA4}"/>
+              </a:ext>
+            </a:extLst>
+          </p:cNvPr>
+          <p:cNvSpPr>
+            <a:spLocks noGrp="1"/>
+          </p:cNvSpPr>
+          <p:nvPr>
+            <p:ph type="ftr" sz="quarter" idx="11"/>
+          </p:nvPr>
+        </p:nvSpPr>
+        <p:spPr/>
+        <p:txBody>
+          <a:bodyPr/>
+          <a:lstStyle/>
+          <a:p>
+            <a:r>
+              <a:rPr lang="de-DE"/>
+              <a:t>Simulation und Modellierung in der Medizininformatik</a:t>
+            </a:r>
+          </a:p>
+        </p:txBody>
+      </p:sp>
+      <p:sp>
+        <p:nvSpPr>
+          <p:cNvPr id="5" name="Foliennummernplatzhalter 4">
+            <a:extLst>
+              <a:ext uri="{FF2B5EF4-FFF2-40B4-BE49-F238E27FC236}">
+                <a16:creationId xmlns:a16="http://schemas.microsoft.com/office/drawing/2014/main" id="{CFC173C1-A448-B79F-B73C-E9CE5076C3F0}"/>
+              </a:ext>
+            </a:extLst>
+          </p:cNvPr>
+          <p:cNvSpPr>
+            <a:spLocks noGrp="1"/>
+          </p:cNvSpPr>
+          <p:nvPr>
+            <p:ph type="sldNum" sz="quarter" idx="12"/>
+          </p:nvPr>
+        </p:nvSpPr>
+        <p:spPr/>
+        <p:txBody>
+          <a:bodyPr/>
+          <a:lstStyle/>
+          <a:p>
+            <a:fld id="{8101D1D9-AD58-41E5-B572-7B1DDD62E7B4}" type="slidenum">
+              <a:rPr lang="de-DE" sz="1200" smtClean="0"/>
+              <a:t>17</a:t>
+            </a:fld>
+            <a:endParaRPr lang="de-DE" dirty="0"/>
+          </a:p>
+        </p:txBody>
+      </p:sp>
     </p:spTree>
     <p:extLst>
       <p:ext uri="{BB962C8B-B14F-4D97-AF65-F5344CB8AC3E}">
@@ -8973,6 +9786,63 @@
           </a:ln>
         </p:spPr>
       </p:pic>
+      <p:sp>
+        <p:nvSpPr>
+          <p:cNvPr id="4" name="Fußzeilenplatzhalter 3">
+            <a:extLst>
+              <a:ext uri="{FF2B5EF4-FFF2-40B4-BE49-F238E27FC236}">
+                <a16:creationId xmlns:a16="http://schemas.microsoft.com/office/drawing/2014/main" id="{953E9DC3-6C99-DD27-F70F-B8C5888DEECB}"/>
+              </a:ext>
+            </a:extLst>
+          </p:cNvPr>
+          <p:cNvSpPr>
+            <a:spLocks noGrp="1"/>
+          </p:cNvSpPr>
+          <p:nvPr>
+            <p:ph type="ftr" sz="quarter" idx="11"/>
+          </p:nvPr>
+        </p:nvSpPr>
+        <p:spPr/>
+        <p:txBody>
+          <a:bodyPr/>
+          <a:lstStyle/>
+          <a:p>
+            <a:r>
+              <a:rPr lang="de-DE"/>
+              <a:t>Simulation und Modellierung in der Medizininformatik</a:t>
+            </a:r>
+          </a:p>
+        </p:txBody>
+      </p:sp>
+      <p:sp>
+        <p:nvSpPr>
+          <p:cNvPr id="6" name="Foliennummernplatzhalter 5">
+            <a:extLst>
+              <a:ext uri="{FF2B5EF4-FFF2-40B4-BE49-F238E27FC236}">
+                <a16:creationId xmlns:a16="http://schemas.microsoft.com/office/drawing/2014/main" id="{2109571C-A601-555C-1481-762A37E6516A}"/>
+              </a:ext>
+            </a:extLst>
+          </p:cNvPr>
+          <p:cNvSpPr>
+            <a:spLocks noGrp="1"/>
+          </p:cNvSpPr>
+          <p:nvPr>
+            <p:ph type="sldNum" sz="quarter" idx="12"/>
+          </p:nvPr>
+        </p:nvSpPr>
+        <p:spPr/>
+        <p:txBody>
+          <a:bodyPr/>
+          <a:lstStyle/>
+          <a:p>
+            <a:fld id="{8101D1D9-AD58-41E5-B572-7B1DDD62E7B4}" type="slidenum">
+              <a:rPr lang="de-DE" sz="1200" smtClean="0"/>
+              <a:t>18</a:t>
+            </a:fld>
+            <a:endParaRPr lang="de-DE" dirty="0"/>
+          </a:p>
+        </p:txBody>
+      </p:sp>
     </p:spTree>
     <p:extLst>
       <p:ext uri="{BB962C8B-B14F-4D97-AF65-F5344CB8AC3E}">
@@ -9075,7 +9945,7 @@
         <p:spPr/>
         <p:txBody>
           <a:bodyPr>
-            <a:normAutofit fontScale="92500"/>
+            <a:normAutofit/>
           </a:bodyPr>
           <a:lstStyle/>
           <a:p>
@@ -9104,21 +9974,6 @@
             <a:r>
               <a:rPr lang="de-DE" sz="2200" dirty="0"/>
               <a:t>: Hinweise auf aggressiveren Verlauf</a:t>
-            </a:r>
-          </a:p>
-          <a:p>
-            <a:pPr lvl="1"/>
-            <a:r>
-              <a:rPr lang="de-DE" sz="2200" b="1" dirty="0" err="1"/>
-              <a:t>Bayessches</a:t>
-            </a:r>
-            <a:r>
-              <a:rPr lang="de-DE" sz="2200" b="1" dirty="0"/>
-              <a:t> Risiko-Prognosemodell</a:t>
-            </a:r>
-            <a:r>
-              <a:rPr lang="de-DE" sz="2200" dirty="0"/>
-              <a:t>: ~22 % Risiko für Progression in 5 Jahren</a:t>
             </a:r>
           </a:p>
           <a:p>
@@ -9151,6 +10006,63 @@
           </a:p>
           <a:p>
             <a:endParaRPr lang="de-DE" sz="2400" dirty="0"/>
+          </a:p>
+        </p:txBody>
+      </p:sp>
+      <p:sp>
+        <p:nvSpPr>
+          <p:cNvPr id="4" name="Fußzeilenplatzhalter 3">
+            <a:extLst>
+              <a:ext uri="{FF2B5EF4-FFF2-40B4-BE49-F238E27FC236}">
+                <a16:creationId xmlns:a16="http://schemas.microsoft.com/office/drawing/2014/main" id="{B87A5741-017E-574C-4C4B-5572B2D86103}"/>
+              </a:ext>
+            </a:extLst>
+          </p:cNvPr>
+          <p:cNvSpPr>
+            <a:spLocks noGrp="1"/>
+          </p:cNvSpPr>
+          <p:nvPr>
+            <p:ph type="ftr" sz="quarter" idx="11"/>
+          </p:nvPr>
+        </p:nvSpPr>
+        <p:spPr/>
+        <p:txBody>
+          <a:bodyPr/>
+          <a:lstStyle/>
+          <a:p>
+            <a:r>
+              <a:rPr lang="de-DE"/>
+              <a:t>Simulation und Modellierung in der Medizininformatik</a:t>
+            </a:r>
+          </a:p>
+        </p:txBody>
+      </p:sp>
+      <p:sp>
+        <p:nvSpPr>
+          <p:cNvPr id="5" name="Foliennummernplatzhalter 4">
+            <a:extLst>
+              <a:ext uri="{FF2B5EF4-FFF2-40B4-BE49-F238E27FC236}">
+                <a16:creationId xmlns:a16="http://schemas.microsoft.com/office/drawing/2014/main" id="{D4B0BA14-BFE7-DEBE-9EA2-EF57E13C0E39}"/>
+              </a:ext>
+            </a:extLst>
+          </p:cNvPr>
+          <p:cNvSpPr>
+            <a:spLocks noGrp="1"/>
+          </p:cNvSpPr>
+          <p:nvPr>
+            <p:ph type="sldNum" sz="quarter" idx="12"/>
+          </p:nvPr>
+        </p:nvSpPr>
+        <p:spPr/>
+        <p:txBody>
+          <a:bodyPr/>
+          <a:lstStyle/>
+          <a:p>
+            <a:fld id="{8101D1D9-AD58-41E5-B572-7B1DDD62E7B4}" type="slidenum">
+              <a:rPr lang="de-DE" sz="1200" smtClean="0"/>
+              <a:t>19</a:t>
+            </a:fld>
+            <a:endParaRPr lang="de-DE" dirty="0"/>
           </a:p>
         </p:txBody>
       </p:sp>
@@ -9398,6 +10310,63 @@
               <a:rPr lang="de-DE" sz="2000" dirty="0"/>
               <a:t>Zukunftsperspektiven</a:t>
             </a:r>
+          </a:p>
+        </p:txBody>
+      </p:sp>
+      <p:sp>
+        <p:nvSpPr>
+          <p:cNvPr id="5" name="Fußzeilenplatzhalter 4">
+            <a:extLst>
+              <a:ext uri="{FF2B5EF4-FFF2-40B4-BE49-F238E27FC236}">
+                <a16:creationId xmlns:a16="http://schemas.microsoft.com/office/drawing/2014/main" id="{F2BA3838-F7D0-392F-89F1-0EFC3B5911B6}"/>
+              </a:ext>
+            </a:extLst>
+          </p:cNvPr>
+          <p:cNvSpPr>
+            <a:spLocks noGrp="1"/>
+          </p:cNvSpPr>
+          <p:nvPr>
+            <p:ph type="ftr" sz="quarter" idx="11"/>
+          </p:nvPr>
+        </p:nvSpPr>
+        <p:spPr/>
+        <p:txBody>
+          <a:bodyPr/>
+          <a:lstStyle/>
+          <a:p>
+            <a:r>
+              <a:rPr lang="de-DE" dirty="0"/>
+              <a:t>Simulation und Modellierung in der Medizininformatik</a:t>
+            </a:r>
+          </a:p>
+        </p:txBody>
+      </p:sp>
+      <p:sp>
+        <p:nvSpPr>
+          <p:cNvPr id="6" name="Foliennummernplatzhalter 5">
+            <a:extLst>
+              <a:ext uri="{FF2B5EF4-FFF2-40B4-BE49-F238E27FC236}">
+                <a16:creationId xmlns:a16="http://schemas.microsoft.com/office/drawing/2014/main" id="{DC49B76D-D789-C7F5-8A56-1B09969CF4D6}"/>
+              </a:ext>
+            </a:extLst>
+          </p:cNvPr>
+          <p:cNvSpPr>
+            <a:spLocks noGrp="1"/>
+          </p:cNvSpPr>
+          <p:nvPr>
+            <p:ph type="sldNum" sz="quarter" idx="12"/>
+          </p:nvPr>
+        </p:nvSpPr>
+        <p:spPr/>
+        <p:txBody>
+          <a:bodyPr/>
+          <a:lstStyle/>
+          <a:p>
+            <a:fld id="{8101D1D9-AD58-41E5-B572-7B1DDD62E7B4}" type="slidenum">
+              <a:rPr lang="de-DE" sz="1200" smtClean="0"/>
+              <a:t>2</a:t>
+            </a:fld>
+            <a:endParaRPr lang="de-DE" sz="1200" dirty="0"/>
           </a:p>
         </p:txBody>
       </p:sp>
@@ -9507,7 +10476,9 @@
           </a:xfrm>
         </p:spPr>
         <p:txBody>
-          <a:bodyPr/>
+          <a:bodyPr>
+            <a:normAutofit lnSpcReduction="10000"/>
+          </a:bodyPr>
           <a:lstStyle/>
           <a:p>
             <a:r>
@@ -9535,6 +10506,15 @@
             <a:r>
               <a:rPr lang="de-DE" sz="2200" dirty="0"/>
               <a:t> prognostizierte starke Fatigue</a:t>
+            </a:r>
+          </a:p>
+          <a:p>
+            <a:pPr marL="457200" lvl="1" indent="0">
+              <a:buNone/>
+            </a:pPr>
+            <a:r>
+              <a:rPr lang="de-DE" sz="2200" dirty="0"/>
+              <a:t>   (belastende Erschöpfung)</a:t>
             </a:r>
           </a:p>
           <a:p>
@@ -9648,6 +10628,63 @@
               <a:rPr lang="de-DE" sz="1400" dirty="0"/>
               <a:t>[Beispieldiagramm ohne echte Daten]</a:t>
             </a:r>
+          </a:p>
+        </p:txBody>
+      </p:sp>
+      <p:sp>
+        <p:nvSpPr>
+          <p:cNvPr id="3" name="Fußzeilenplatzhalter 2">
+            <a:extLst>
+              <a:ext uri="{FF2B5EF4-FFF2-40B4-BE49-F238E27FC236}">
+                <a16:creationId xmlns:a16="http://schemas.microsoft.com/office/drawing/2014/main" id="{E2C0949E-71FC-262A-1856-E1272751C0FC}"/>
+              </a:ext>
+            </a:extLst>
+          </p:cNvPr>
+          <p:cNvSpPr>
+            <a:spLocks noGrp="1"/>
+          </p:cNvSpPr>
+          <p:nvPr>
+            <p:ph type="ftr" sz="quarter" idx="11"/>
+          </p:nvPr>
+        </p:nvSpPr>
+        <p:spPr/>
+        <p:txBody>
+          <a:bodyPr/>
+          <a:lstStyle/>
+          <a:p>
+            <a:r>
+              <a:rPr lang="de-DE"/>
+              <a:t>Simulation und Modellierung in der Medizininformatik</a:t>
+            </a:r>
+          </a:p>
+        </p:txBody>
+      </p:sp>
+      <p:sp>
+        <p:nvSpPr>
+          <p:cNvPr id="4" name="Foliennummernplatzhalter 3">
+            <a:extLst>
+              <a:ext uri="{FF2B5EF4-FFF2-40B4-BE49-F238E27FC236}">
+                <a16:creationId xmlns:a16="http://schemas.microsoft.com/office/drawing/2014/main" id="{E48DAF0D-C25E-C6C4-E6E8-041AB25C0C69}"/>
+              </a:ext>
+            </a:extLst>
+          </p:cNvPr>
+          <p:cNvSpPr>
+            <a:spLocks noGrp="1"/>
+          </p:cNvSpPr>
+          <p:nvPr>
+            <p:ph type="sldNum" sz="quarter" idx="12"/>
+          </p:nvPr>
+        </p:nvSpPr>
+        <p:spPr/>
+        <p:txBody>
+          <a:bodyPr/>
+          <a:lstStyle/>
+          <a:p>
+            <a:fld id="{8101D1D9-AD58-41E5-B572-7B1DDD62E7B4}" type="slidenum">
+              <a:rPr lang="de-DE" sz="1200" smtClean="0"/>
+              <a:t>20</a:t>
+            </a:fld>
+            <a:endParaRPr lang="de-DE" dirty="0"/>
           </a:p>
         </p:txBody>
       </p:sp>
@@ -9825,6 +10862,63 @@
           </a:p>
         </p:txBody>
       </p:sp>
+      <p:sp>
+        <p:nvSpPr>
+          <p:cNvPr id="4" name="Fußzeilenplatzhalter 3">
+            <a:extLst>
+              <a:ext uri="{FF2B5EF4-FFF2-40B4-BE49-F238E27FC236}">
+                <a16:creationId xmlns:a16="http://schemas.microsoft.com/office/drawing/2014/main" id="{8A8C51E5-227B-9608-85C4-506BF6F6FE59}"/>
+              </a:ext>
+            </a:extLst>
+          </p:cNvPr>
+          <p:cNvSpPr>
+            <a:spLocks noGrp="1"/>
+          </p:cNvSpPr>
+          <p:nvPr>
+            <p:ph type="ftr" sz="quarter" idx="11"/>
+          </p:nvPr>
+        </p:nvSpPr>
+        <p:spPr/>
+        <p:txBody>
+          <a:bodyPr/>
+          <a:lstStyle/>
+          <a:p>
+            <a:r>
+              <a:rPr lang="de-DE"/>
+              <a:t>Simulation und Modellierung in der Medizininformatik</a:t>
+            </a:r>
+          </a:p>
+        </p:txBody>
+      </p:sp>
+      <p:sp>
+        <p:nvSpPr>
+          <p:cNvPr id="5" name="Foliennummernplatzhalter 4">
+            <a:extLst>
+              <a:ext uri="{FF2B5EF4-FFF2-40B4-BE49-F238E27FC236}">
+                <a16:creationId xmlns:a16="http://schemas.microsoft.com/office/drawing/2014/main" id="{8AB1307E-9590-C2FE-C476-380467EA4F2C}"/>
+              </a:ext>
+            </a:extLst>
+          </p:cNvPr>
+          <p:cNvSpPr>
+            <a:spLocks noGrp="1"/>
+          </p:cNvSpPr>
+          <p:nvPr>
+            <p:ph type="sldNum" sz="quarter" idx="12"/>
+          </p:nvPr>
+        </p:nvSpPr>
+        <p:spPr/>
+        <p:txBody>
+          <a:bodyPr/>
+          <a:lstStyle/>
+          <a:p>
+            <a:fld id="{8101D1D9-AD58-41E5-B572-7B1DDD62E7B4}" type="slidenum">
+              <a:rPr lang="de-DE" sz="1200" smtClean="0"/>
+              <a:t>21</a:t>
+            </a:fld>
+            <a:endParaRPr lang="de-DE" dirty="0"/>
+          </a:p>
+        </p:txBody>
+      </p:sp>
     </p:spTree>
     <p:extLst>
       <p:ext uri="{BB962C8B-B14F-4D97-AF65-F5344CB8AC3E}">
@@ -10006,6 +11100,63 @@
           </a:p>
         </p:txBody>
       </p:sp>
+      <p:sp>
+        <p:nvSpPr>
+          <p:cNvPr id="4" name="Fußzeilenplatzhalter 3">
+            <a:extLst>
+              <a:ext uri="{FF2B5EF4-FFF2-40B4-BE49-F238E27FC236}">
+                <a16:creationId xmlns:a16="http://schemas.microsoft.com/office/drawing/2014/main" id="{D06B2C3A-1B3C-1018-41F1-3D70698D8CF6}"/>
+              </a:ext>
+            </a:extLst>
+          </p:cNvPr>
+          <p:cNvSpPr>
+            <a:spLocks noGrp="1"/>
+          </p:cNvSpPr>
+          <p:nvPr>
+            <p:ph type="ftr" sz="quarter" idx="11"/>
+          </p:nvPr>
+        </p:nvSpPr>
+        <p:spPr/>
+        <p:txBody>
+          <a:bodyPr/>
+          <a:lstStyle/>
+          <a:p>
+            <a:r>
+              <a:rPr lang="de-DE"/>
+              <a:t>Simulation und Modellierung in der Medizininformatik</a:t>
+            </a:r>
+          </a:p>
+        </p:txBody>
+      </p:sp>
+      <p:sp>
+        <p:nvSpPr>
+          <p:cNvPr id="5" name="Foliennummernplatzhalter 4">
+            <a:extLst>
+              <a:ext uri="{FF2B5EF4-FFF2-40B4-BE49-F238E27FC236}">
+                <a16:creationId xmlns:a16="http://schemas.microsoft.com/office/drawing/2014/main" id="{4B73D602-BA22-B004-7EBA-5E323EE49415}"/>
+              </a:ext>
+            </a:extLst>
+          </p:cNvPr>
+          <p:cNvSpPr>
+            <a:spLocks noGrp="1"/>
+          </p:cNvSpPr>
+          <p:nvPr>
+            <p:ph type="sldNum" sz="quarter" idx="12"/>
+          </p:nvPr>
+        </p:nvSpPr>
+        <p:spPr/>
+        <p:txBody>
+          <a:bodyPr/>
+          <a:lstStyle/>
+          <a:p>
+            <a:fld id="{8101D1D9-AD58-41E5-B572-7B1DDD62E7B4}" type="slidenum">
+              <a:rPr lang="de-DE" sz="1200" smtClean="0"/>
+              <a:t>22</a:t>
+            </a:fld>
+            <a:endParaRPr lang="de-DE" dirty="0"/>
+          </a:p>
+        </p:txBody>
+      </p:sp>
     </p:spTree>
     <p:extLst>
       <p:ext uri="{BB962C8B-B14F-4D97-AF65-F5344CB8AC3E}">
@@ -10179,6 +11330,63 @@
           </a:ln>
         </p:spPr>
       </p:pic>
+      <p:sp>
+        <p:nvSpPr>
+          <p:cNvPr id="5" name="Fußzeilenplatzhalter 4">
+            <a:extLst>
+              <a:ext uri="{FF2B5EF4-FFF2-40B4-BE49-F238E27FC236}">
+                <a16:creationId xmlns:a16="http://schemas.microsoft.com/office/drawing/2014/main" id="{8C5E3695-65A2-5894-DD87-8AD0E818AA57}"/>
+              </a:ext>
+            </a:extLst>
+          </p:cNvPr>
+          <p:cNvSpPr>
+            <a:spLocks noGrp="1"/>
+          </p:cNvSpPr>
+          <p:nvPr>
+            <p:ph type="ftr" sz="quarter" idx="11"/>
+          </p:nvPr>
+        </p:nvSpPr>
+        <p:spPr/>
+        <p:txBody>
+          <a:bodyPr/>
+          <a:lstStyle/>
+          <a:p>
+            <a:r>
+              <a:rPr lang="de-DE"/>
+              <a:t>Simulation und Modellierung in der Medizininformatik</a:t>
+            </a:r>
+          </a:p>
+        </p:txBody>
+      </p:sp>
+      <p:sp>
+        <p:nvSpPr>
+          <p:cNvPr id="6" name="Foliennummernplatzhalter 5">
+            <a:extLst>
+              <a:ext uri="{FF2B5EF4-FFF2-40B4-BE49-F238E27FC236}">
+                <a16:creationId xmlns:a16="http://schemas.microsoft.com/office/drawing/2014/main" id="{13885325-3B8D-2100-8EFE-96E37377AFC5}"/>
+              </a:ext>
+            </a:extLst>
+          </p:cNvPr>
+          <p:cNvSpPr>
+            <a:spLocks noGrp="1"/>
+          </p:cNvSpPr>
+          <p:nvPr>
+            <p:ph type="sldNum" sz="quarter" idx="12"/>
+          </p:nvPr>
+        </p:nvSpPr>
+        <p:spPr/>
+        <p:txBody>
+          <a:bodyPr/>
+          <a:lstStyle/>
+          <a:p>
+            <a:fld id="{8101D1D9-AD58-41E5-B572-7B1DDD62E7B4}" type="slidenum">
+              <a:rPr lang="de-DE" sz="1200" smtClean="0"/>
+              <a:t>23</a:t>
+            </a:fld>
+            <a:endParaRPr lang="de-DE" dirty="0"/>
+          </a:p>
+        </p:txBody>
+      </p:sp>
     </p:spTree>
     <p:extLst>
       <p:ext uri="{BB962C8B-B14F-4D97-AF65-F5344CB8AC3E}">
@@ -10395,6 +11603,63 @@
           </a:p>
         </p:txBody>
       </p:sp>
+      <p:sp>
+        <p:nvSpPr>
+          <p:cNvPr id="4" name="Fußzeilenplatzhalter 3">
+            <a:extLst>
+              <a:ext uri="{FF2B5EF4-FFF2-40B4-BE49-F238E27FC236}">
+                <a16:creationId xmlns:a16="http://schemas.microsoft.com/office/drawing/2014/main" id="{CCFF681E-ACA5-2B2E-B133-BA20FBB21716}"/>
+              </a:ext>
+            </a:extLst>
+          </p:cNvPr>
+          <p:cNvSpPr>
+            <a:spLocks noGrp="1"/>
+          </p:cNvSpPr>
+          <p:nvPr>
+            <p:ph type="ftr" sz="quarter" idx="11"/>
+          </p:nvPr>
+        </p:nvSpPr>
+        <p:spPr/>
+        <p:txBody>
+          <a:bodyPr/>
+          <a:lstStyle/>
+          <a:p>
+            <a:r>
+              <a:rPr lang="de-DE"/>
+              <a:t>Simulation und Modellierung in der Medizininformatik</a:t>
+            </a:r>
+          </a:p>
+        </p:txBody>
+      </p:sp>
+      <p:sp>
+        <p:nvSpPr>
+          <p:cNvPr id="5" name="Foliennummernplatzhalter 4">
+            <a:extLst>
+              <a:ext uri="{FF2B5EF4-FFF2-40B4-BE49-F238E27FC236}">
+                <a16:creationId xmlns:a16="http://schemas.microsoft.com/office/drawing/2014/main" id="{66C8B311-5F72-337D-F121-ED8DE5E7C0CB}"/>
+              </a:ext>
+            </a:extLst>
+          </p:cNvPr>
+          <p:cNvSpPr>
+            <a:spLocks noGrp="1"/>
+          </p:cNvSpPr>
+          <p:nvPr>
+            <p:ph type="sldNum" sz="quarter" idx="12"/>
+          </p:nvPr>
+        </p:nvSpPr>
+        <p:spPr/>
+        <p:txBody>
+          <a:bodyPr/>
+          <a:lstStyle/>
+          <a:p>
+            <a:fld id="{8101D1D9-AD58-41E5-B572-7B1DDD62E7B4}" type="slidenum">
+              <a:rPr lang="de-DE" sz="1200" smtClean="0"/>
+              <a:t>3</a:t>
+            </a:fld>
+            <a:endParaRPr lang="de-DE" sz="1200" dirty="0"/>
+          </a:p>
+        </p:txBody>
+      </p:sp>
     </p:spTree>
     <p:extLst>
       <p:ext uri="{BB962C8B-B14F-4D97-AF65-F5344CB8AC3E}">
@@ -10541,6 +11806,63 @@
               <a:rPr lang="de-DE" sz="2400" dirty="0"/>
               <a:t> von Prozessen im Gesundheitswesen.</a:t>
             </a:r>
+          </a:p>
+        </p:txBody>
+      </p:sp>
+      <p:sp>
+        <p:nvSpPr>
+          <p:cNvPr id="4" name="Fußzeilenplatzhalter 3">
+            <a:extLst>
+              <a:ext uri="{FF2B5EF4-FFF2-40B4-BE49-F238E27FC236}">
+                <a16:creationId xmlns:a16="http://schemas.microsoft.com/office/drawing/2014/main" id="{12B8802B-B507-7E6E-E0E1-C973B2A5945B}"/>
+              </a:ext>
+            </a:extLst>
+          </p:cNvPr>
+          <p:cNvSpPr>
+            <a:spLocks noGrp="1"/>
+          </p:cNvSpPr>
+          <p:nvPr>
+            <p:ph type="ftr" sz="quarter" idx="11"/>
+          </p:nvPr>
+        </p:nvSpPr>
+        <p:spPr/>
+        <p:txBody>
+          <a:bodyPr/>
+          <a:lstStyle/>
+          <a:p>
+            <a:r>
+              <a:rPr lang="de-DE"/>
+              <a:t>Simulation und Modellierung in der Medizininformatik</a:t>
+            </a:r>
+          </a:p>
+        </p:txBody>
+      </p:sp>
+      <p:sp>
+        <p:nvSpPr>
+          <p:cNvPr id="5" name="Foliennummernplatzhalter 4">
+            <a:extLst>
+              <a:ext uri="{FF2B5EF4-FFF2-40B4-BE49-F238E27FC236}">
+                <a16:creationId xmlns:a16="http://schemas.microsoft.com/office/drawing/2014/main" id="{88882454-6C79-2966-FFB3-79C0D64FE0E5}"/>
+              </a:ext>
+            </a:extLst>
+          </p:cNvPr>
+          <p:cNvSpPr>
+            <a:spLocks noGrp="1"/>
+          </p:cNvSpPr>
+          <p:nvPr>
+            <p:ph type="sldNum" sz="quarter" idx="12"/>
+          </p:nvPr>
+        </p:nvSpPr>
+        <p:spPr/>
+        <p:txBody>
+          <a:bodyPr/>
+          <a:lstStyle/>
+          <a:p>
+            <a:fld id="{8101D1D9-AD58-41E5-B572-7B1DDD62E7B4}" type="slidenum">
+              <a:rPr lang="de-DE" sz="1200" smtClean="0"/>
+              <a:t>4</a:t>
+            </a:fld>
+            <a:endParaRPr lang="de-DE" sz="1200" dirty="0"/>
           </a:p>
         </p:txBody>
       </p:sp>
@@ -11081,6 +12403,63 @@
           </a:ln>
         </p:spPr>
       </p:pic>
+      <p:sp>
+        <p:nvSpPr>
+          <p:cNvPr id="3" name="Fußzeilenplatzhalter 2">
+            <a:extLst>
+              <a:ext uri="{FF2B5EF4-FFF2-40B4-BE49-F238E27FC236}">
+                <a16:creationId xmlns:a16="http://schemas.microsoft.com/office/drawing/2014/main" id="{8BBB5F61-DF6F-99A9-AA06-1BEB632D909E}"/>
+              </a:ext>
+            </a:extLst>
+          </p:cNvPr>
+          <p:cNvSpPr>
+            <a:spLocks noGrp="1"/>
+          </p:cNvSpPr>
+          <p:nvPr>
+            <p:ph type="ftr" sz="quarter" idx="11"/>
+          </p:nvPr>
+        </p:nvSpPr>
+        <p:spPr/>
+        <p:txBody>
+          <a:bodyPr/>
+          <a:lstStyle/>
+          <a:p>
+            <a:r>
+              <a:rPr lang="de-DE"/>
+              <a:t>Simulation und Modellierung in der Medizininformatik</a:t>
+            </a:r>
+          </a:p>
+        </p:txBody>
+      </p:sp>
+      <p:sp>
+        <p:nvSpPr>
+          <p:cNvPr id="4" name="Foliennummernplatzhalter 3">
+            <a:extLst>
+              <a:ext uri="{FF2B5EF4-FFF2-40B4-BE49-F238E27FC236}">
+                <a16:creationId xmlns:a16="http://schemas.microsoft.com/office/drawing/2014/main" id="{F048ABD9-2383-3FB8-02A1-BFFEA3046A29}"/>
+              </a:ext>
+            </a:extLst>
+          </p:cNvPr>
+          <p:cNvSpPr>
+            <a:spLocks noGrp="1"/>
+          </p:cNvSpPr>
+          <p:nvPr>
+            <p:ph type="sldNum" sz="quarter" idx="12"/>
+          </p:nvPr>
+        </p:nvSpPr>
+        <p:spPr/>
+        <p:txBody>
+          <a:bodyPr/>
+          <a:lstStyle/>
+          <a:p>
+            <a:fld id="{8101D1D9-AD58-41E5-B572-7B1DDD62E7B4}" type="slidenum">
+              <a:rPr lang="de-DE" sz="1200" smtClean="0"/>
+              <a:t>5</a:t>
+            </a:fld>
+            <a:endParaRPr lang="de-DE" sz="1200" dirty="0"/>
+          </a:p>
+        </p:txBody>
+      </p:sp>
     </p:spTree>
     <p:extLst>
       <p:ext uri="{BB962C8B-B14F-4D97-AF65-F5344CB8AC3E}">
@@ -11474,14 +12853,14 @@
           <a:p>
             <a:r>
               <a:rPr lang="de-DE" sz="2400" dirty="0"/>
+              <a:t>Entwicklung medizinischer Softwarelösungen</a:t>
+            </a:r>
+          </a:p>
+          <a:p>
+            <a:pPr lvl="1"/>
+            <a:r>
+              <a:rPr lang="de-DE" sz="2200" dirty="0"/>
               <a:t>Klinische Entscheidungsunterstützungssysteme (CDSS)</a:t>
-            </a:r>
-          </a:p>
-          <a:p>
-            <a:pPr lvl="1"/>
-            <a:r>
-              <a:rPr lang="de-DE" sz="2200" dirty="0"/>
-              <a:t>Entwicklung medizinischer Softwarelösungen</a:t>
             </a:r>
           </a:p>
           <a:p>
@@ -11527,6 +12906,145 @@
           </a:p>
         </p:txBody>
       </p:sp>
+      <p:sp>
+        <p:nvSpPr>
+          <p:cNvPr id="4" name="Fußzeilenplatzhalter 3">
+            <a:extLst>
+              <a:ext uri="{FF2B5EF4-FFF2-40B4-BE49-F238E27FC236}">
+                <a16:creationId xmlns:a16="http://schemas.microsoft.com/office/drawing/2014/main" id="{FDD3044B-5105-94F1-953E-0CD44256F295}"/>
+              </a:ext>
+            </a:extLst>
+          </p:cNvPr>
+          <p:cNvSpPr>
+            <a:spLocks noGrp="1"/>
+          </p:cNvSpPr>
+          <p:nvPr>
+            <p:ph type="ftr" sz="quarter" idx="11"/>
+          </p:nvPr>
+        </p:nvSpPr>
+        <p:spPr/>
+        <p:txBody>
+          <a:bodyPr/>
+          <a:lstStyle/>
+          <a:p>
+            <a:r>
+              <a:rPr lang="de-DE"/>
+              <a:t>Simulation und Modellierung in der Medizininformatik</a:t>
+            </a:r>
+          </a:p>
+        </p:txBody>
+      </p:sp>
+      <p:sp>
+        <p:nvSpPr>
+          <p:cNvPr id="5" name="Foliennummernplatzhalter 4">
+            <a:extLst>
+              <a:ext uri="{FF2B5EF4-FFF2-40B4-BE49-F238E27FC236}">
+                <a16:creationId xmlns:a16="http://schemas.microsoft.com/office/drawing/2014/main" id="{D3AFC603-0055-78B0-7219-90705117339A}"/>
+              </a:ext>
+            </a:extLst>
+          </p:cNvPr>
+          <p:cNvSpPr>
+            <a:spLocks noGrp="1"/>
+          </p:cNvSpPr>
+          <p:nvPr>
+            <p:ph type="sldNum" sz="quarter" idx="12"/>
+          </p:nvPr>
+        </p:nvSpPr>
+        <p:spPr/>
+        <p:txBody>
+          <a:bodyPr/>
+          <a:lstStyle/>
+          <a:p>
+            <a:fld id="{8101D1D9-AD58-41E5-B572-7B1DDD62E7B4}" type="slidenum">
+              <a:rPr lang="de-DE" sz="1400" smtClean="0"/>
+              <a:t>6</a:t>
+            </a:fld>
+            <a:endParaRPr lang="de-DE" sz="1400" dirty="0"/>
+          </a:p>
+        </p:txBody>
+      </p:sp>
+      <p:pic>
+        <p:nvPicPr>
+          <p:cNvPr id="7" name="Grafik 6" descr="Ein Bild, das Text, Screenshot, Diagramm, Schrift enthält.&#10;&#10;KI-generierte Inhalte können fehlerhaft sein.">
+            <a:extLst>
+              <a:ext uri="{FF2B5EF4-FFF2-40B4-BE49-F238E27FC236}">
+                <a16:creationId xmlns:a16="http://schemas.microsoft.com/office/drawing/2014/main" id="{0EC608AE-1F60-1C0D-6D08-9E2E64BED006}"/>
+              </a:ext>
+            </a:extLst>
+          </p:cNvPr>
+          <p:cNvPicPr>
+            <a:picLocks noChangeAspect="1"/>
+          </p:cNvPicPr>
+          <p:nvPr/>
+        </p:nvPicPr>
+        <p:blipFill>
+          <a:blip r:embed="rId2">
+            <a:extLst>
+              <a:ext uri="{28A0092B-C50C-407E-A947-70E740481C1C}">
+                <a14:useLocalDpi xmlns:a14="http://schemas.microsoft.com/office/drawing/2010/main" val="0"/>
+              </a:ext>
+            </a:extLst>
+          </a:blip>
+          <a:stretch>
+            <a:fillRect/>
+          </a:stretch>
+        </p:blipFill>
+        <p:spPr>
+          <a:xfrm>
+            <a:off x="7970982" y="238284"/>
+            <a:ext cx="4011583" cy="4011583"/>
+          </a:xfrm>
+          <a:prstGeom prst="rect">
+            <a:avLst/>
+          </a:prstGeom>
+          <a:ln w="12700">
+            <a:solidFill>
+              <a:schemeClr val="tx1"/>
+            </a:solidFill>
+          </a:ln>
+        </p:spPr>
+      </p:pic>
+      <p:pic>
+        <p:nvPicPr>
+          <p:cNvPr id="9" name="Grafik 8" descr="Ein Bild, das Text, Screenshot, Schrift, Reihe enthält.&#10;&#10;KI-generierte Inhalte können fehlerhaft sein.">
+            <a:extLst>
+              <a:ext uri="{FF2B5EF4-FFF2-40B4-BE49-F238E27FC236}">
+                <a16:creationId xmlns:a16="http://schemas.microsoft.com/office/drawing/2014/main" id="{1C4325C3-956B-094C-A7EE-FAA372B35B37}"/>
+              </a:ext>
+            </a:extLst>
+          </p:cNvPr>
+          <p:cNvPicPr>
+            <a:picLocks noChangeAspect="1"/>
+          </p:cNvPicPr>
+          <p:nvPr/>
+        </p:nvPicPr>
+        <p:blipFill>
+          <a:blip r:embed="rId3">
+            <a:extLst>
+              <a:ext uri="{28A0092B-C50C-407E-A947-70E740481C1C}">
+                <a14:useLocalDpi xmlns:a14="http://schemas.microsoft.com/office/drawing/2010/main" val="0"/>
+              </a:ext>
+            </a:extLst>
+          </a:blip>
+          <a:stretch>
+            <a:fillRect/>
+          </a:stretch>
+        </p:blipFill>
+        <p:spPr>
+          <a:xfrm>
+            <a:off x="4975668" y="1031312"/>
+            <a:ext cx="6786442" cy="2425525"/>
+          </a:xfrm>
+          <a:prstGeom prst="rect">
+            <a:avLst/>
+          </a:prstGeom>
+          <a:ln w="12700">
+            <a:solidFill>
+              <a:schemeClr val="tx1"/>
+            </a:solidFill>
+          </a:ln>
+        </p:spPr>
+      </p:pic>
     </p:spTree>
     <p:extLst>
       <p:ext uri="{BB962C8B-B14F-4D97-AF65-F5344CB8AC3E}">
@@ -11549,6 +13067,216 @@
       </p:transition>
     </mc:Fallback>
   </mc:AlternateContent>
+  <p:timing>
+    <p:tnLst>
+      <p:par>
+        <p:cTn id="1" dur="indefinite" restart="never" nodeType="tmRoot">
+          <p:childTnLst>
+            <p:seq concurrent="1" nextAc="seek">
+              <p:cTn id="2" dur="indefinite" nodeType="mainSeq">
+                <p:childTnLst>
+                  <p:par>
+                    <p:cTn id="3" fill="hold">
+                      <p:stCondLst>
+                        <p:cond delay="indefinite"/>
+                      </p:stCondLst>
+                      <p:childTnLst>
+                        <p:par>
+                          <p:cTn id="4" fill="hold">
+                            <p:stCondLst>
+                              <p:cond delay="0"/>
+                            </p:stCondLst>
+                            <p:childTnLst>
+                              <p:par>
+                                <p:cTn id="5" presetID="1" presetClass="entr" presetSubtype="0" fill="hold" nodeType="clickEffect">
+                                  <p:stCondLst>
+                                    <p:cond delay="0"/>
+                                  </p:stCondLst>
+                                  <p:childTnLst>
+                                    <p:set>
+                                      <p:cBhvr>
+                                        <p:cTn id="6" dur="1" fill="hold">
+                                          <p:stCondLst>
+                                            <p:cond delay="0"/>
+                                          </p:stCondLst>
+                                        </p:cTn>
+                                        <p:tgtEl>
+                                          <p:spTgt spid="7"/>
+                                        </p:tgtEl>
+                                        <p:attrNameLst>
+                                          <p:attrName>style.visibility</p:attrName>
+                                        </p:attrNameLst>
+                                      </p:cBhvr>
+                                      <p:to>
+                                        <p:strVal val="visible"/>
+                                      </p:to>
+                                    </p:set>
+                                  </p:childTnLst>
+                                </p:cTn>
+                              </p:par>
+                            </p:childTnLst>
+                          </p:cTn>
+                        </p:par>
+                      </p:childTnLst>
+                    </p:cTn>
+                  </p:par>
+                  <p:par>
+                    <p:cTn id="7" fill="hold">
+                      <p:stCondLst>
+                        <p:cond delay="indefinite"/>
+                      </p:stCondLst>
+                      <p:childTnLst>
+                        <p:par>
+                          <p:cTn id="8" fill="hold">
+                            <p:stCondLst>
+                              <p:cond delay="0"/>
+                            </p:stCondLst>
+                            <p:childTnLst>
+                              <p:par>
+                                <p:cTn id="9" presetID="1" presetClass="exit" presetSubtype="0" fill="hold" nodeType="clickEffect">
+                                  <p:stCondLst>
+                                    <p:cond delay="0"/>
+                                  </p:stCondLst>
+                                  <p:childTnLst>
+                                    <p:set>
+                                      <p:cBhvr>
+                                        <p:cTn id="10" dur="1" fill="hold">
+                                          <p:stCondLst>
+                                            <p:cond delay="0"/>
+                                          </p:stCondLst>
+                                        </p:cTn>
+                                        <p:tgtEl>
+                                          <p:spTgt spid="7"/>
+                                        </p:tgtEl>
+                                        <p:attrNameLst>
+                                          <p:attrName>style.visibility</p:attrName>
+                                        </p:attrNameLst>
+                                      </p:cBhvr>
+                                      <p:to>
+                                        <p:strVal val="hidden"/>
+                                      </p:to>
+                                    </p:set>
+                                  </p:childTnLst>
+                                </p:cTn>
+                              </p:par>
+                            </p:childTnLst>
+                          </p:cTn>
+                        </p:par>
+                      </p:childTnLst>
+                    </p:cTn>
+                  </p:par>
+                  <p:par>
+                    <p:cTn id="11" fill="hold">
+                      <p:stCondLst>
+                        <p:cond delay="indefinite"/>
+                      </p:stCondLst>
+                      <p:childTnLst>
+                        <p:par>
+                          <p:cTn id="12" fill="hold">
+                            <p:stCondLst>
+                              <p:cond delay="0"/>
+                            </p:stCondLst>
+                            <p:childTnLst>
+                              <p:par>
+                                <p:cTn id="13" presetID="1" presetClass="entr" presetSubtype="0" fill="hold" nodeType="clickEffect">
+                                  <p:stCondLst>
+                                    <p:cond delay="0"/>
+                                  </p:stCondLst>
+                                  <p:childTnLst>
+                                    <p:set>
+                                      <p:cBhvr>
+                                        <p:cTn id="14" dur="1" fill="hold">
+                                          <p:stCondLst>
+                                            <p:cond delay="0"/>
+                                          </p:stCondLst>
+                                        </p:cTn>
+                                        <p:tgtEl>
+                                          <p:spTgt spid="9"/>
+                                        </p:tgtEl>
+                                        <p:attrNameLst>
+                                          <p:attrName>style.visibility</p:attrName>
+                                        </p:attrNameLst>
+                                      </p:cBhvr>
+                                      <p:to>
+                                        <p:strVal val="visible"/>
+                                      </p:to>
+                                    </p:set>
+                                  </p:childTnLst>
+                                </p:cTn>
+                              </p:par>
+                            </p:childTnLst>
+                          </p:cTn>
+                        </p:par>
+                      </p:childTnLst>
+                    </p:cTn>
+                  </p:par>
+                  <p:par>
+                    <p:cTn id="15" fill="hold">
+                      <p:stCondLst>
+                        <p:cond delay="indefinite"/>
+                      </p:stCondLst>
+                      <p:childTnLst>
+                        <p:par>
+                          <p:cTn id="16" fill="hold">
+                            <p:stCondLst>
+                              <p:cond delay="0"/>
+                            </p:stCondLst>
+                            <p:childTnLst>
+                              <p:par>
+                                <p:cTn id="17" presetID="1" presetClass="exit" presetSubtype="0" fill="hold" nodeType="clickEffect">
+                                  <p:stCondLst>
+                                    <p:cond delay="0"/>
+                                  </p:stCondLst>
+                                  <p:childTnLst>
+                                    <p:set>
+                                      <p:cBhvr>
+                                        <p:cTn id="18" dur="1" fill="hold">
+                                          <p:stCondLst>
+                                            <p:cond delay="0"/>
+                                          </p:stCondLst>
+                                        </p:cTn>
+                                        <p:tgtEl>
+                                          <p:spTgt spid="9"/>
+                                        </p:tgtEl>
+                                        <p:attrNameLst>
+                                          <p:attrName>style.visibility</p:attrName>
+                                        </p:attrNameLst>
+                                      </p:cBhvr>
+                                      <p:to>
+                                        <p:strVal val="hidden"/>
+                                      </p:to>
+                                    </p:set>
+                                  </p:childTnLst>
+                                </p:cTn>
+                              </p:par>
+                            </p:childTnLst>
+                          </p:cTn>
+                        </p:par>
+                      </p:childTnLst>
+                    </p:cTn>
+                  </p:par>
+                </p:childTnLst>
+              </p:cTn>
+              <p:prevCondLst>
+                <p:cond evt="onPrev" delay="0">
+                  <p:tgtEl>
+                    <p:sldTgt/>
+                  </p:tgtEl>
+                </p:cond>
+              </p:prevCondLst>
+              <p:nextCondLst>
+                <p:cond evt="onNext" delay="0">
+                  <p:tgtEl>
+                    <p:sldTgt/>
+                  </p:tgtEl>
+                </p:cond>
+              </p:nextCondLst>
+            </p:seq>
+          </p:childTnLst>
+        </p:cTn>
+      </p:par>
+    </p:tnLst>
+  </p:timing>
 </p:sld>
 </file>
 
@@ -11643,6 +13371,63 @@
               <a:rPr lang="de-DE" sz="2400" dirty="0"/>
               <a:t>Validierung der Modelle anhand klinischer Studien oder Vergleichsdaten</a:t>
             </a:r>
+          </a:p>
+        </p:txBody>
+      </p:sp>
+      <p:sp>
+        <p:nvSpPr>
+          <p:cNvPr id="4" name="Fußzeilenplatzhalter 3">
+            <a:extLst>
+              <a:ext uri="{FF2B5EF4-FFF2-40B4-BE49-F238E27FC236}">
+                <a16:creationId xmlns:a16="http://schemas.microsoft.com/office/drawing/2014/main" id="{095BD12D-41B9-0AC3-BA10-B0605B7C1CF0}"/>
+              </a:ext>
+            </a:extLst>
+          </p:cNvPr>
+          <p:cNvSpPr>
+            <a:spLocks noGrp="1"/>
+          </p:cNvSpPr>
+          <p:nvPr>
+            <p:ph type="ftr" sz="quarter" idx="11"/>
+          </p:nvPr>
+        </p:nvSpPr>
+        <p:spPr/>
+        <p:txBody>
+          <a:bodyPr/>
+          <a:lstStyle/>
+          <a:p>
+            <a:r>
+              <a:rPr lang="de-DE"/>
+              <a:t>Simulation und Modellierung in der Medizininformatik</a:t>
+            </a:r>
+          </a:p>
+        </p:txBody>
+      </p:sp>
+      <p:sp>
+        <p:nvSpPr>
+          <p:cNvPr id="5" name="Foliennummernplatzhalter 4">
+            <a:extLst>
+              <a:ext uri="{FF2B5EF4-FFF2-40B4-BE49-F238E27FC236}">
+                <a16:creationId xmlns:a16="http://schemas.microsoft.com/office/drawing/2014/main" id="{F8A4EEE8-895E-A8A1-4095-1DD0FEC3FC4A}"/>
+              </a:ext>
+            </a:extLst>
+          </p:cNvPr>
+          <p:cNvSpPr>
+            <a:spLocks noGrp="1"/>
+          </p:cNvSpPr>
+          <p:nvPr>
+            <p:ph type="sldNum" sz="quarter" idx="12"/>
+          </p:nvPr>
+        </p:nvSpPr>
+        <p:spPr/>
+        <p:txBody>
+          <a:bodyPr/>
+          <a:lstStyle/>
+          <a:p>
+            <a:fld id="{8101D1D9-AD58-41E5-B572-7B1DDD62E7B4}" type="slidenum">
+              <a:rPr lang="de-DE" sz="1200" smtClean="0"/>
+              <a:t>7</a:t>
+            </a:fld>
+            <a:endParaRPr lang="de-DE" sz="1200" dirty="0"/>
           </a:p>
         </p:txBody>
       </p:sp>
@@ -11771,6 +13556,63 @@
           </a:p>
         </p:txBody>
       </p:sp>
+      <p:sp>
+        <p:nvSpPr>
+          <p:cNvPr id="4" name="Fußzeilenplatzhalter 3">
+            <a:extLst>
+              <a:ext uri="{FF2B5EF4-FFF2-40B4-BE49-F238E27FC236}">
+                <a16:creationId xmlns:a16="http://schemas.microsoft.com/office/drawing/2014/main" id="{34FBB14C-1A0A-BCC5-2484-89F27FEBC869}"/>
+              </a:ext>
+            </a:extLst>
+          </p:cNvPr>
+          <p:cNvSpPr>
+            <a:spLocks noGrp="1"/>
+          </p:cNvSpPr>
+          <p:nvPr>
+            <p:ph type="ftr" sz="quarter" idx="11"/>
+          </p:nvPr>
+        </p:nvSpPr>
+        <p:spPr/>
+        <p:txBody>
+          <a:bodyPr/>
+          <a:lstStyle/>
+          <a:p>
+            <a:r>
+              <a:rPr lang="de-DE"/>
+              <a:t>Simulation und Modellierung in der Medizininformatik</a:t>
+            </a:r>
+          </a:p>
+        </p:txBody>
+      </p:sp>
+      <p:sp>
+        <p:nvSpPr>
+          <p:cNvPr id="5" name="Foliennummernplatzhalter 4">
+            <a:extLst>
+              <a:ext uri="{FF2B5EF4-FFF2-40B4-BE49-F238E27FC236}">
+                <a16:creationId xmlns:a16="http://schemas.microsoft.com/office/drawing/2014/main" id="{CCE2E6D4-C2BE-B1A7-36EF-04223D84C80D}"/>
+              </a:ext>
+            </a:extLst>
+          </p:cNvPr>
+          <p:cNvSpPr>
+            <a:spLocks noGrp="1"/>
+          </p:cNvSpPr>
+          <p:nvPr>
+            <p:ph type="sldNum" sz="quarter" idx="12"/>
+          </p:nvPr>
+        </p:nvSpPr>
+        <p:spPr/>
+        <p:txBody>
+          <a:bodyPr/>
+          <a:lstStyle/>
+          <a:p>
+            <a:fld id="{8101D1D9-AD58-41E5-B572-7B1DDD62E7B4}" type="slidenum">
+              <a:rPr lang="de-DE" sz="1200" smtClean="0"/>
+              <a:t>8</a:t>
+            </a:fld>
+            <a:endParaRPr lang="de-DE" sz="1200" dirty="0"/>
+          </a:p>
+        </p:txBody>
+      </p:sp>
     </p:spTree>
     <p:extLst>
       <p:ext uri="{BB962C8B-B14F-4D97-AF65-F5344CB8AC3E}">
@@ -11891,7 +13733,7 @@
             </a:r>
             <a:r>
               <a:rPr lang="de-DE" sz="2400" dirty="0"/>
-              <a:t> von Patienten</a:t>
+              <a:t> von Patienten (starke Überschneidung in die Simulation)</a:t>
             </a:r>
           </a:p>
           <a:p>
@@ -11914,6 +13756,63 @@
               <a:t>elektronische Gesundheitsakten</a:t>
             </a:r>
             <a:endParaRPr lang="de-DE" sz="2400" dirty="0"/>
+          </a:p>
+        </p:txBody>
+      </p:sp>
+      <p:sp>
+        <p:nvSpPr>
+          <p:cNvPr id="4" name="Fußzeilenplatzhalter 3">
+            <a:extLst>
+              <a:ext uri="{FF2B5EF4-FFF2-40B4-BE49-F238E27FC236}">
+                <a16:creationId xmlns:a16="http://schemas.microsoft.com/office/drawing/2014/main" id="{C031746E-13A5-7945-E41A-E8671C4FB40B}"/>
+              </a:ext>
+            </a:extLst>
+          </p:cNvPr>
+          <p:cNvSpPr>
+            <a:spLocks noGrp="1"/>
+          </p:cNvSpPr>
+          <p:nvPr>
+            <p:ph type="ftr" sz="quarter" idx="11"/>
+          </p:nvPr>
+        </p:nvSpPr>
+        <p:spPr/>
+        <p:txBody>
+          <a:bodyPr/>
+          <a:lstStyle/>
+          <a:p>
+            <a:r>
+              <a:rPr lang="de-DE"/>
+              <a:t>Simulation und Modellierung in der Medizininformatik</a:t>
+            </a:r>
+          </a:p>
+        </p:txBody>
+      </p:sp>
+      <p:sp>
+        <p:nvSpPr>
+          <p:cNvPr id="5" name="Foliennummernplatzhalter 4">
+            <a:extLst>
+              <a:ext uri="{FF2B5EF4-FFF2-40B4-BE49-F238E27FC236}">
+                <a16:creationId xmlns:a16="http://schemas.microsoft.com/office/drawing/2014/main" id="{03B26484-546A-10C1-F124-F54C50EACF2F}"/>
+              </a:ext>
+            </a:extLst>
+          </p:cNvPr>
+          <p:cNvSpPr>
+            <a:spLocks noGrp="1"/>
+          </p:cNvSpPr>
+          <p:nvPr>
+            <p:ph type="sldNum" sz="quarter" idx="12"/>
+          </p:nvPr>
+        </p:nvSpPr>
+        <p:spPr/>
+        <p:txBody>
+          <a:bodyPr/>
+          <a:lstStyle/>
+          <a:p>
+            <a:fld id="{8101D1D9-AD58-41E5-B572-7B1DDD62E7B4}" type="slidenum">
+              <a:rPr lang="de-DE" sz="1200" smtClean="0"/>
+              <a:t>9</a:t>
+            </a:fld>
+            <a:endParaRPr lang="de-DE" sz="1200" dirty="0"/>
           </a:p>
         </p:txBody>
       </p:sp>

--- a/Simulation und Modellierung in der Medizininformatik_2.0.pptx
+++ b/Simulation und Modellierung in der Medizininformatik_2.0.pptx
@@ -8676,7 +8676,7 @@
         </p:blipFill>
         <p:spPr>
           <a:xfrm>
-            <a:off x="3141970" y="546798"/>
+            <a:off x="1858049" y="1586131"/>
             <a:ext cx="8475902" cy="4380803"/>
           </a:xfrm>
           <a:prstGeom prst="rect">
@@ -9300,7 +9300,7 @@
             </a:br>
             <a:r>
               <a:rPr lang="de-DE" b="1" dirty="0"/>
-              <a:t>8. Zukunftsperspektiven</a:t>
+              <a:t>6. Zukunftsperspektiven</a:t>
             </a:r>
           </a:p>
         </p:txBody>
@@ -13032,8 +13032,8 @@
         </p:blipFill>
         <p:spPr>
           <a:xfrm>
-            <a:off x="4975668" y="1031312"/>
-            <a:ext cx="6786442" cy="2425525"/>
+            <a:off x="3721395" y="1585039"/>
+            <a:ext cx="8051348" cy="2877612"/>
           </a:xfrm>
           <a:prstGeom prst="rect">
             <a:avLst/>
